--- a/materials/slides/ch09.pptx
+++ b/materials/slides/ch09.pptx
@@ -5,7 +5,7 @@
     <p:sldMasterId id="2147483673" r:id="rId1"/>
   </p:sldMasterIdLst>
   <p:notesMasterIdLst>
-    <p:notesMasterId r:id="rId20"/>
+    <p:notesMasterId r:id="rId21"/>
   </p:notesMasterIdLst>
   <p:sldIdLst>
     <p:sldId id="299" r:id="rId2"/>
@@ -20,12 +20,13 @@
     <p:sldId id="302" r:id="rId11"/>
     <p:sldId id="312" r:id="rId12"/>
     <p:sldId id="310" r:id="rId13"/>
-    <p:sldId id="313" r:id="rId14"/>
-    <p:sldId id="315" r:id="rId15"/>
-    <p:sldId id="314" r:id="rId16"/>
-    <p:sldId id="311" r:id="rId17"/>
-    <p:sldId id="319" r:id="rId18"/>
-    <p:sldId id="306" r:id="rId19"/>
+    <p:sldId id="320" r:id="rId14"/>
+    <p:sldId id="313" r:id="rId15"/>
+    <p:sldId id="315" r:id="rId16"/>
+    <p:sldId id="314" r:id="rId17"/>
+    <p:sldId id="311" r:id="rId18"/>
+    <p:sldId id="319" r:id="rId19"/>
+    <p:sldId id="306" r:id="rId20"/>
   </p:sldIdLst>
   <p:sldSz cx="12192000" cy="6858000"/>
   <p:notesSz cx="6796088" cy="9928225"/>
@@ -181,7 +182,7 @@
   </p:defaultTextStyle>
   <p:extLst>
     <p:ext uri="{EFAFB233-063F-42B5-8137-9DF3F51BA10A}">
-      <p15:sldGuideLst xmlns:p15="http://schemas.microsoft.com/office/powerpoint/2012/main">
+      <p15:sldGuideLst xmlns:p15="http://schemas.microsoft.com/office/powerpoint/2012/main" xmlns="">
         <p15:guide id="1" orient="horz" pos="2160" userDrawn="1">
           <p15:clr>
             <a:srgbClr val="A4A3A4"/>
@@ -195,7 +196,7 @@
       </p15:sldGuideLst>
     </p:ext>
     <p:ext uri="{2D200454-40CA-4A62-9FC3-DE9A4176ACB9}">
-      <p15:notesGuideLst xmlns:p15="http://schemas.microsoft.com/office/powerpoint/2012/main">
+      <p15:notesGuideLst xmlns:p15="http://schemas.microsoft.com/office/powerpoint/2012/main" xmlns="">
         <p15:guide id="1" orient="horz" pos="2880">
           <p15:clr>
             <a:srgbClr val="A4A3A4"/>
@@ -619,6 +620,11 @@
         </p:txBody>
       </p:sp>
     </p:spTree>
+    <p:extLst>
+      <p:ext uri="{BB962C8B-B14F-4D97-AF65-F5344CB8AC3E}">
+        <p14:creationId xmlns:p14="http://schemas.microsoft.com/office/powerpoint/2010/main" val="3122577726"/>
+      </p:ext>
+    </p:extLst>
   </p:cSld>
   <p:clrMap bg1="lt1" tx1="dk1" bg2="lt2" tx2="dk2" accent1="accent1" accent2="accent2" accent3="accent3" accent4="accent4" accent5="accent5" accent6="accent6" hlink="hlink" folHlink="folHlink"/>
   <p:notesStyle>
@@ -2625,7 +2631,7 @@
                 <a:ea typeface="宋体" panose="02010600030101010101" pitchFamily="2" charset="-122"/>
               </a:rPr>
               <a:pPr/>
-              <a:t>13</a:t>
+              <a:t>14</a:t>
             </a:fld>
             <a:endParaRPr kumimoji="0" lang="en-US" altLang="zh-CN" sz="2400">
               <a:solidFill>
@@ -3107,7 +3113,7 @@
                 <a:buFontTx/>
                 <a:buNone/>
               </a:pPr>
-              <a:t>13</a:t>
+              <a:t>14</a:t>
             </a:fld>
             <a:endParaRPr kumimoji="0" lang="en-US" altLang="zh-CN">
               <a:solidFill>
@@ -3382,7 +3388,7 @@
                 <a:ea typeface="宋体" panose="02010600030101010101" pitchFamily="2" charset="-122"/>
               </a:rPr>
               <a:pPr/>
-              <a:t>14</a:t>
+              <a:t>15</a:t>
             </a:fld>
             <a:endParaRPr kumimoji="0" lang="en-US" altLang="zh-CN" sz="2400">
               <a:solidFill>
@@ -3864,7 +3870,7 @@
                 <a:buFontTx/>
                 <a:buNone/>
               </a:pPr>
-              <a:t>14</a:t>
+              <a:t>15</a:t>
             </a:fld>
             <a:endParaRPr kumimoji="0" lang="en-US" altLang="zh-CN">
               <a:solidFill>
@@ -4139,7 +4145,7 @@
                 <a:ea typeface="宋体" panose="02010600030101010101" pitchFamily="2" charset="-122"/>
               </a:rPr>
               <a:pPr/>
-              <a:t>15</a:t>
+              <a:t>16</a:t>
             </a:fld>
             <a:endParaRPr kumimoji="0" lang="en-US" altLang="zh-CN" sz="2400">
               <a:solidFill>
@@ -4621,7 +4627,7 @@
                 <a:buFontTx/>
                 <a:buNone/>
               </a:pPr>
-              <a:t>15</a:t>
+              <a:t>16</a:t>
             </a:fld>
             <a:endParaRPr kumimoji="0" lang="en-US" altLang="zh-CN">
               <a:solidFill>
@@ -4896,7 +4902,7 @@
                 <a:ea typeface="宋体" panose="02010600030101010101" pitchFamily="2" charset="-122"/>
               </a:rPr>
               <a:pPr/>
-              <a:t>16</a:t>
+              <a:t>17</a:t>
             </a:fld>
             <a:endParaRPr kumimoji="0" lang="en-US" altLang="zh-CN" sz="2400">
               <a:solidFill>
@@ -5378,7 +5384,7 @@
                 <a:buFontTx/>
                 <a:buNone/>
               </a:pPr>
-              <a:t>16</a:t>
+              <a:t>17</a:t>
             </a:fld>
             <a:endParaRPr kumimoji="0" lang="en-US" altLang="zh-CN">
               <a:solidFill>
@@ -5653,7 +5659,7 @@
                 <a:ea typeface="宋体" panose="02010600030101010101" pitchFamily="2" charset="-122"/>
               </a:rPr>
               <a:pPr/>
-              <a:t>17</a:t>
+              <a:t>18</a:t>
             </a:fld>
             <a:endParaRPr kumimoji="0" lang="en-US" altLang="zh-CN" sz="2400">
               <a:solidFill>
@@ -6135,7 +6141,7 @@
                 <a:buFontTx/>
                 <a:buNone/>
               </a:pPr>
-              <a:t>17</a:t>
+              <a:t>18</a:t>
             </a:fld>
             <a:endParaRPr kumimoji="0" lang="en-US" altLang="zh-CN">
               <a:solidFill>
@@ -6229,7 +6235,7 @@
           <a:p>
             <a:fld id="{4E38F04A-84B0-4E5D-A1A7-EE43D6EF2A66}" type="slidenum">
               <a:rPr lang="zh-CN" altLang="en-US" smtClean="0"/>
-              <a:t>18</a:t>
+              <a:t>19</a:t>
             </a:fld>
             <a:endParaRPr lang="zh-CN" altLang="en-US"/>
           </a:p>
@@ -11036,7 +11042,7 @@
         </p:blipFill>
         <p:spPr>
           <a:xfrm>
-            <a:off x="1866901" y="0"/>
+            <a:off x="2323628" y="0"/>
             <a:ext cx="10325100" cy="6883400"/>
           </a:xfrm>
           <a:prstGeom prst="rect">
@@ -11137,7 +11143,7 @@
           <a:p>
             <a:fld id="{1ABFA14F-DE9C-4D83-8C58-D4C03BB9FF78}" type="datetimeFigureOut">
               <a:rPr lang="zh-CN" altLang="en-US" smtClean="0"/>
-              <a:t>2018/9/25</a:t>
+              <a:t>2019/3/29</a:t>
             </a:fld>
             <a:endParaRPr lang="zh-CN" altLang="en-US"/>
           </a:p>
@@ -11193,7 +11199,7 @@
         </p:nvSpPr>
         <p:spPr>
           <a:xfrm>
-            <a:off x="296214" y="399245"/>
+            <a:off x="484147" y="399245"/>
             <a:ext cx="1867437" cy="1262130"/>
           </a:xfrm>
           <a:prstGeom prst="rect">
@@ -11376,7 +11382,7 @@
           <a:p>
             <a:fld id="{1ABFA14F-DE9C-4D83-8C58-D4C03BB9FF78}" type="datetimeFigureOut">
               <a:rPr lang="zh-CN" altLang="en-US" smtClean="0"/>
-              <a:t>2018/9/25</a:t>
+              <a:t>2019/3/29</a:t>
             </a:fld>
             <a:endParaRPr lang="zh-CN" altLang="en-US"/>
           </a:p>
@@ -11720,7 +11726,7 @@
           <a:p>
             <a:fld id="{1ABFA14F-DE9C-4D83-8C58-D4C03BB9FF78}" type="datetimeFigureOut">
               <a:rPr lang="zh-CN" altLang="en-US" smtClean="0"/>
-              <a:t>2018/9/25</a:t>
+              <a:t>2019/3/29</a:t>
             </a:fld>
             <a:endParaRPr lang="zh-CN" altLang="en-US"/>
           </a:p>
@@ -12025,7 +12031,7 @@
           <a:p>
             <a:fld id="{1ABFA14F-DE9C-4D83-8C58-D4C03BB9FF78}" type="datetimeFigureOut">
               <a:rPr lang="zh-CN" altLang="en-US" smtClean="0"/>
-              <a:t>2018/9/25</a:t>
+              <a:t>2019/3/29</a:t>
             </a:fld>
             <a:endParaRPr lang="zh-CN" altLang="en-US"/>
           </a:p>
@@ -12155,7 +12161,7 @@
           <a:p>
             <a:fld id="{1ABFA14F-DE9C-4D83-8C58-D4C03BB9FF78}" type="datetimeFigureOut">
               <a:rPr lang="zh-CN" altLang="en-US" smtClean="0"/>
-              <a:t>2018/9/25</a:t>
+              <a:t>2019/3/29</a:t>
             </a:fld>
             <a:endParaRPr lang="zh-CN" altLang="en-US"/>
           </a:p>
@@ -12499,7 +12505,7 @@
           <a:p>
             <a:fld id="{1ABFA14F-DE9C-4D83-8C58-D4C03BB9FF78}" type="datetimeFigureOut">
               <a:rPr lang="zh-CN" altLang="en-US" smtClean="0"/>
-              <a:t>2018/9/25</a:t>
+              <a:t>2019/3/29</a:t>
             </a:fld>
             <a:endParaRPr lang="zh-CN" altLang="en-US"/>
           </a:p>
@@ -13111,8 +13117,8 @@
         </p:nvSpPr>
         <p:spPr>
           <a:xfrm>
-            <a:off x="474665" y="2163765"/>
-            <a:ext cx="6144684" cy="1114424"/>
+            <a:off x="144016" y="2204864"/>
+            <a:ext cx="6888088" cy="1114424"/>
           </a:xfrm>
         </p:spPr>
         <p:txBody>
@@ -13122,12 +13128,20 @@
           <a:lstStyle/>
           <a:p>
             <a:r>
-              <a:rPr lang="en-US" altLang="zh-CN" sz="4800" dirty="0"/>
+              <a:rPr lang="da-DK" altLang="zh-CN" sz="4800" dirty="0"/>
               <a:t>HTML5</a:t>
             </a:r>
             <a:r>
               <a:rPr lang="zh-CN" altLang="en-US" sz="4800" dirty="0"/>
-              <a:t>程序设计基础</a:t>
+              <a:t>与</a:t>
+            </a:r>
+            <a:r>
+              <a:rPr lang="en-US" altLang="zh-CN" sz="4800" dirty="0"/>
+              <a:t>CSS3</a:t>
+            </a:r>
+            <a:r>
+              <a:rPr lang="zh-CN" altLang="en-US" sz="4800" dirty="0"/>
+              <a:t>前端开发</a:t>
             </a:r>
             <a:endParaRPr lang="zh-CN" sz="4800" dirty="0"/>
           </a:p>
@@ -13164,23 +13178,7 @@
                   <a:srgbClr val="000000"/>
                 </a:solidFill>
               </a:rPr>
-              <a:t>第</a:t>
-            </a:r>
-            <a:r>
-              <a:rPr lang="zh-CN" altLang="en-US" sz="4000" dirty="0">
-                <a:solidFill>
-                  <a:srgbClr val="000000"/>
-                </a:solidFill>
-              </a:rPr>
-              <a:t>九</a:t>
-            </a:r>
-            <a:r>
-              <a:rPr lang="zh-CN" altLang="en-US" sz="4000" dirty="0">
-                <a:solidFill>
-                  <a:srgbClr val="000000"/>
-                </a:solidFill>
-              </a:rPr>
-              <a:t>章 拖放</a:t>
+              <a:t>第九章 拖放</a:t>
             </a:r>
             <a:endParaRPr lang="zh-CN" sz="4000" dirty="0">
               <a:solidFill>
@@ -14295,9 +14293,18 @@
               <a:t> </a:t>
             </a:r>
             <a:r>
+              <a:rPr kumimoji="0" lang="en-US" altLang="zh-CN" sz="2400" dirty="0" smtClean="0">
+                <a:solidFill>
+                  <a:srgbClr val="000000"/>
+                </a:solidFill>
+                <a:latin typeface="微软雅黑" panose="020B0503020204020204" pitchFamily="34" charset="-122"/>
+              </a:rPr>
+              <a:t>   </a:t>
+            </a:r>
+            <a:r>
               <a:rPr kumimoji="0" lang="zh-CN" altLang="en-US" sz="2400" dirty="0" smtClean="0">
                 <a:solidFill>
-                  <a:srgbClr val="000000"/>
+                  <a:srgbClr val="008000"/>
                 </a:solidFill>
                 <a:latin typeface="微软雅黑" panose="020B0503020204020204" pitchFamily="34" charset="-122"/>
               </a:rPr>
@@ -14306,7 +14313,7 @@
             <a:r>
               <a:rPr kumimoji="0" lang="en-US" altLang="zh-CN" sz="2400" dirty="0" smtClean="0">
                 <a:solidFill>
-                  <a:srgbClr val="000000"/>
+                  <a:srgbClr val="008000"/>
                 </a:solidFill>
                 <a:latin typeface="微软雅黑" panose="020B0503020204020204" pitchFamily="34" charset="-122"/>
               </a:rPr>
@@ -14315,7 +14322,7 @@
             <a:r>
               <a:rPr kumimoji="0" lang="en-US" altLang="zh-CN" sz="2400" dirty="0" err="1" smtClean="0">
                 <a:solidFill>
-                  <a:srgbClr val="000000"/>
+                  <a:srgbClr val="008000"/>
                 </a:solidFill>
                 <a:latin typeface="微软雅黑" panose="020B0503020204020204" pitchFamily="34" charset="-122"/>
               </a:rPr>
@@ -14324,7 +14331,7 @@
             <a:r>
               <a:rPr kumimoji="0" lang="zh-CN" altLang="en-US" sz="2400" dirty="0">
                 <a:solidFill>
-                  <a:srgbClr val="000000"/>
+                  <a:srgbClr val="008000"/>
                 </a:solidFill>
                 <a:latin typeface="微软雅黑" panose="020B0503020204020204" pitchFamily="34" charset="-122"/>
               </a:rPr>
@@ -14333,38 +14340,29 @@
             <a:r>
               <a:rPr kumimoji="0" lang="en-US" altLang="zh-CN" sz="2400" dirty="0">
                 <a:solidFill>
-                  <a:srgbClr val="000000"/>
+                  <a:srgbClr val="008000"/>
                 </a:solidFill>
                 <a:latin typeface="微软雅黑" panose="020B0503020204020204" pitchFamily="34" charset="-122"/>
               </a:rPr>
               <a:t>a</a:t>
             </a:r>
             <a:r>
-              <a:rPr kumimoji="0" lang="zh-CN" altLang="en-US" sz="2400" dirty="0">
-                <a:solidFill>
-                  <a:srgbClr val="000000"/>
+              <a:rPr kumimoji="0" lang="zh-CN" altLang="en-US" sz="2400" dirty="0" smtClean="0">
+                <a:solidFill>
+                  <a:srgbClr val="008000"/>
                 </a:solidFill>
                 <a:latin typeface="微软雅黑" panose="020B0503020204020204" pitchFamily="34" charset="-122"/>
               </a:rPr>
-              <a:t>元素（必须指定</a:t>
-            </a:r>
-            <a:r>
-              <a:rPr kumimoji="0" lang="en-US" altLang="zh-CN" sz="2400" dirty="0" err="1">
-                <a:solidFill>
-                  <a:srgbClr val="000000"/>
-                </a:solidFill>
-                <a:latin typeface="微软雅黑" panose="020B0503020204020204" pitchFamily="34" charset="-122"/>
-              </a:rPr>
-              <a:t>href</a:t>
+              <a:t>元素默认</a:t>
             </a:r>
             <a:r>
               <a:rPr kumimoji="0" lang="zh-CN" altLang="en-US" sz="2400" dirty="0">
                 <a:solidFill>
-                  <a:srgbClr val="000000"/>
+                  <a:srgbClr val="008000"/>
                 </a:solidFill>
                 <a:latin typeface="微软雅黑" panose="020B0503020204020204" pitchFamily="34" charset="-122"/>
               </a:rPr>
-              <a:t>），默认允许拖放。</a:t>
+              <a:t>允许拖放。</a:t>
             </a:r>
           </a:p>
           <a:p>
@@ -15286,14 +15284,14 @@
           <p:nvPr>
             <p:extLst>
               <p:ext uri="{D42A27DB-BD31-4B8C-83A1-F6EECF244321}">
-                <p14:modId xmlns:p14="http://schemas.microsoft.com/office/powerpoint/2010/main" val="3935210269"/>
+                <p14:modId xmlns:p14="http://schemas.microsoft.com/office/powerpoint/2010/main" val="1502161740"/>
               </p:ext>
             </p:extLst>
           </p:nvPr>
         </p:nvGraphicFramePr>
         <p:xfrm>
-          <a:off x="983432" y="1412776"/>
-          <a:ext cx="10081120" cy="4968552"/>
+          <a:off x="959668" y="1340768"/>
+          <a:ext cx="9816853" cy="5318719"/>
         </p:xfrm>
         <a:graphic>
           <a:graphicData uri="http://schemas.openxmlformats.org/drawingml/2006/table">
@@ -15302,27 +15300,22 @@
                 <a:tableStyleId>{BC89EF96-8CEA-46FF-86C4-4CE0E7609802}</a:tableStyleId>
               </a:tblPr>
               <a:tblGrid>
-                <a:gridCol w="2046544">
+                <a:gridCol w="2328020"/>
+                <a:gridCol w="1656184">
                   <a:extLst>
                     <a:ext uri="{9D8B030D-6E8A-4147-A177-3AD203B41FA5}">
-                      <a16:colId xmlns:a16="http://schemas.microsoft.com/office/drawing/2014/main" val="20000"/>
+                      <a16:colId xmlns:a16="http://schemas.microsoft.com/office/drawing/2014/main" xmlns="" val="20000"/>
                     </a:ext>
                   </a:extLst>
                 </a:gridCol>
-                <a:gridCol w="4002128">
+                <a:gridCol w="2957453">
                   <a:extLst>
                     <a:ext uri="{9D8B030D-6E8A-4147-A177-3AD203B41FA5}">
-                      <a16:colId xmlns:a16="http://schemas.microsoft.com/office/drawing/2014/main" val="20001"/>
+                      <a16:colId xmlns:a16="http://schemas.microsoft.com/office/drawing/2014/main" xmlns="" val="20002"/>
                     </a:ext>
                   </a:extLst>
                 </a:gridCol>
-                <a:gridCol w="4032448">
-                  <a:extLst>
-                    <a:ext uri="{9D8B030D-6E8A-4147-A177-3AD203B41FA5}">
-                      <a16:colId xmlns:a16="http://schemas.microsoft.com/office/drawing/2014/main" val="20002"/>
-                    </a:ext>
-                  </a:extLst>
-                </a:gridCol>
+                <a:gridCol w="2875196"/>
               </a:tblGrid>
               <a:tr h="576064">
                 <a:tc>
@@ -15339,7 +15332,48 @@
                         </a:spcAft>
                       </a:pPr>
                       <a:r>
-                        <a:rPr lang="zh-CN" sz="2400" kern="1000" dirty="0">
+                        <a:rPr lang="zh-CN" altLang="en-US" sz="2400" b="1" kern="1000" dirty="0" smtClean="0">
+                          <a:solidFill>
+                            <a:srgbClr val="000000"/>
+                          </a:solidFill>
+                          <a:latin typeface="微软雅黑" panose="020B0503020204020204" pitchFamily="34" charset="-122"/>
+                          <a:ea typeface="微软雅黑" panose="020B0503020204020204" pitchFamily="34" charset="-122"/>
+                        </a:rPr>
+                        <a:t>拖动生命周期</a:t>
+                      </a:r>
+                      <a:endParaRPr lang="zh-CN" sz="2400" b="1" kern="1000" dirty="0">
+                        <a:solidFill>
+                          <a:srgbClr val="000000"/>
+                        </a:solidFill>
+                        <a:latin typeface="微软雅黑" panose="020B0503020204020204" pitchFamily="34" charset="-122"/>
+                        <a:ea typeface="微软雅黑" panose="020B0503020204020204" pitchFamily="34" charset="-122"/>
+                      </a:endParaRPr>
+                    </a:p>
+                  </a:txBody>
+                  <a:tcPr marL="68584" marR="68584" marT="0" marB="0" anchor="ctr">
+                    <a:solidFill>
+                      <a:schemeClr val="accent1">
+                        <a:lumMod val="20000"/>
+                        <a:lumOff val="80000"/>
+                      </a:schemeClr>
+                    </a:solidFill>
+                  </a:tcPr>
+                </a:tc>
+                <a:tc>
+                  <a:txBody>
+                    <a:bodyPr/>
+                    <a:lstStyle/>
+                    <a:p>
+                      <a:pPr indent="254000" algn="ctr">
+                        <a:spcBef>
+                          <a:spcPts val="120"/>
+                        </a:spcBef>
+                        <a:spcAft>
+                          <a:spcPts val="120"/>
+                        </a:spcAft>
+                      </a:pPr>
+                      <a:r>
+                        <a:rPr lang="zh-CN" sz="2400" b="1" kern="1000" dirty="0">
                           <a:solidFill>
                             <a:srgbClr val="000000"/>
                           </a:solidFill>
@@ -15373,14 +15407,14 @@
                         </a:spcAft>
                       </a:pPr>
                       <a:r>
-                        <a:rPr lang="zh-CN" sz="2400" kern="1000" dirty="0">
+                        <a:rPr lang="zh-CN" sz="2400" b="1" kern="1000" dirty="0">
                           <a:solidFill>
                             <a:srgbClr val="000000"/>
                           </a:solidFill>
                           <a:latin typeface="微软雅黑" panose="020B0503020204020204" pitchFamily="34" charset="-122"/>
                           <a:ea typeface="微软雅黑" panose="020B0503020204020204" pitchFamily="34" charset="-122"/>
                         </a:rPr>
-                        <a:t>产生事件的元素</a:t>
+                        <a:t>描述</a:t>
                       </a:r>
                     </a:p>
                   </a:txBody>
@@ -15407,14 +15441,14 @@
                         </a:spcAft>
                       </a:pPr>
                       <a:r>
-                        <a:rPr lang="zh-CN" sz="2400" kern="1000" dirty="0">
+                        <a:rPr lang="zh-CN" sz="2400" b="1" kern="1000" dirty="0">
                           <a:solidFill>
                             <a:srgbClr val="000000"/>
                           </a:solidFill>
                           <a:latin typeface="微软雅黑" panose="020B0503020204020204" pitchFamily="34" charset="-122"/>
                           <a:ea typeface="微软雅黑" panose="020B0503020204020204" pitchFamily="34" charset="-122"/>
                         </a:rPr>
-                        <a:t>描述</a:t>
+                        <a:t>产生事件的元素</a:t>
                       </a:r>
                     </a:p>
                   </a:txBody>
@@ -15429,7 +15463,7 @@
                 </a:tc>
                 <a:extLst>
                   <a:ext uri="{0D108BD9-81ED-4DB2-BD59-A6C34878D82A}">
-                    <a16:rowId xmlns:a16="http://schemas.microsoft.com/office/drawing/2014/main" val="10000"/>
+                    <a16:rowId xmlns:a16="http://schemas.microsoft.com/office/drawing/2014/main" xmlns="" val="10000"/>
                   </a:ext>
                 </a:extLst>
               </a:tr>
@@ -15439,7 +15473,10 @@
                     <a:bodyPr/>
                     <a:lstStyle/>
                     <a:p>
-                      <a:pPr indent="0" algn="just">
+                      <a:pPr indent="0" algn="ctr">
+                        <a:lnSpc>
+                          <a:spcPts val="3200"/>
+                        </a:lnSpc>
                         <a:spcBef>
                           <a:spcPts val="120"/>
                         </a:spcBef>
@@ -15448,14 +15485,14 @@
                         </a:spcAft>
                       </a:pPr>
                       <a:r>
-                        <a:rPr lang="en-US" sz="2400" kern="1000" dirty="0" err="1">
+                        <a:rPr lang="zh-CN" altLang="en-US" sz="2400" kern="1000" dirty="0" smtClean="0">
                           <a:solidFill>
                             <a:srgbClr val="000000"/>
                           </a:solidFill>
                           <a:latin typeface="微软雅黑" panose="020B0503020204020204" pitchFamily="34" charset="-122"/>
                           <a:ea typeface="微软雅黑" panose="020B0503020204020204" pitchFamily="34" charset="-122"/>
                         </a:rPr>
-                        <a:t>dragstart</a:t>
+                        <a:t>拖动开始</a:t>
                       </a:r>
                       <a:endParaRPr lang="zh-CN" sz="2400" kern="1000" dirty="0">
                         <a:solidFill>
@@ -15473,7 +15510,10 @@
                     <a:bodyPr/>
                     <a:lstStyle/>
                     <a:p>
-                      <a:pPr indent="0" algn="just">
+                      <a:pPr indent="0" algn="ctr">
+                        <a:lnSpc>
+                          <a:spcPts val="3200"/>
+                        </a:lnSpc>
                         <a:spcBef>
                           <a:spcPts val="120"/>
                         </a:spcBef>
@@ -15482,7 +15522,91 @@
                         </a:spcAft>
                       </a:pPr>
                       <a:r>
-                        <a:rPr lang="zh-CN" sz="2400" kern="1000">
+                        <a:rPr lang="en-US" sz="2400" kern="1000" dirty="0" err="1">
+                          <a:solidFill>
+                            <a:srgbClr val="C00000"/>
+                          </a:solidFill>
+                          <a:latin typeface="微软雅黑" panose="020B0503020204020204" pitchFamily="34" charset="-122"/>
+                          <a:ea typeface="微软雅黑" panose="020B0503020204020204" pitchFamily="34" charset="-122"/>
+                        </a:rPr>
+                        <a:t>dragstart</a:t>
+                      </a:r>
+                      <a:endParaRPr lang="zh-CN" sz="2400" kern="1000" dirty="0">
+                        <a:solidFill>
+                          <a:srgbClr val="C00000"/>
+                        </a:solidFill>
+                        <a:latin typeface="微软雅黑" panose="020B0503020204020204" pitchFamily="34" charset="-122"/>
+                        <a:ea typeface="微软雅黑" panose="020B0503020204020204" pitchFamily="34" charset="-122"/>
+                      </a:endParaRPr>
+                    </a:p>
+                  </a:txBody>
+                  <a:tcPr marL="68584" marR="68584" marT="0" marB="0" anchor="ctr"/>
+                </a:tc>
+                <a:tc>
+                  <a:txBody>
+                    <a:bodyPr/>
+                    <a:lstStyle/>
+                    <a:p>
+                      <a:pPr indent="0" algn="ctr">
+                        <a:lnSpc>
+                          <a:spcPts val="3200"/>
+                        </a:lnSpc>
+                        <a:spcBef>
+                          <a:spcPts val="120"/>
+                        </a:spcBef>
+                        <a:spcAft>
+                          <a:spcPts val="120"/>
+                        </a:spcAft>
+                      </a:pPr>
+                      <a:r>
+                        <a:rPr lang="zh-CN" sz="2400" kern="1000" dirty="0" smtClean="0">
+                          <a:solidFill>
+                            <a:srgbClr val="000000"/>
+                          </a:solidFill>
+                          <a:latin typeface="微软雅黑" panose="020B0503020204020204" pitchFamily="34" charset="-122"/>
+                          <a:ea typeface="微软雅黑" panose="020B0503020204020204" pitchFamily="34" charset="-122"/>
+                        </a:rPr>
+                        <a:t>开始</a:t>
+                      </a:r>
+                      <a:r>
+                        <a:rPr lang="zh-CN" altLang="en-US" sz="2400" kern="1000" dirty="0" smtClean="0">
+                          <a:solidFill>
+                            <a:srgbClr val="000000"/>
+                          </a:solidFill>
+                          <a:latin typeface="微软雅黑" panose="020B0503020204020204" pitchFamily="34" charset="-122"/>
+                          <a:ea typeface="微软雅黑" panose="020B0503020204020204" pitchFamily="34" charset="-122"/>
+                        </a:rPr>
+                        <a:t>拖拽</a:t>
+                      </a:r>
+                      <a:endParaRPr lang="zh-CN" sz="2400" kern="1000" dirty="0">
+                        <a:solidFill>
+                          <a:srgbClr val="000000"/>
+                        </a:solidFill>
+                        <a:latin typeface="微软雅黑" panose="020B0503020204020204" pitchFamily="34" charset="-122"/>
+                        <a:ea typeface="微软雅黑" panose="020B0503020204020204" pitchFamily="34" charset="-122"/>
+                      </a:endParaRPr>
+                    </a:p>
+                  </a:txBody>
+                  <a:tcPr marL="68584" marR="68584" marT="0" marB="0" anchor="ctr"/>
+                </a:tc>
+                <a:tc>
+                  <a:txBody>
+                    <a:bodyPr/>
+                    <a:lstStyle/>
+                    <a:p>
+                      <a:pPr indent="0" algn="ctr">
+                        <a:lnSpc>
+                          <a:spcPts val="3200"/>
+                        </a:lnSpc>
+                        <a:spcBef>
+                          <a:spcPts val="120"/>
+                        </a:spcBef>
+                        <a:spcAft>
+                          <a:spcPts val="120"/>
+                        </a:spcAft>
+                      </a:pPr>
+                      <a:r>
+                        <a:rPr lang="zh-CN" sz="2400" kern="1000" dirty="0">
                           <a:solidFill>
                             <a:srgbClr val="000000"/>
                           </a:solidFill>
@@ -15495,36 +15619,9 @@
                   </a:txBody>
                   <a:tcPr marL="68584" marR="68584" marT="0" marB="0" anchor="ctr"/>
                 </a:tc>
-                <a:tc>
-                  <a:txBody>
-                    <a:bodyPr/>
-                    <a:lstStyle/>
-                    <a:p>
-                      <a:pPr indent="0" algn="just">
-                        <a:spcBef>
-                          <a:spcPts val="120"/>
-                        </a:spcBef>
-                        <a:spcAft>
-                          <a:spcPts val="120"/>
-                        </a:spcAft>
-                      </a:pPr>
-                      <a:r>
-                        <a:rPr lang="zh-CN" sz="2400" kern="1000">
-                          <a:solidFill>
-                            <a:srgbClr val="000000"/>
-                          </a:solidFill>
-                          <a:latin typeface="微软雅黑" panose="020B0503020204020204" pitchFamily="34" charset="-122"/>
-                          <a:ea typeface="微软雅黑" panose="020B0503020204020204" pitchFamily="34" charset="-122"/>
-                        </a:rPr>
-                        <a:t>开始拖放操作</a:t>
-                      </a:r>
-                    </a:p>
-                  </a:txBody>
-                  <a:tcPr marL="68584" marR="68584" marT="0" marB="0" anchor="ctr"/>
-                </a:tc>
                 <a:extLst>
                   <a:ext uri="{0D108BD9-81ED-4DB2-BD59-A6C34878D82A}">
-                    <a16:rowId xmlns:a16="http://schemas.microsoft.com/office/drawing/2014/main" val="10001"/>
+                    <a16:rowId xmlns:a16="http://schemas.microsoft.com/office/drawing/2014/main" xmlns="" val="10001"/>
                   </a:ext>
                 </a:extLst>
               </a:tr>
@@ -15534,7 +15631,55 @@
                     <a:bodyPr/>
                     <a:lstStyle/>
                     <a:p>
-                      <a:pPr marL="0" indent="0" algn="just" defTabSz="913765" rtl="0" eaLnBrk="1" latinLnBrk="0" hangingPunct="1">
+                      <a:pPr marL="0" indent="0" algn="ctr" defTabSz="913765" rtl="0" eaLnBrk="1" latinLnBrk="0" hangingPunct="1">
+                        <a:lnSpc>
+                          <a:spcPts val="3200"/>
+                        </a:lnSpc>
+                        <a:spcBef>
+                          <a:spcPts val="120"/>
+                        </a:spcBef>
+                        <a:spcAft>
+                          <a:spcPts val="120"/>
+                        </a:spcAft>
+                      </a:pPr>
+                      <a:r>
+                        <a:rPr lang="zh-CN" altLang="en-US" sz="2400" kern="1000" dirty="0" smtClean="0">
+                          <a:solidFill>
+                            <a:srgbClr val="000000"/>
+                          </a:solidFill>
+                          <a:latin typeface="微软雅黑" panose="020B0503020204020204" pitchFamily="34" charset="-122"/>
+                          <a:ea typeface="微软雅黑" panose="020B0503020204020204" pitchFamily="34" charset="-122"/>
+                          <a:cs typeface="+mn-cs"/>
+                        </a:rPr>
+                        <a:t>拖动过程中</a:t>
+                      </a:r>
+                      <a:endParaRPr lang="zh-CN" sz="2400" kern="1000" dirty="0">
+                        <a:solidFill>
+                          <a:srgbClr val="000000"/>
+                        </a:solidFill>
+                        <a:latin typeface="微软雅黑" panose="020B0503020204020204" pitchFamily="34" charset="-122"/>
+                        <a:ea typeface="微软雅黑" panose="020B0503020204020204" pitchFamily="34" charset="-122"/>
+                        <a:cs typeface="+mn-cs"/>
+                      </a:endParaRPr>
+                    </a:p>
+                  </a:txBody>
+                  <a:tcPr marL="68584" marR="68584" marT="0" marB="0" anchor="ctr">
+                    <a:solidFill>
+                      <a:schemeClr val="bg1">
+                        <a:lumMod val="95000"/>
+                      </a:schemeClr>
+                    </a:solidFill>
+                  </a:tcPr>
+                </a:tc>
+                <a:tc>
+                  <a:txBody>
+                    <a:bodyPr/>
+                    <a:lstStyle/>
+                    <a:p>
+                      <a:pPr marL="0" indent="0" algn="ctr" defTabSz="913765" rtl="0" eaLnBrk="1" latinLnBrk="0" hangingPunct="1">
+                        <a:lnSpc>
+                          <a:spcPts val="3200"/>
+                        </a:lnSpc>
                         <a:spcBef>
                           <a:spcPts val="120"/>
                         </a:spcBef>
@@ -15576,7 +15721,47 @@
                     <a:bodyPr/>
                     <a:lstStyle/>
                     <a:p>
-                      <a:pPr marL="0" indent="0" algn="just" defTabSz="913765" rtl="0" eaLnBrk="1" latinLnBrk="0" hangingPunct="1">
+                      <a:pPr marL="0" indent="0" algn="ctr" defTabSz="913765" rtl="0" eaLnBrk="1" latinLnBrk="0" hangingPunct="1">
+                        <a:lnSpc>
+                          <a:spcPts val="3200"/>
+                        </a:lnSpc>
+                        <a:spcBef>
+                          <a:spcPts val="120"/>
+                        </a:spcBef>
+                        <a:spcAft>
+                          <a:spcPts val="120"/>
+                        </a:spcAft>
+                      </a:pPr>
+                      <a:r>
+                        <a:rPr lang="zh-CN" sz="2400" kern="1000" dirty="0">
+                          <a:solidFill>
+                            <a:srgbClr val="000000"/>
+                          </a:solidFill>
+                          <a:latin typeface="微软雅黑" panose="020B0503020204020204" pitchFamily="34" charset="-122"/>
+                          <a:ea typeface="微软雅黑" panose="020B0503020204020204" pitchFamily="34" charset="-122"/>
+                          <a:cs typeface="+mn-cs"/>
+                        </a:rPr>
+                        <a:t>拖放过程中</a:t>
+                      </a:r>
+                    </a:p>
+                  </a:txBody>
+                  <a:tcPr marL="68584" marR="68584" marT="0" marB="0" anchor="ctr">
+                    <a:solidFill>
+                      <a:schemeClr val="bg1">
+                        <a:lumMod val="95000"/>
+                      </a:schemeClr>
+                    </a:solidFill>
+                  </a:tcPr>
+                </a:tc>
+                <a:tc>
+                  <a:txBody>
+                    <a:bodyPr/>
+                    <a:lstStyle/>
+                    <a:p>
+                      <a:pPr marL="0" indent="0" algn="ctr" defTabSz="913765" rtl="0" eaLnBrk="1" latinLnBrk="0" hangingPunct="1">
+                        <a:lnSpc>
+                          <a:spcPts val="3200"/>
+                        </a:lnSpc>
                         <a:spcBef>
                           <a:spcPts val="120"/>
                         </a:spcBef>
@@ -15605,43 +15790,9 @@
                     </a:solidFill>
                   </a:tcPr>
                 </a:tc>
-                <a:tc>
-                  <a:txBody>
-                    <a:bodyPr/>
-                    <a:lstStyle/>
-                    <a:p>
-                      <a:pPr marL="0" indent="0" algn="just" defTabSz="913765" rtl="0" eaLnBrk="1" latinLnBrk="0" hangingPunct="1">
-                        <a:spcBef>
-                          <a:spcPts val="120"/>
-                        </a:spcBef>
-                        <a:spcAft>
-                          <a:spcPts val="120"/>
-                        </a:spcAft>
-                      </a:pPr>
-                      <a:r>
-                        <a:rPr lang="zh-CN" sz="2400" kern="1000" dirty="0">
-                          <a:solidFill>
-                            <a:srgbClr val="000000"/>
-                          </a:solidFill>
-                          <a:latin typeface="微软雅黑" panose="020B0503020204020204" pitchFamily="34" charset="-122"/>
-                          <a:ea typeface="微软雅黑" panose="020B0503020204020204" pitchFamily="34" charset="-122"/>
-                          <a:cs typeface="+mn-cs"/>
-                        </a:rPr>
-                        <a:t>拖放过程中</a:t>
-                      </a:r>
-                    </a:p>
-                  </a:txBody>
-                  <a:tcPr marL="68584" marR="68584" marT="0" marB="0" anchor="ctr">
-                    <a:solidFill>
-                      <a:schemeClr val="bg1">
-                        <a:lumMod val="95000"/>
-                      </a:schemeClr>
-                    </a:solidFill>
-                  </a:tcPr>
-                </a:tc>
                 <a:extLst>
                   <a:ext uri="{0D108BD9-81ED-4DB2-BD59-A6C34878D82A}">
-                    <a16:rowId xmlns:a16="http://schemas.microsoft.com/office/drawing/2014/main" val="10002"/>
+                    <a16:rowId xmlns:a16="http://schemas.microsoft.com/office/drawing/2014/main" xmlns="" val="10002"/>
                   </a:ext>
                 </a:extLst>
               </a:tr>
@@ -15651,7 +15802,10 @@
                     <a:bodyPr/>
                     <a:lstStyle/>
                     <a:p>
-                      <a:pPr indent="0" algn="just">
+                      <a:pPr indent="0" algn="ctr">
+                        <a:lnSpc>
+                          <a:spcPts val="3200"/>
+                        </a:lnSpc>
                         <a:spcBef>
                           <a:spcPts val="120"/>
                         </a:spcBef>
@@ -15660,18 +15814,18 @@
                         </a:spcAft>
                       </a:pPr>
                       <a:r>
-                        <a:rPr lang="en-US" sz="2400" kern="1000" dirty="0" err="1">
+                        <a:rPr lang="zh-CN" altLang="en-US" sz="2400" kern="1000" dirty="0" smtClean="0">
                           <a:solidFill>
-                            <a:srgbClr val="008000"/>
+                            <a:srgbClr val="000000"/>
                           </a:solidFill>
                           <a:latin typeface="微软雅黑" panose="020B0503020204020204" pitchFamily="34" charset="-122"/>
                           <a:ea typeface="微软雅黑" panose="020B0503020204020204" pitchFamily="34" charset="-122"/>
                         </a:rPr>
-                        <a:t>dragenter</a:t>
+                        <a:t>拖动过程中</a:t>
                       </a:r>
                       <a:endParaRPr lang="zh-CN" sz="2400" kern="1000" dirty="0">
                         <a:solidFill>
-                          <a:srgbClr val="008000"/>
+                          <a:srgbClr val="000000"/>
                         </a:solidFill>
                         <a:latin typeface="微软雅黑" panose="020B0503020204020204" pitchFamily="34" charset="-122"/>
                         <a:ea typeface="微软雅黑" panose="020B0503020204020204" pitchFamily="34" charset="-122"/>
@@ -15685,7 +15839,84 @@
                     <a:bodyPr/>
                     <a:lstStyle/>
                     <a:p>
-                      <a:pPr indent="0" algn="just">
+                      <a:pPr indent="0" algn="ctr">
+                        <a:lnSpc>
+                          <a:spcPts val="3200"/>
+                        </a:lnSpc>
+                        <a:spcBef>
+                          <a:spcPts val="120"/>
+                        </a:spcBef>
+                        <a:spcAft>
+                          <a:spcPts val="120"/>
+                        </a:spcAft>
+                      </a:pPr>
+                      <a:r>
+                        <a:rPr lang="en-US" sz="2400" kern="1000" dirty="0" err="1">
+                          <a:solidFill>
+                            <a:srgbClr val="000000"/>
+                          </a:solidFill>
+                          <a:latin typeface="微软雅黑" panose="020B0503020204020204" pitchFamily="34" charset="-122"/>
+                          <a:ea typeface="微软雅黑" panose="020B0503020204020204" pitchFamily="34" charset="-122"/>
+                        </a:rPr>
+                        <a:t>dragenter</a:t>
+                      </a:r>
+                      <a:endParaRPr lang="zh-CN" sz="2400" kern="1000" dirty="0">
+                        <a:solidFill>
+                          <a:srgbClr val="000000"/>
+                        </a:solidFill>
+                        <a:latin typeface="微软雅黑" panose="020B0503020204020204" pitchFamily="34" charset="-122"/>
+                        <a:ea typeface="微软雅黑" panose="020B0503020204020204" pitchFamily="34" charset="-122"/>
+                      </a:endParaRPr>
+                    </a:p>
+                  </a:txBody>
+                  <a:tcPr marL="68584" marR="68584" marT="0" marB="0" anchor="ctr"/>
+                </a:tc>
+                <a:tc>
+                  <a:txBody>
+                    <a:bodyPr/>
+                    <a:lstStyle/>
+                    <a:p>
+                      <a:pPr indent="0" algn="ctr">
+                        <a:lnSpc>
+                          <a:spcPts val="3200"/>
+                        </a:lnSpc>
+                        <a:spcBef>
+                          <a:spcPts val="120"/>
+                        </a:spcBef>
+                        <a:spcAft>
+                          <a:spcPts val="120"/>
+                        </a:spcAft>
+                      </a:pPr>
+                      <a:r>
+                        <a:rPr lang="zh-CN" altLang="en-US" sz="2400" kern="1000" dirty="0" smtClean="0">
+                          <a:solidFill>
+                            <a:srgbClr val="000000"/>
+                          </a:solidFill>
+                          <a:latin typeface="微软雅黑" panose="020B0503020204020204" pitchFamily="34" charset="-122"/>
+                          <a:ea typeface="微软雅黑" panose="020B0503020204020204" pitchFamily="34" charset="-122"/>
+                        </a:rPr>
+                        <a:t>拖拽进入</a:t>
+                      </a:r>
+                      <a:endParaRPr lang="zh-CN" sz="2400" kern="1000" dirty="0">
+                        <a:solidFill>
+                          <a:srgbClr val="000000"/>
+                        </a:solidFill>
+                        <a:latin typeface="微软雅黑" panose="020B0503020204020204" pitchFamily="34" charset="-122"/>
+                        <a:ea typeface="微软雅黑" panose="020B0503020204020204" pitchFamily="34" charset="-122"/>
+                      </a:endParaRPr>
+                    </a:p>
+                  </a:txBody>
+                  <a:tcPr marL="68584" marR="68584" marT="0" marB="0" anchor="ctr"/>
+                </a:tc>
+                <a:tc>
+                  <a:txBody>
+                    <a:bodyPr/>
+                    <a:lstStyle/>
+                    <a:p>
+                      <a:pPr indent="0" algn="ctr">
+                        <a:lnSpc>
+                          <a:spcPts val="3200"/>
+                        </a:lnSpc>
                         <a:spcBef>
                           <a:spcPts val="120"/>
                         </a:spcBef>
@@ -15707,36 +15938,9 @@
                   </a:txBody>
                   <a:tcPr marL="68584" marR="68584" marT="0" marB="0" anchor="ctr"/>
                 </a:tc>
-                <a:tc>
-                  <a:txBody>
-                    <a:bodyPr/>
-                    <a:lstStyle/>
-                    <a:p>
-                      <a:pPr indent="0" algn="just">
-                        <a:spcBef>
-                          <a:spcPts val="120"/>
-                        </a:spcBef>
-                        <a:spcAft>
-                          <a:spcPts val="120"/>
-                        </a:spcAft>
-                      </a:pPr>
-                      <a:r>
-                        <a:rPr lang="zh-CN" sz="2400" kern="1000">
-                          <a:solidFill>
-                            <a:srgbClr val="000000"/>
-                          </a:solidFill>
-                          <a:latin typeface="微软雅黑" panose="020B0503020204020204" pitchFamily="34" charset="-122"/>
-                          <a:ea typeface="微软雅黑" panose="020B0503020204020204" pitchFamily="34" charset="-122"/>
-                        </a:rPr>
-                        <a:t>被拖放的元素开始进入本元素的范围内</a:t>
-                      </a:r>
-                    </a:p>
-                  </a:txBody>
-                  <a:tcPr marL="68584" marR="68584" marT="0" marB="0" anchor="ctr"/>
-                </a:tc>
                 <a:extLst>
                   <a:ext uri="{0D108BD9-81ED-4DB2-BD59-A6C34878D82A}">
-                    <a16:rowId xmlns:a16="http://schemas.microsoft.com/office/drawing/2014/main" val="10003"/>
+                    <a16:rowId xmlns:a16="http://schemas.microsoft.com/office/drawing/2014/main" xmlns="" val="10003"/>
                   </a:ext>
                 </a:extLst>
               </a:tr>
@@ -15746,7 +15950,10 @@
                     <a:bodyPr/>
                     <a:lstStyle/>
                     <a:p>
-                      <a:pPr indent="0" algn="just">
+                      <a:pPr indent="0" algn="ctr">
+                        <a:lnSpc>
+                          <a:spcPts val="3200"/>
+                        </a:lnSpc>
                         <a:spcBef>
                           <a:spcPts val="120"/>
                         </a:spcBef>
@@ -15755,18 +15962,18 @@
                         </a:spcAft>
                       </a:pPr>
                       <a:r>
-                        <a:rPr lang="en-US" sz="2400" kern="1000" dirty="0" err="1">
+                        <a:rPr lang="zh-CN" altLang="en-US" sz="2400" kern="1000" dirty="0" smtClean="0">
                           <a:solidFill>
-                            <a:srgbClr val="008000"/>
+                            <a:srgbClr val="000000"/>
                           </a:solidFill>
                           <a:latin typeface="微软雅黑" panose="020B0503020204020204" pitchFamily="34" charset="-122"/>
                           <a:ea typeface="微软雅黑" panose="020B0503020204020204" pitchFamily="34" charset="-122"/>
                         </a:rPr>
-                        <a:t>dragover</a:t>
+                        <a:t>拖动过程中</a:t>
                       </a:r>
                       <a:endParaRPr lang="zh-CN" sz="2400" kern="1000" dirty="0">
                         <a:solidFill>
-                          <a:srgbClr val="008000"/>
+                          <a:srgbClr val="000000"/>
                         </a:solidFill>
                         <a:latin typeface="微软雅黑" panose="020B0503020204020204" pitchFamily="34" charset="-122"/>
                         <a:ea typeface="微软雅黑" panose="020B0503020204020204" pitchFamily="34" charset="-122"/>
@@ -15786,7 +15993,96 @@
                     <a:bodyPr/>
                     <a:lstStyle/>
                     <a:p>
-                      <a:pPr indent="0" algn="just">
+                      <a:pPr indent="0" algn="ctr">
+                        <a:lnSpc>
+                          <a:spcPts val="3200"/>
+                        </a:lnSpc>
+                        <a:spcBef>
+                          <a:spcPts val="120"/>
+                        </a:spcBef>
+                        <a:spcAft>
+                          <a:spcPts val="120"/>
+                        </a:spcAft>
+                      </a:pPr>
+                      <a:r>
+                        <a:rPr lang="en-US" sz="2400" kern="1000" dirty="0" err="1">
+                          <a:solidFill>
+                            <a:srgbClr val="C00000"/>
+                          </a:solidFill>
+                          <a:latin typeface="微软雅黑" panose="020B0503020204020204" pitchFamily="34" charset="-122"/>
+                          <a:ea typeface="微软雅黑" panose="020B0503020204020204" pitchFamily="34" charset="-122"/>
+                        </a:rPr>
+                        <a:t>dragover</a:t>
+                      </a:r>
+                      <a:endParaRPr lang="zh-CN" sz="2400" kern="1000" dirty="0">
+                        <a:solidFill>
+                          <a:srgbClr val="C00000"/>
+                        </a:solidFill>
+                        <a:latin typeface="微软雅黑" panose="020B0503020204020204" pitchFamily="34" charset="-122"/>
+                        <a:ea typeface="微软雅黑" panose="020B0503020204020204" pitchFamily="34" charset="-122"/>
+                      </a:endParaRPr>
+                    </a:p>
+                  </a:txBody>
+                  <a:tcPr marL="68584" marR="68584" marT="0" marB="0" anchor="ctr">
+                    <a:solidFill>
+                      <a:schemeClr val="bg1">
+                        <a:lumMod val="95000"/>
+                      </a:schemeClr>
+                    </a:solidFill>
+                  </a:tcPr>
+                </a:tc>
+                <a:tc>
+                  <a:txBody>
+                    <a:bodyPr/>
+                    <a:lstStyle/>
+                    <a:p>
+                      <a:pPr indent="0" algn="ctr">
+                        <a:lnSpc>
+                          <a:spcPts val="3200"/>
+                        </a:lnSpc>
+                        <a:spcBef>
+                          <a:spcPts val="120"/>
+                        </a:spcBef>
+                        <a:spcAft>
+                          <a:spcPts val="120"/>
+                        </a:spcAft>
+                      </a:pPr>
+                      <a:r>
+                        <a:rPr lang="zh-CN" altLang="en-US" sz="2400" kern="1000" dirty="0" smtClean="0">
+                          <a:solidFill>
+                            <a:srgbClr val="000000"/>
+                          </a:solidFill>
+                          <a:latin typeface="微软雅黑" panose="020B0503020204020204" pitchFamily="34" charset="-122"/>
+                          <a:ea typeface="微软雅黑" panose="020B0503020204020204" pitchFamily="34" charset="-122"/>
+                        </a:rPr>
+                        <a:t>拖拽经过</a:t>
+                      </a:r>
+                      <a:endParaRPr lang="zh-CN" sz="2400" kern="1000" dirty="0">
+                        <a:solidFill>
+                          <a:srgbClr val="000000"/>
+                        </a:solidFill>
+                        <a:latin typeface="微软雅黑" panose="020B0503020204020204" pitchFamily="34" charset="-122"/>
+                        <a:ea typeface="微软雅黑" panose="020B0503020204020204" pitchFamily="34" charset="-122"/>
+                      </a:endParaRPr>
+                    </a:p>
+                  </a:txBody>
+                  <a:tcPr marL="68584" marR="68584" marT="0" marB="0" anchor="ctr">
+                    <a:solidFill>
+                      <a:schemeClr val="bg1">
+                        <a:lumMod val="95000"/>
+                      </a:schemeClr>
+                    </a:solidFill>
+                  </a:tcPr>
+                </a:tc>
+                <a:tc>
+                  <a:txBody>
+                    <a:bodyPr/>
+                    <a:lstStyle/>
+                    <a:p>
+                      <a:pPr indent="0" algn="ctr">
+                        <a:lnSpc>
+                          <a:spcPts val="3200"/>
+                        </a:lnSpc>
                         <a:spcBef>
                           <a:spcPts val="120"/>
                         </a:spcBef>
@@ -15814,42 +16110,9 @@
                     </a:solidFill>
                   </a:tcPr>
                 </a:tc>
-                <a:tc>
-                  <a:txBody>
-                    <a:bodyPr/>
-                    <a:lstStyle/>
-                    <a:p>
-                      <a:pPr indent="0" algn="just">
-                        <a:spcBef>
-                          <a:spcPts val="120"/>
-                        </a:spcBef>
-                        <a:spcAft>
-                          <a:spcPts val="120"/>
-                        </a:spcAft>
-                      </a:pPr>
-                      <a:r>
-                        <a:rPr lang="zh-CN" sz="2400" kern="1000" dirty="0">
-                          <a:solidFill>
-                            <a:srgbClr val="000000"/>
-                          </a:solidFill>
-                          <a:latin typeface="微软雅黑" panose="020B0503020204020204" pitchFamily="34" charset="-122"/>
-                          <a:ea typeface="微软雅黑" panose="020B0503020204020204" pitchFamily="34" charset="-122"/>
-                        </a:rPr>
-                        <a:t>被拖放的元素正在本元素范围内移动</a:t>
-                      </a:r>
-                    </a:p>
-                  </a:txBody>
-                  <a:tcPr marL="68584" marR="68584" marT="0" marB="0" anchor="ctr">
-                    <a:solidFill>
-                      <a:schemeClr val="bg1">
-                        <a:lumMod val="95000"/>
-                      </a:schemeClr>
-                    </a:solidFill>
-                  </a:tcPr>
-                </a:tc>
                 <a:extLst>
                   <a:ext uri="{0D108BD9-81ED-4DB2-BD59-A6C34878D82A}">
-                    <a16:rowId xmlns:a16="http://schemas.microsoft.com/office/drawing/2014/main" val="10004"/>
+                    <a16:rowId xmlns:a16="http://schemas.microsoft.com/office/drawing/2014/main" xmlns="" val="10004"/>
                   </a:ext>
                 </a:extLst>
               </a:tr>
@@ -15859,7 +16122,10 @@
                     <a:bodyPr/>
                     <a:lstStyle/>
                     <a:p>
-                      <a:pPr indent="0" algn="just">
+                      <a:pPr indent="0" algn="ctr">
+                        <a:lnSpc>
+                          <a:spcPts val="3200"/>
+                        </a:lnSpc>
                         <a:spcBef>
                           <a:spcPts val="120"/>
                         </a:spcBef>
@@ -15868,18 +16134,18 @@
                         </a:spcAft>
                       </a:pPr>
                       <a:r>
-                        <a:rPr lang="en-US" sz="2400" kern="1000" dirty="0" err="1">
+                        <a:rPr lang="zh-CN" altLang="en-US" sz="2400" kern="1000" dirty="0" smtClean="0">
                           <a:solidFill>
-                            <a:srgbClr val="008000"/>
+                            <a:srgbClr val="000000"/>
                           </a:solidFill>
                           <a:latin typeface="微软雅黑" panose="020B0503020204020204" pitchFamily="34" charset="-122"/>
                           <a:ea typeface="微软雅黑" panose="020B0503020204020204" pitchFamily="34" charset="-122"/>
                         </a:rPr>
-                        <a:t>dragleave</a:t>
+                        <a:t>拖动过程中</a:t>
                       </a:r>
                       <a:endParaRPr lang="zh-CN" sz="2400" kern="1000" dirty="0">
                         <a:solidFill>
-                          <a:srgbClr val="008000"/>
+                          <a:srgbClr val="000000"/>
                         </a:solidFill>
                         <a:latin typeface="微软雅黑" panose="020B0503020204020204" pitchFamily="34" charset="-122"/>
                         <a:ea typeface="微软雅黑" panose="020B0503020204020204" pitchFamily="34" charset="-122"/>
@@ -15893,7 +16159,84 @@
                     <a:bodyPr/>
                     <a:lstStyle/>
                     <a:p>
-                      <a:pPr indent="0" algn="just">
+                      <a:pPr indent="0" algn="ctr">
+                        <a:lnSpc>
+                          <a:spcPts val="3200"/>
+                        </a:lnSpc>
+                        <a:spcBef>
+                          <a:spcPts val="120"/>
+                        </a:spcBef>
+                        <a:spcAft>
+                          <a:spcPts val="120"/>
+                        </a:spcAft>
+                      </a:pPr>
+                      <a:r>
+                        <a:rPr lang="en-US" sz="2400" kern="1000" dirty="0" err="1">
+                          <a:solidFill>
+                            <a:srgbClr val="000000"/>
+                          </a:solidFill>
+                          <a:latin typeface="微软雅黑" panose="020B0503020204020204" pitchFamily="34" charset="-122"/>
+                          <a:ea typeface="微软雅黑" panose="020B0503020204020204" pitchFamily="34" charset="-122"/>
+                        </a:rPr>
+                        <a:t>dragleave</a:t>
+                      </a:r>
+                      <a:endParaRPr lang="zh-CN" sz="2400" kern="1000" dirty="0">
+                        <a:solidFill>
+                          <a:srgbClr val="000000"/>
+                        </a:solidFill>
+                        <a:latin typeface="微软雅黑" panose="020B0503020204020204" pitchFamily="34" charset="-122"/>
+                        <a:ea typeface="微软雅黑" panose="020B0503020204020204" pitchFamily="34" charset="-122"/>
+                      </a:endParaRPr>
+                    </a:p>
+                  </a:txBody>
+                  <a:tcPr marL="68584" marR="68584" marT="0" marB="0" anchor="ctr"/>
+                </a:tc>
+                <a:tc>
+                  <a:txBody>
+                    <a:bodyPr/>
+                    <a:lstStyle/>
+                    <a:p>
+                      <a:pPr indent="0" algn="ctr">
+                        <a:lnSpc>
+                          <a:spcPts val="3200"/>
+                        </a:lnSpc>
+                        <a:spcBef>
+                          <a:spcPts val="120"/>
+                        </a:spcBef>
+                        <a:spcAft>
+                          <a:spcPts val="120"/>
+                        </a:spcAft>
+                      </a:pPr>
+                      <a:r>
+                        <a:rPr lang="zh-CN" altLang="en-US" sz="2400" kern="1000" dirty="0" smtClean="0">
+                          <a:solidFill>
+                            <a:srgbClr val="000000"/>
+                          </a:solidFill>
+                          <a:latin typeface="微软雅黑" panose="020B0503020204020204" pitchFamily="34" charset="-122"/>
+                          <a:ea typeface="微软雅黑" panose="020B0503020204020204" pitchFamily="34" charset="-122"/>
+                        </a:rPr>
+                        <a:t>拖拽离开</a:t>
+                      </a:r>
+                      <a:endParaRPr lang="zh-CN" sz="2400" kern="1000" dirty="0">
+                        <a:solidFill>
+                          <a:srgbClr val="000000"/>
+                        </a:solidFill>
+                        <a:latin typeface="微软雅黑" panose="020B0503020204020204" pitchFamily="34" charset="-122"/>
+                        <a:ea typeface="微软雅黑" panose="020B0503020204020204" pitchFamily="34" charset="-122"/>
+                      </a:endParaRPr>
+                    </a:p>
+                  </a:txBody>
+                  <a:tcPr marL="68584" marR="68584" marT="0" marB="0" anchor="ctr"/>
+                </a:tc>
+                <a:tc>
+                  <a:txBody>
+                    <a:bodyPr/>
+                    <a:lstStyle/>
+                    <a:p>
+                      <a:pPr indent="0" algn="ctr">
+                        <a:lnSpc>
+                          <a:spcPts val="3200"/>
+                        </a:lnSpc>
                         <a:spcBef>
                           <a:spcPts val="120"/>
                         </a:spcBef>
@@ -15915,36 +16258,9 @@
                   </a:txBody>
                   <a:tcPr marL="68584" marR="68584" marT="0" marB="0" anchor="ctr"/>
                 </a:tc>
-                <a:tc>
-                  <a:txBody>
-                    <a:bodyPr/>
-                    <a:lstStyle/>
-                    <a:p>
-                      <a:pPr indent="0" algn="just">
-                        <a:spcBef>
-                          <a:spcPts val="120"/>
-                        </a:spcBef>
-                        <a:spcAft>
-                          <a:spcPts val="120"/>
-                        </a:spcAft>
-                      </a:pPr>
-                      <a:r>
-                        <a:rPr lang="zh-CN" sz="2400" kern="1000" dirty="0">
-                          <a:solidFill>
-                            <a:srgbClr val="000000"/>
-                          </a:solidFill>
-                          <a:latin typeface="微软雅黑" panose="020B0503020204020204" pitchFamily="34" charset="-122"/>
-                          <a:ea typeface="微软雅黑" panose="020B0503020204020204" pitchFamily="34" charset="-122"/>
-                        </a:rPr>
-                        <a:t>被拖放的元素离开本元素的范围</a:t>
-                      </a:r>
-                    </a:p>
-                  </a:txBody>
-                  <a:tcPr marL="68584" marR="68584" marT="0" marB="0" anchor="ctr"/>
-                </a:tc>
                 <a:extLst>
                   <a:ext uri="{0D108BD9-81ED-4DB2-BD59-A6C34878D82A}">
-                    <a16:rowId xmlns:a16="http://schemas.microsoft.com/office/drawing/2014/main" val="10005"/>
+                    <a16:rowId xmlns:a16="http://schemas.microsoft.com/office/drawing/2014/main" xmlns="" val="10005"/>
                   </a:ext>
                 </a:extLst>
               </a:tr>
@@ -15954,7 +16270,10 @@
                     <a:bodyPr/>
                     <a:lstStyle/>
                     <a:p>
-                      <a:pPr indent="0" algn="just">
+                      <a:pPr indent="0" algn="ctr">
+                        <a:lnSpc>
+                          <a:spcPts val="3200"/>
+                        </a:lnSpc>
                         <a:spcBef>
                           <a:spcPts val="120"/>
                         </a:spcBef>
@@ -15963,18 +16282,18 @@
                         </a:spcAft>
                       </a:pPr>
                       <a:r>
-                        <a:rPr lang="en-US" sz="2400" kern="1000" dirty="0">
+                        <a:rPr lang="zh-CN" altLang="en-US" sz="2400" kern="1000" dirty="0" smtClean="0">
                           <a:solidFill>
-                            <a:srgbClr val="008000"/>
+                            <a:srgbClr val="000000"/>
                           </a:solidFill>
                           <a:latin typeface="微软雅黑" panose="020B0503020204020204" pitchFamily="34" charset="-122"/>
                           <a:ea typeface="微软雅黑" panose="020B0503020204020204" pitchFamily="34" charset="-122"/>
                         </a:rPr>
-                        <a:t>drop</a:t>
+                        <a:t>拖动结束</a:t>
                       </a:r>
                       <a:endParaRPr lang="zh-CN" sz="2400" kern="1000" dirty="0">
                         <a:solidFill>
-                          <a:srgbClr val="008000"/>
+                          <a:srgbClr val="000000"/>
                         </a:solidFill>
                         <a:latin typeface="微软雅黑" panose="020B0503020204020204" pitchFamily="34" charset="-122"/>
                         <a:ea typeface="微软雅黑" panose="020B0503020204020204" pitchFamily="34" charset="-122"/>
@@ -15994,7 +16313,10 @@
                     <a:bodyPr/>
                     <a:lstStyle/>
                     <a:p>
-                      <a:pPr indent="0" algn="just">
+                      <a:pPr indent="0" algn="ctr">
+                        <a:lnSpc>
+                          <a:spcPts val="3200"/>
+                        </a:lnSpc>
                         <a:spcBef>
                           <a:spcPts val="120"/>
                         </a:spcBef>
@@ -16003,15 +16325,22 @@
                         </a:spcAft>
                       </a:pPr>
                       <a:r>
-                        <a:rPr lang="zh-CN" sz="2400" kern="1000" dirty="0">
+                        <a:rPr lang="en-US" sz="2400" kern="1000" dirty="0">
                           <a:solidFill>
-                            <a:srgbClr val="000000"/>
+                            <a:srgbClr val="C00000"/>
                           </a:solidFill>
                           <a:latin typeface="微软雅黑" panose="020B0503020204020204" pitchFamily="34" charset="-122"/>
                           <a:ea typeface="微软雅黑" panose="020B0503020204020204" pitchFamily="34" charset="-122"/>
                         </a:rPr>
-                        <a:t>拖放的目标元素</a:t>
+                        <a:t>drop</a:t>
                       </a:r>
+                      <a:endParaRPr lang="zh-CN" sz="2400" kern="1000" dirty="0">
+                        <a:solidFill>
+                          <a:srgbClr val="C00000"/>
+                        </a:solidFill>
+                        <a:latin typeface="微软雅黑" panose="020B0503020204020204" pitchFamily="34" charset="-122"/>
+                        <a:ea typeface="微软雅黑" panose="020B0503020204020204" pitchFamily="34" charset="-122"/>
+                      </a:endParaRPr>
                     </a:p>
                   </a:txBody>
                   <a:tcPr marL="68584" marR="68584" marT="0" marB="0" anchor="ctr">
@@ -16027,7 +16356,10 @@
                     <a:bodyPr/>
                     <a:lstStyle/>
                     <a:p>
-                      <a:pPr indent="0" algn="just">
+                      <a:pPr indent="0" algn="ctr">
+                        <a:lnSpc>
+                          <a:spcPts val="3200"/>
+                        </a:lnSpc>
                         <a:spcBef>
                           <a:spcPts val="120"/>
                         </a:spcBef>
@@ -16036,6 +16368,59 @@
                         </a:spcAft>
                       </a:pPr>
                       <a:r>
+                        <a:rPr lang="zh-CN" altLang="en-US" sz="2400" kern="1000" dirty="0" smtClean="0">
+                          <a:solidFill>
+                            <a:srgbClr val="000000"/>
+                          </a:solidFill>
+                          <a:latin typeface="微软雅黑" panose="020B0503020204020204" pitchFamily="34" charset="-122"/>
+                          <a:ea typeface="微软雅黑" panose="020B0503020204020204" pitchFamily="34" charset="-122"/>
+                        </a:rPr>
+                        <a:t>拖拽释放</a:t>
+                      </a:r>
+                      <a:endParaRPr lang="zh-CN" sz="2400" kern="1000" dirty="0">
+                        <a:solidFill>
+                          <a:srgbClr val="000000"/>
+                        </a:solidFill>
+                        <a:latin typeface="微软雅黑" panose="020B0503020204020204" pitchFamily="34" charset="-122"/>
+                        <a:ea typeface="微软雅黑" panose="020B0503020204020204" pitchFamily="34" charset="-122"/>
+                      </a:endParaRPr>
+                    </a:p>
+                  </a:txBody>
+                  <a:tcPr marL="68584" marR="68584" marT="0" marB="0" anchor="ctr">
+                    <a:solidFill>
+                      <a:schemeClr val="bg1">
+                        <a:lumMod val="95000"/>
+                      </a:schemeClr>
+                    </a:solidFill>
+                  </a:tcPr>
+                </a:tc>
+                <a:tc>
+                  <a:txBody>
+                    <a:bodyPr/>
+                    <a:lstStyle/>
+                    <a:p>
+                      <a:pPr indent="0" algn="ctr">
+                        <a:lnSpc>
+                          <a:spcPts val="3200"/>
+                        </a:lnSpc>
+                        <a:spcBef>
+                          <a:spcPts val="120"/>
+                        </a:spcBef>
+                        <a:spcAft>
+                          <a:spcPts val="120"/>
+                        </a:spcAft>
+                      </a:pPr>
+                      <a:r>
+                        <a:rPr lang="zh-CN" sz="2400" kern="1000" dirty="0" smtClean="0">
+                          <a:solidFill>
+                            <a:srgbClr val="000000"/>
+                          </a:solidFill>
+                          <a:latin typeface="微软雅黑" panose="020B0503020204020204" pitchFamily="34" charset="-122"/>
+                          <a:ea typeface="微软雅黑" panose="020B0503020204020204" pitchFamily="34" charset="-122"/>
+                        </a:rPr>
+                        <a:t>目标</a:t>
+                      </a:r>
+                      <a:r>
                         <a:rPr lang="zh-CN" sz="2400" kern="1000" dirty="0">
                           <a:solidFill>
                             <a:srgbClr val="000000"/>
@@ -16043,7 +16428,7 @@
                           <a:latin typeface="微软雅黑" panose="020B0503020204020204" pitchFamily="34" charset="-122"/>
                           <a:ea typeface="微软雅黑" panose="020B0503020204020204" pitchFamily="34" charset="-122"/>
                         </a:rPr>
-                        <a:t>有其他元素被拖放到了本元素中</a:t>
+                        <a:t>元素</a:t>
                       </a:r>
                     </a:p>
                   </a:txBody>
@@ -16057,17 +16442,57 @@
                 </a:tc>
                 <a:extLst>
                   <a:ext uri="{0D108BD9-81ED-4DB2-BD59-A6C34878D82A}">
-                    <a16:rowId xmlns:a16="http://schemas.microsoft.com/office/drawing/2014/main" val="10006"/>
+                    <a16:rowId xmlns:a16="http://schemas.microsoft.com/office/drawing/2014/main" xmlns="" val="10006"/>
                   </a:ext>
                 </a:extLst>
               </a:tr>
-              <a:tr h="408044">
+              <a:tr h="552060">
                 <a:tc>
                   <a:txBody>
                     <a:bodyPr/>
                     <a:lstStyle/>
                     <a:p>
-                      <a:pPr indent="0" algn="just">
+                      <a:pPr indent="0" algn="ctr">
+                        <a:lnSpc>
+                          <a:spcPts val="3200"/>
+                        </a:lnSpc>
+                        <a:spcBef>
+                          <a:spcPts val="120"/>
+                        </a:spcBef>
+                        <a:spcAft>
+                          <a:spcPts val="120"/>
+                        </a:spcAft>
+                      </a:pPr>
+                      <a:r>
+                        <a:rPr lang="zh-CN" altLang="en-US" sz="2400" kern="1000" dirty="0" smtClean="0">
+                          <a:solidFill>
+                            <a:srgbClr val="000000"/>
+                          </a:solidFill>
+                          <a:latin typeface="微软雅黑" panose="020B0503020204020204" pitchFamily="34" charset="-122"/>
+                          <a:ea typeface="微软雅黑" panose="020B0503020204020204" pitchFamily="34" charset="-122"/>
+                        </a:rPr>
+                        <a:t>拖动结束</a:t>
+                      </a:r>
+                      <a:endParaRPr lang="zh-CN" sz="2400" kern="1000" dirty="0">
+                        <a:solidFill>
+                          <a:srgbClr val="000000"/>
+                        </a:solidFill>
+                        <a:latin typeface="微软雅黑" panose="020B0503020204020204" pitchFamily="34" charset="-122"/>
+                        <a:ea typeface="微软雅黑" panose="020B0503020204020204" pitchFamily="34" charset="-122"/>
+                      </a:endParaRPr>
+                    </a:p>
+                  </a:txBody>
+                  <a:tcPr marL="68584" marR="68584" marT="0" marB="0" anchor="ctr"/>
+                </a:tc>
+                <a:tc>
+                  <a:txBody>
+                    <a:bodyPr/>
+                    <a:lstStyle/>
+                    <a:p>
+                      <a:pPr indent="0" algn="ctr">
+                        <a:lnSpc>
+                          <a:spcPts val="3200"/>
+                        </a:lnSpc>
                         <a:spcBef>
                           <a:spcPts val="120"/>
                         </a:spcBef>
@@ -16101,34 +16526,10 @@
                     <a:bodyPr/>
                     <a:lstStyle/>
                     <a:p>
-                      <a:pPr indent="0" algn="just">
-                        <a:spcBef>
-                          <a:spcPts val="120"/>
-                        </a:spcBef>
-                        <a:spcAft>
-                          <a:spcPts val="120"/>
-                        </a:spcAft>
-                      </a:pPr>
-                      <a:r>
-                        <a:rPr lang="zh-CN" sz="2400" kern="1000" dirty="0">
-                          <a:solidFill>
-                            <a:srgbClr val="000000"/>
-                          </a:solidFill>
-                          <a:latin typeface="微软雅黑" panose="020B0503020204020204" pitchFamily="34" charset="-122"/>
-                          <a:ea typeface="微软雅黑" panose="020B0503020204020204" pitchFamily="34" charset="-122"/>
-                        </a:rPr>
-                        <a:t>拖放的目标元素</a:t>
-                      </a:r>
-                    </a:p>
-                  </a:txBody>
-                  <a:tcPr marL="68584" marR="68584" marT="0" marB="0" anchor="ctr"/>
-                </a:tc>
-                <a:tc>
-                  <a:txBody>
-                    <a:bodyPr/>
-                    <a:lstStyle/>
-                    <a:p>
-                      <a:pPr indent="0" algn="just">
+                      <a:pPr indent="0" algn="ctr">
+                        <a:lnSpc>
+                          <a:spcPts val="3200"/>
+                        </a:lnSpc>
                         <a:spcBef>
                           <a:spcPts val="120"/>
                         </a:spcBef>
@@ -16150,9 +16551,49 @@
                   </a:txBody>
                   <a:tcPr marL="68584" marR="68584" marT="0" marB="0" anchor="ctr"/>
                 </a:tc>
+                <a:tc>
+                  <a:txBody>
+                    <a:bodyPr/>
+                    <a:lstStyle/>
+                    <a:p>
+                      <a:pPr indent="0" algn="ctr">
+                        <a:lnSpc>
+                          <a:spcPts val="3200"/>
+                        </a:lnSpc>
+                        <a:spcBef>
+                          <a:spcPts val="120"/>
+                        </a:spcBef>
+                        <a:spcAft>
+                          <a:spcPts val="120"/>
+                        </a:spcAft>
+                      </a:pPr>
+                      <a:r>
+                        <a:rPr lang="zh-CN" sz="2400" kern="1000" dirty="0" smtClean="0">
+                          <a:solidFill>
+                            <a:srgbClr val="000000"/>
+                          </a:solidFill>
+                          <a:latin typeface="微软雅黑" panose="020B0503020204020204" pitchFamily="34" charset="-122"/>
+                          <a:ea typeface="微软雅黑" panose="020B0503020204020204" pitchFamily="34" charset="-122"/>
+                        </a:rPr>
+                        <a:t>目标</a:t>
+                      </a:r>
+                      <a:r>
+                        <a:rPr lang="zh-CN" sz="2400" kern="1000" dirty="0">
+                          <a:solidFill>
+                            <a:srgbClr val="000000"/>
+                          </a:solidFill>
+                          <a:latin typeface="微软雅黑" panose="020B0503020204020204" pitchFamily="34" charset="-122"/>
+                          <a:ea typeface="微软雅黑" panose="020B0503020204020204" pitchFamily="34" charset="-122"/>
+                        </a:rPr>
+                        <a:t>元素</a:t>
+                      </a:r>
+                    </a:p>
+                  </a:txBody>
+                  <a:tcPr marL="68584" marR="68584" marT="0" marB="0" anchor="ctr"/>
+                </a:tc>
                 <a:extLst>
                   <a:ext uri="{0D108BD9-81ED-4DB2-BD59-A6C34878D82A}">
-                    <a16:rowId xmlns:a16="http://schemas.microsoft.com/office/drawing/2014/main" val="10007"/>
+                    <a16:rowId xmlns:a16="http://schemas.microsoft.com/office/drawing/2014/main" xmlns="" val="10007"/>
                   </a:ext>
                 </a:extLst>
               </a:tr>
@@ -16182,6 +16623,683 @@
 </file>
 
 <file path=ppt/slides/slide13.xml><?xml version="1.0" encoding="utf-8"?>
+<p:sld xmlns:a="http://schemas.openxmlformats.org/drawingml/2006/main" xmlns:r="http://schemas.openxmlformats.org/officeDocument/2006/relationships" xmlns:p="http://schemas.openxmlformats.org/presentationml/2006/main">
+  <p:cSld>
+    <p:spTree>
+      <p:nvGrpSpPr>
+        <p:cNvPr id="1" name=""/>
+        <p:cNvGrpSpPr/>
+        <p:nvPr/>
+      </p:nvGrpSpPr>
+      <p:grpSpPr>
+        <a:xfrm>
+          <a:off x="0" y="0"/>
+          <a:ext cx="0" cy="0"/>
+          <a:chOff x="0" y="0"/>
+          <a:chExt cx="0" cy="0"/>
+        </a:xfrm>
+      </p:grpSpPr>
+      <p:sp>
+        <p:nvSpPr>
+          <p:cNvPr id="2" name="标题 1"/>
+          <p:cNvSpPr>
+            <a:spLocks noGrp="1"/>
+          </p:cNvSpPr>
+          <p:nvPr>
+            <p:ph type="title"/>
+          </p:nvPr>
+        </p:nvSpPr>
+        <p:spPr>
+          <a:xfrm>
+            <a:off x="984820" y="174625"/>
+            <a:ext cx="9791700" cy="792163"/>
+          </a:xfrm>
+        </p:spPr>
+        <p:txBody>
+          <a:bodyPr/>
+          <a:lstStyle/>
+          <a:p>
+            <a:pPr marL="166688" indent="-163513" defTabSz="449263">
+              <a:buSzPct val="100000"/>
+              <a:buFont typeface="Times New Roman" panose="02020603050405020304" pitchFamily="18" charset="0"/>
+              <a:tabLst>
+                <a:tab pos="166688" algn="l"/>
+                <a:tab pos="614363" algn="l"/>
+                <a:tab pos="1063625" algn="l"/>
+                <a:tab pos="1512888" algn="l"/>
+                <a:tab pos="1962150" algn="l"/>
+                <a:tab pos="2411413" algn="l"/>
+                <a:tab pos="2860675" algn="l"/>
+                <a:tab pos="3309938" algn="l"/>
+                <a:tab pos="3759200" algn="l"/>
+                <a:tab pos="4208463" algn="l"/>
+                <a:tab pos="4657725" algn="l"/>
+                <a:tab pos="5106988" algn="l"/>
+                <a:tab pos="5556250" algn="l"/>
+                <a:tab pos="6005513" algn="l"/>
+                <a:tab pos="6454775" algn="l"/>
+                <a:tab pos="6904038" algn="l"/>
+                <a:tab pos="7353300" algn="l"/>
+                <a:tab pos="7802563" algn="l"/>
+                <a:tab pos="8251825" algn="l"/>
+                <a:tab pos="8701088" algn="l"/>
+                <a:tab pos="9150350" algn="l"/>
+              </a:tabLst>
+            </a:pPr>
+            <a:r>
+              <a:rPr kumimoji="1" lang="en-US" altLang="zh-CN" sz="4000" dirty="0" err="1" smtClean="0"/>
+              <a:t>DataTransfer</a:t>
+            </a:r>
+            <a:r>
+              <a:rPr kumimoji="1" lang="en-US" altLang="zh-CN" sz="4000" dirty="0" smtClean="0"/>
+              <a:t> </a:t>
+            </a:r>
+            <a:r>
+              <a:rPr kumimoji="1" lang="zh-CN" altLang="en-US" sz="4000" dirty="0" smtClean="0"/>
+              <a:t>对象</a:t>
+            </a:r>
+            <a:r>
+              <a:rPr kumimoji="1" lang="zh-CN" altLang="en-US" sz="4000" dirty="0"/>
+              <a:t>在拖拽事件中的输出</a:t>
+            </a:r>
+          </a:p>
+        </p:txBody>
+      </p:sp>
+      <p:sp>
+        <p:nvSpPr>
+          <p:cNvPr id="4" name="Text Box 4"/>
+          <p:cNvSpPr txBox="1">
+            <a:spLocks noChangeArrowheads="1"/>
+          </p:cNvSpPr>
+          <p:nvPr/>
+        </p:nvSpPr>
+        <p:spPr bwMode="auto">
+          <a:xfrm>
+            <a:off x="8256240" y="5255841"/>
+            <a:ext cx="2217572" cy="463846"/>
+          </a:xfrm>
+          <a:prstGeom prst="rect">
+            <a:avLst/>
+          </a:prstGeom>
+          <a:noFill/>
+          <a:ln>
+            <a:noFill/>
+          </a:ln>
+          <a:extLst>
+            <a:ext uri="{909E8E84-426E-40DD-AFC4-6F175D3DCCD1}">
+              <a14:hiddenFill xmlns:a14="http://schemas.microsoft.com/office/drawing/2010/main">
+                <a:solidFill>
+                  <a:srgbClr val="FFFFFF"/>
+                </a:solidFill>
+              </a14:hiddenFill>
+            </a:ext>
+            <a:ext uri="{91240B29-F687-4F45-9708-019B960494DF}">
+              <a14:hiddenLine xmlns:a14="http://schemas.microsoft.com/office/drawing/2010/main" w="9525">
+                <a:solidFill>
+                  <a:srgbClr val="000000"/>
+                </a:solidFill>
+                <a:round/>
+                <a:headEnd/>
+                <a:tailEnd/>
+              </a14:hiddenLine>
+            </a:ext>
+          </a:extLst>
+        </p:spPr>
+        <p:txBody>
+          <a:bodyPr wrap="none" lIns="90000" tIns="46800" rIns="90000" bIns="46800">
+            <a:spAutoFit/>
+          </a:bodyPr>
+          <a:lstStyle>
+            <a:lvl1pPr>
+              <a:tabLst>
+                <a:tab pos="0" algn="l"/>
+                <a:tab pos="447675" algn="l"/>
+                <a:tab pos="896938" algn="l"/>
+                <a:tab pos="1346200" algn="l"/>
+                <a:tab pos="1795463" algn="l"/>
+                <a:tab pos="2244725" algn="l"/>
+                <a:tab pos="2693988" algn="l"/>
+                <a:tab pos="3143250" algn="l"/>
+                <a:tab pos="3592513" algn="l"/>
+                <a:tab pos="4041775" algn="l"/>
+                <a:tab pos="4491038" algn="l"/>
+                <a:tab pos="4940300" algn="l"/>
+                <a:tab pos="5389563" algn="l"/>
+                <a:tab pos="5838825" algn="l"/>
+                <a:tab pos="6288088" algn="l"/>
+                <a:tab pos="6737350" algn="l"/>
+                <a:tab pos="7186613" algn="l"/>
+                <a:tab pos="7635875" algn="l"/>
+                <a:tab pos="8085138" algn="l"/>
+                <a:tab pos="8534400" algn="l"/>
+                <a:tab pos="8983663" algn="l"/>
+              </a:tabLst>
+              <a:defRPr kumimoji="1" sz="3200">
+                <a:solidFill>
+                  <a:schemeClr val="bg1"/>
+                </a:solidFill>
+                <a:latin typeface="Arial" panose="020B0604020202020204" pitchFamily="34" charset="0"/>
+                <a:ea typeface="微软雅黑" panose="020B0503020204020204" pitchFamily="34" charset="-122"/>
+              </a:defRPr>
+            </a:lvl1pPr>
+            <a:lvl2pPr>
+              <a:tabLst>
+                <a:tab pos="0" algn="l"/>
+                <a:tab pos="447675" algn="l"/>
+                <a:tab pos="896938" algn="l"/>
+                <a:tab pos="1346200" algn="l"/>
+                <a:tab pos="1795463" algn="l"/>
+                <a:tab pos="2244725" algn="l"/>
+                <a:tab pos="2693988" algn="l"/>
+                <a:tab pos="3143250" algn="l"/>
+                <a:tab pos="3592513" algn="l"/>
+                <a:tab pos="4041775" algn="l"/>
+                <a:tab pos="4491038" algn="l"/>
+                <a:tab pos="4940300" algn="l"/>
+                <a:tab pos="5389563" algn="l"/>
+                <a:tab pos="5838825" algn="l"/>
+                <a:tab pos="6288088" algn="l"/>
+                <a:tab pos="6737350" algn="l"/>
+                <a:tab pos="7186613" algn="l"/>
+                <a:tab pos="7635875" algn="l"/>
+                <a:tab pos="8085138" algn="l"/>
+                <a:tab pos="8534400" algn="l"/>
+                <a:tab pos="8983663" algn="l"/>
+              </a:tabLst>
+              <a:defRPr kumimoji="1" sz="3200">
+                <a:solidFill>
+                  <a:schemeClr val="bg1"/>
+                </a:solidFill>
+                <a:latin typeface="Arial" panose="020B0604020202020204" pitchFamily="34" charset="0"/>
+                <a:ea typeface="微软雅黑" panose="020B0503020204020204" pitchFamily="34" charset="-122"/>
+              </a:defRPr>
+            </a:lvl2pPr>
+            <a:lvl3pPr>
+              <a:tabLst>
+                <a:tab pos="0" algn="l"/>
+                <a:tab pos="447675" algn="l"/>
+                <a:tab pos="896938" algn="l"/>
+                <a:tab pos="1346200" algn="l"/>
+                <a:tab pos="1795463" algn="l"/>
+                <a:tab pos="2244725" algn="l"/>
+                <a:tab pos="2693988" algn="l"/>
+                <a:tab pos="3143250" algn="l"/>
+                <a:tab pos="3592513" algn="l"/>
+                <a:tab pos="4041775" algn="l"/>
+                <a:tab pos="4491038" algn="l"/>
+                <a:tab pos="4940300" algn="l"/>
+                <a:tab pos="5389563" algn="l"/>
+                <a:tab pos="5838825" algn="l"/>
+                <a:tab pos="6288088" algn="l"/>
+                <a:tab pos="6737350" algn="l"/>
+                <a:tab pos="7186613" algn="l"/>
+                <a:tab pos="7635875" algn="l"/>
+                <a:tab pos="8085138" algn="l"/>
+                <a:tab pos="8534400" algn="l"/>
+                <a:tab pos="8983663" algn="l"/>
+              </a:tabLst>
+              <a:defRPr kumimoji="1" sz="3200">
+                <a:solidFill>
+                  <a:schemeClr val="bg1"/>
+                </a:solidFill>
+                <a:latin typeface="Arial" panose="020B0604020202020204" pitchFamily="34" charset="0"/>
+                <a:ea typeface="微软雅黑" panose="020B0503020204020204" pitchFamily="34" charset="-122"/>
+              </a:defRPr>
+            </a:lvl3pPr>
+            <a:lvl4pPr>
+              <a:tabLst>
+                <a:tab pos="0" algn="l"/>
+                <a:tab pos="447675" algn="l"/>
+                <a:tab pos="896938" algn="l"/>
+                <a:tab pos="1346200" algn="l"/>
+                <a:tab pos="1795463" algn="l"/>
+                <a:tab pos="2244725" algn="l"/>
+                <a:tab pos="2693988" algn="l"/>
+                <a:tab pos="3143250" algn="l"/>
+                <a:tab pos="3592513" algn="l"/>
+                <a:tab pos="4041775" algn="l"/>
+                <a:tab pos="4491038" algn="l"/>
+                <a:tab pos="4940300" algn="l"/>
+                <a:tab pos="5389563" algn="l"/>
+                <a:tab pos="5838825" algn="l"/>
+                <a:tab pos="6288088" algn="l"/>
+                <a:tab pos="6737350" algn="l"/>
+                <a:tab pos="7186613" algn="l"/>
+                <a:tab pos="7635875" algn="l"/>
+                <a:tab pos="8085138" algn="l"/>
+                <a:tab pos="8534400" algn="l"/>
+                <a:tab pos="8983663" algn="l"/>
+              </a:tabLst>
+              <a:defRPr kumimoji="1" sz="3200">
+                <a:solidFill>
+                  <a:schemeClr val="bg1"/>
+                </a:solidFill>
+                <a:latin typeface="Arial" panose="020B0604020202020204" pitchFamily="34" charset="0"/>
+                <a:ea typeface="微软雅黑" panose="020B0503020204020204" pitchFamily="34" charset="-122"/>
+              </a:defRPr>
+            </a:lvl4pPr>
+            <a:lvl5pPr>
+              <a:tabLst>
+                <a:tab pos="0" algn="l"/>
+                <a:tab pos="447675" algn="l"/>
+                <a:tab pos="896938" algn="l"/>
+                <a:tab pos="1346200" algn="l"/>
+                <a:tab pos="1795463" algn="l"/>
+                <a:tab pos="2244725" algn="l"/>
+                <a:tab pos="2693988" algn="l"/>
+                <a:tab pos="3143250" algn="l"/>
+                <a:tab pos="3592513" algn="l"/>
+                <a:tab pos="4041775" algn="l"/>
+                <a:tab pos="4491038" algn="l"/>
+                <a:tab pos="4940300" algn="l"/>
+                <a:tab pos="5389563" algn="l"/>
+                <a:tab pos="5838825" algn="l"/>
+                <a:tab pos="6288088" algn="l"/>
+                <a:tab pos="6737350" algn="l"/>
+                <a:tab pos="7186613" algn="l"/>
+                <a:tab pos="7635875" algn="l"/>
+                <a:tab pos="8085138" algn="l"/>
+                <a:tab pos="8534400" algn="l"/>
+                <a:tab pos="8983663" algn="l"/>
+              </a:tabLst>
+              <a:defRPr kumimoji="1" sz="3200">
+                <a:solidFill>
+                  <a:schemeClr val="bg1"/>
+                </a:solidFill>
+                <a:latin typeface="Arial" panose="020B0604020202020204" pitchFamily="34" charset="0"/>
+                <a:ea typeface="微软雅黑" panose="020B0503020204020204" pitchFamily="34" charset="-122"/>
+              </a:defRPr>
+            </a:lvl5pPr>
+            <a:lvl6pPr marL="2514600" indent="-228600" defTabSz="449263" fontAlgn="base">
+              <a:spcBef>
+                <a:spcPct val="0"/>
+              </a:spcBef>
+              <a:spcAft>
+                <a:spcPct val="0"/>
+              </a:spcAft>
+              <a:buClr>
+                <a:srgbClr val="000000"/>
+              </a:buClr>
+              <a:buSzPct val="100000"/>
+              <a:buFont typeface="Times New Roman" panose="02020603050405020304" pitchFamily="18" charset="0"/>
+              <a:tabLst>
+                <a:tab pos="0" algn="l"/>
+                <a:tab pos="447675" algn="l"/>
+                <a:tab pos="896938" algn="l"/>
+                <a:tab pos="1346200" algn="l"/>
+                <a:tab pos="1795463" algn="l"/>
+                <a:tab pos="2244725" algn="l"/>
+                <a:tab pos="2693988" algn="l"/>
+                <a:tab pos="3143250" algn="l"/>
+                <a:tab pos="3592513" algn="l"/>
+                <a:tab pos="4041775" algn="l"/>
+                <a:tab pos="4491038" algn="l"/>
+                <a:tab pos="4940300" algn="l"/>
+                <a:tab pos="5389563" algn="l"/>
+                <a:tab pos="5838825" algn="l"/>
+                <a:tab pos="6288088" algn="l"/>
+                <a:tab pos="6737350" algn="l"/>
+                <a:tab pos="7186613" algn="l"/>
+                <a:tab pos="7635875" algn="l"/>
+                <a:tab pos="8085138" algn="l"/>
+                <a:tab pos="8534400" algn="l"/>
+                <a:tab pos="8983663" algn="l"/>
+              </a:tabLst>
+              <a:defRPr kumimoji="1" sz="3200">
+                <a:solidFill>
+                  <a:schemeClr val="bg1"/>
+                </a:solidFill>
+                <a:latin typeface="Arial" panose="020B0604020202020204" pitchFamily="34" charset="0"/>
+                <a:ea typeface="微软雅黑" panose="020B0503020204020204" pitchFamily="34" charset="-122"/>
+              </a:defRPr>
+            </a:lvl6pPr>
+            <a:lvl7pPr marL="2971800" indent="-228600" defTabSz="449263" fontAlgn="base">
+              <a:spcBef>
+                <a:spcPct val="0"/>
+              </a:spcBef>
+              <a:spcAft>
+                <a:spcPct val="0"/>
+              </a:spcAft>
+              <a:buClr>
+                <a:srgbClr val="000000"/>
+              </a:buClr>
+              <a:buSzPct val="100000"/>
+              <a:buFont typeface="Times New Roman" panose="02020603050405020304" pitchFamily="18" charset="0"/>
+              <a:tabLst>
+                <a:tab pos="0" algn="l"/>
+                <a:tab pos="447675" algn="l"/>
+                <a:tab pos="896938" algn="l"/>
+                <a:tab pos="1346200" algn="l"/>
+                <a:tab pos="1795463" algn="l"/>
+                <a:tab pos="2244725" algn="l"/>
+                <a:tab pos="2693988" algn="l"/>
+                <a:tab pos="3143250" algn="l"/>
+                <a:tab pos="3592513" algn="l"/>
+                <a:tab pos="4041775" algn="l"/>
+                <a:tab pos="4491038" algn="l"/>
+                <a:tab pos="4940300" algn="l"/>
+                <a:tab pos="5389563" algn="l"/>
+                <a:tab pos="5838825" algn="l"/>
+                <a:tab pos="6288088" algn="l"/>
+                <a:tab pos="6737350" algn="l"/>
+                <a:tab pos="7186613" algn="l"/>
+                <a:tab pos="7635875" algn="l"/>
+                <a:tab pos="8085138" algn="l"/>
+                <a:tab pos="8534400" algn="l"/>
+                <a:tab pos="8983663" algn="l"/>
+              </a:tabLst>
+              <a:defRPr kumimoji="1" sz="3200">
+                <a:solidFill>
+                  <a:schemeClr val="bg1"/>
+                </a:solidFill>
+                <a:latin typeface="Arial" panose="020B0604020202020204" pitchFamily="34" charset="0"/>
+                <a:ea typeface="微软雅黑" panose="020B0503020204020204" pitchFamily="34" charset="-122"/>
+              </a:defRPr>
+            </a:lvl7pPr>
+            <a:lvl8pPr marL="3429000" indent="-228600" defTabSz="449263" fontAlgn="base">
+              <a:spcBef>
+                <a:spcPct val="0"/>
+              </a:spcBef>
+              <a:spcAft>
+                <a:spcPct val="0"/>
+              </a:spcAft>
+              <a:buClr>
+                <a:srgbClr val="000000"/>
+              </a:buClr>
+              <a:buSzPct val="100000"/>
+              <a:buFont typeface="Times New Roman" panose="02020603050405020304" pitchFamily="18" charset="0"/>
+              <a:tabLst>
+                <a:tab pos="0" algn="l"/>
+                <a:tab pos="447675" algn="l"/>
+                <a:tab pos="896938" algn="l"/>
+                <a:tab pos="1346200" algn="l"/>
+                <a:tab pos="1795463" algn="l"/>
+                <a:tab pos="2244725" algn="l"/>
+                <a:tab pos="2693988" algn="l"/>
+                <a:tab pos="3143250" algn="l"/>
+                <a:tab pos="3592513" algn="l"/>
+                <a:tab pos="4041775" algn="l"/>
+                <a:tab pos="4491038" algn="l"/>
+                <a:tab pos="4940300" algn="l"/>
+                <a:tab pos="5389563" algn="l"/>
+                <a:tab pos="5838825" algn="l"/>
+                <a:tab pos="6288088" algn="l"/>
+                <a:tab pos="6737350" algn="l"/>
+                <a:tab pos="7186613" algn="l"/>
+                <a:tab pos="7635875" algn="l"/>
+                <a:tab pos="8085138" algn="l"/>
+                <a:tab pos="8534400" algn="l"/>
+                <a:tab pos="8983663" algn="l"/>
+              </a:tabLst>
+              <a:defRPr kumimoji="1" sz="3200">
+                <a:solidFill>
+                  <a:schemeClr val="bg1"/>
+                </a:solidFill>
+                <a:latin typeface="Arial" panose="020B0604020202020204" pitchFamily="34" charset="0"/>
+                <a:ea typeface="微软雅黑" panose="020B0503020204020204" pitchFamily="34" charset="-122"/>
+              </a:defRPr>
+            </a:lvl8pPr>
+            <a:lvl9pPr marL="3886200" indent="-228600" defTabSz="449263" fontAlgn="base">
+              <a:spcBef>
+                <a:spcPct val="0"/>
+              </a:spcBef>
+              <a:spcAft>
+                <a:spcPct val="0"/>
+              </a:spcAft>
+              <a:buClr>
+                <a:srgbClr val="000000"/>
+              </a:buClr>
+              <a:buSzPct val="100000"/>
+              <a:buFont typeface="Times New Roman" panose="02020603050405020304" pitchFamily="18" charset="0"/>
+              <a:tabLst>
+                <a:tab pos="0" algn="l"/>
+                <a:tab pos="447675" algn="l"/>
+                <a:tab pos="896938" algn="l"/>
+                <a:tab pos="1346200" algn="l"/>
+                <a:tab pos="1795463" algn="l"/>
+                <a:tab pos="2244725" algn="l"/>
+                <a:tab pos="2693988" algn="l"/>
+                <a:tab pos="3143250" algn="l"/>
+                <a:tab pos="3592513" algn="l"/>
+                <a:tab pos="4041775" algn="l"/>
+                <a:tab pos="4491038" algn="l"/>
+                <a:tab pos="4940300" algn="l"/>
+                <a:tab pos="5389563" algn="l"/>
+                <a:tab pos="5838825" algn="l"/>
+                <a:tab pos="6288088" algn="l"/>
+                <a:tab pos="6737350" algn="l"/>
+                <a:tab pos="7186613" algn="l"/>
+                <a:tab pos="7635875" algn="l"/>
+                <a:tab pos="8085138" algn="l"/>
+                <a:tab pos="8534400" algn="l"/>
+                <a:tab pos="8983663" algn="l"/>
+              </a:tabLst>
+              <a:defRPr kumimoji="1" sz="3200">
+                <a:solidFill>
+                  <a:schemeClr val="bg1"/>
+                </a:solidFill>
+                <a:latin typeface="Arial" panose="020B0604020202020204" pitchFamily="34" charset="0"/>
+                <a:ea typeface="微软雅黑" panose="020B0503020204020204" pitchFamily="34" charset="-122"/>
+              </a:defRPr>
+            </a:lvl9pPr>
+          </a:lstStyle>
+          <a:p>
+            <a:pPr>
+              <a:buClrTx/>
+              <a:buFontTx/>
+              <a:buNone/>
+            </a:pPr>
+            <a:r>
+              <a:rPr kumimoji="0" lang="zh-CN" altLang="en-US" sz="2400" dirty="0">
+                <a:solidFill>
+                  <a:srgbClr val="000000"/>
+                </a:solidFill>
+              </a:rPr>
+              <a:t>示例</a:t>
+            </a:r>
+            <a:r>
+              <a:rPr kumimoji="0" lang="zh-CN" altLang="en-US" sz="2400" dirty="0" smtClean="0">
+                <a:solidFill>
+                  <a:srgbClr val="000000"/>
+                </a:solidFill>
+              </a:rPr>
+              <a:t>：</a:t>
+            </a:r>
+            <a:r>
+              <a:rPr kumimoji="0" lang="en-US" altLang="zh-CN" sz="2400" dirty="0" smtClean="0">
+                <a:solidFill>
+                  <a:srgbClr val="000000"/>
+                </a:solidFill>
+              </a:rPr>
+              <a:t>9-1.html</a:t>
+            </a:r>
+            <a:endParaRPr kumimoji="0" lang="en-US" altLang="zh-CN" sz="2400" dirty="0">
+              <a:solidFill>
+                <a:srgbClr val="000000"/>
+              </a:solidFill>
+            </a:endParaRPr>
+          </a:p>
+        </p:txBody>
+      </p:sp>
+      <p:pic>
+        <p:nvPicPr>
+          <p:cNvPr id="1026" name="Picture 2"/>
+          <p:cNvPicPr>
+            <a:picLocks noChangeAspect="1" noChangeArrowheads="1"/>
+          </p:cNvPicPr>
+          <p:nvPr/>
+        </p:nvPicPr>
+        <p:blipFill>
+          <a:blip r:embed="rId2">
+            <a:extLst>
+              <a:ext uri="{28A0092B-C50C-407E-A947-70E740481C1C}">
+                <a14:useLocalDpi xmlns:a14="http://schemas.microsoft.com/office/drawing/2010/main" val="0"/>
+              </a:ext>
+            </a:extLst>
+          </a:blip>
+          <a:srcRect/>
+          <a:stretch>
+            <a:fillRect/>
+          </a:stretch>
+        </p:blipFill>
+        <p:spPr bwMode="auto">
+          <a:xfrm>
+            <a:off x="1204332" y="2811202"/>
+            <a:ext cx="6396890" cy="2232248"/>
+          </a:xfrm>
+          <a:prstGeom prst="rect">
+            <a:avLst/>
+          </a:prstGeom>
+          <a:noFill/>
+          <a:ln>
+            <a:noFill/>
+          </a:ln>
+          <a:effectLst>
+            <a:outerShdw blurRad="63500" sx="102000" sy="102000" algn="ctr" rotWithShape="0">
+              <a:prstClr val="black">
+                <a:alpha val="40000"/>
+              </a:prstClr>
+            </a:outerShdw>
+          </a:effectLst>
+          <a:extLst>
+            <a:ext uri="{909E8E84-426E-40DD-AFC4-6F175D3DCCD1}">
+              <a14:hiddenFill xmlns:a14="http://schemas.microsoft.com/office/drawing/2010/main">
+                <a:solidFill>
+                  <a:schemeClr val="accent1"/>
+                </a:solidFill>
+              </a14:hiddenFill>
+            </a:ext>
+            <a:ext uri="{91240B29-F687-4F45-9708-019B960494DF}">
+              <a14:hiddenLine xmlns:a14="http://schemas.microsoft.com/office/drawing/2010/main" w="9525">
+                <a:solidFill>
+                  <a:schemeClr val="tx1"/>
+                </a:solidFill>
+                <a:miter lim="800000"/>
+                <a:headEnd/>
+                <a:tailEnd/>
+              </a14:hiddenLine>
+            </a:ext>
+          </a:extLst>
+        </p:spPr>
+      </p:pic>
+      <p:sp>
+        <p:nvSpPr>
+          <p:cNvPr id="5" name="矩形 4"/>
+          <p:cNvSpPr/>
+          <p:nvPr/>
+        </p:nvSpPr>
+        <p:spPr>
+          <a:xfrm>
+            <a:off x="1055440" y="1522239"/>
+            <a:ext cx="9274356" cy="618118"/>
+          </a:xfrm>
+          <a:prstGeom prst="rect">
+            <a:avLst/>
+          </a:prstGeom>
+        </p:spPr>
+        <p:txBody>
+          <a:bodyPr wrap="square">
+            <a:spAutoFit/>
+          </a:bodyPr>
+          <a:lstStyle/>
+          <a:p>
+            <a:pPr>
+              <a:lnSpc>
+                <a:spcPts val="4100"/>
+              </a:lnSpc>
+              <a:spcBef>
+                <a:spcPts val="600"/>
+              </a:spcBef>
+              <a:spcAft>
+                <a:spcPts val="1200"/>
+              </a:spcAft>
+              <a:buClr>
+                <a:srgbClr val="008469"/>
+              </a:buClr>
+              <a:tabLst>
+                <a:tab pos="163513" algn="l"/>
+                <a:tab pos="611188" algn="l"/>
+                <a:tab pos="1060450" algn="l"/>
+                <a:tab pos="1509713" algn="l"/>
+                <a:tab pos="1958975" algn="l"/>
+                <a:tab pos="2408238" algn="l"/>
+                <a:tab pos="2857500" algn="l"/>
+                <a:tab pos="3306763" algn="l"/>
+                <a:tab pos="3756025" algn="l"/>
+                <a:tab pos="4205288" algn="l"/>
+                <a:tab pos="4654550" algn="l"/>
+                <a:tab pos="5103813" algn="l"/>
+                <a:tab pos="5553075" algn="l"/>
+                <a:tab pos="6002338" algn="l"/>
+                <a:tab pos="6451600" algn="l"/>
+                <a:tab pos="6900863" algn="l"/>
+                <a:tab pos="7350125" algn="l"/>
+                <a:tab pos="7799388" algn="l"/>
+                <a:tab pos="8248650" algn="l"/>
+                <a:tab pos="8697913" algn="l"/>
+                <a:tab pos="9147175" algn="l"/>
+              </a:tabLst>
+            </a:pPr>
+            <a:r>
+              <a:rPr lang="zh-CN" altLang="en-US" sz="2800" dirty="0" smtClean="0">
+                <a:solidFill>
+                  <a:srgbClr val="000000"/>
+                </a:solidFill>
+                <a:latin typeface="微软雅黑" panose="020B0503020204020204" pitchFamily="34" charset="-122"/>
+              </a:rPr>
+              <a:t>拖拽图片</a:t>
+            </a:r>
+            <a:r>
+              <a:rPr lang="zh-CN" altLang="en-US" sz="2800" dirty="0">
+                <a:solidFill>
+                  <a:srgbClr val="000000"/>
+                </a:solidFill>
+                <a:latin typeface="微软雅黑" panose="020B0503020204020204" pitchFamily="34" charset="-122"/>
+              </a:rPr>
+              <a:t>，在</a:t>
+            </a:r>
+            <a:r>
+              <a:rPr lang="zh-CN" altLang="en-US" sz="2800" dirty="0" smtClean="0">
+                <a:solidFill>
+                  <a:srgbClr val="000000"/>
+                </a:solidFill>
+                <a:latin typeface="微软雅黑" panose="020B0503020204020204" pitchFamily="34" charset="-122"/>
+              </a:rPr>
+              <a:t>控制台输出</a:t>
+            </a:r>
+            <a:r>
+              <a:rPr lang="zh-CN" altLang="en-US" sz="2800" dirty="0">
+                <a:solidFill>
+                  <a:srgbClr val="000000"/>
+                </a:solidFill>
+                <a:latin typeface="微软雅黑" panose="020B0503020204020204" pitchFamily="34" charset="-122"/>
+              </a:rPr>
+              <a:t>拖放过程中触发的事件</a:t>
+            </a:r>
+          </a:p>
+        </p:txBody>
+      </p:sp>
+    </p:spTree>
+    <p:extLst>
+      <p:ext uri="{BB962C8B-B14F-4D97-AF65-F5344CB8AC3E}">
+        <p14:creationId xmlns:p14="http://schemas.microsoft.com/office/powerpoint/2010/main" val="552169171"/>
+      </p:ext>
+    </p:extLst>
+  </p:cSld>
+  <p:clrMapOvr>
+    <a:masterClrMapping/>
+  </p:clrMapOvr>
+  <p:timing>
+    <p:tnLst>
+      <p:par>
+        <p:cTn id="1" dur="indefinite" restart="never" nodeType="tmRoot"/>
+      </p:par>
+    </p:tnLst>
+  </p:timing>
+</p:sld>
+</file>
+
+<file path=ppt/slides/slide14.xml><?xml version="1.0" encoding="utf-8"?>
 <p:sld xmlns:a="http://schemas.openxmlformats.org/drawingml/2006/main" xmlns:r="http://schemas.openxmlformats.org/officeDocument/2006/relationships" xmlns:p="http://schemas.openxmlformats.org/presentationml/2006/main">
   <p:cSld>
     <p:bg>
@@ -17123,674 +18241,6 @@
 </p:sld>
 </file>
 
-<file path=ppt/slides/slide14.xml><?xml version="1.0" encoding="utf-8"?>
-<p:sld xmlns:a="http://schemas.openxmlformats.org/drawingml/2006/main" xmlns:r="http://schemas.openxmlformats.org/officeDocument/2006/relationships" xmlns:p="http://schemas.openxmlformats.org/presentationml/2006/main">
-  <p:cSld>
-    <p:bg>
-      <p:bgPr>
-        <a:blipFill dpi="0" rotWithShape="0">
-          <a:blip r:embed="rId3"/>
-          <a:srcRect/>
-          <a:stretch>
-            <a:fillRect/>
-          </a:stretch>
-        </a:blipFill>
-        <a:effectLst/>
-      </p:bgPr>
-    </p:bg>
-    <p:spTree>
-      <p:nvGrpSpPr>
-        <p:cNvPr id="1" name=""/>
-        <p:cNvGrpSpPr/>
-        <p:nvPr/>
-      </p:nvGrpSpPr>
-      <p:grpSpPr>
-        <a:xfrm>
-          <a:off x="0" y="0"/>
-          <a:ext cx="0" cy="0"/>
-          <a:chOff x="0" y="0"/>
-          <a:chExt cx="0" cy="0"/>
-        </a:xfrm>
-      </p:grpSpPr>
-      <p:sp>
-        <p:nvSpPr>
-          <p:cNvPr id="23555" name="Text Box 2"/>
-          <p:cNvSpPr txBox="1">
-            <a:spLocks noChangeArrowheads="1"/>
-          </p:cNvSpPr>
-          <p:nvPr/>
-        </p:nvSpPr>
-        <p:spPr bwMode="auto">
-          <a:xfrm>
-            <a:off x="983432" y="236539"/>
-            <a:ext cx="7501757" cy="581025"/>
-          </a:xfrm>
-          <a:prstGeom prst="rect">
-            <a:avLst/>
-          </a:prstGeom>
-          <a:noFill/>
-          <a:ln>
-            <a:noFill/>
-          </a:ln>
-          <a:extLst>
-            <a:ext uri="{909E8E84-426E-40DD-AFC4-6F175D3DCCD1}">
-              <a14:hiddenFill xmlns:a14="http://schemas.microsoft.com/office/drawing/2010/main">
-                <a:solidFill>
-                  <a:srgbClr val="FFFFFF"/>
-                </a:solidFill>
-              </a14:hiddenFill>
-            </a:ext>
-            <a:ext uri="{91240B29-F687-4F45-9708-019B960494DF}">
-              <a14:hiddenLine xmlns:a14="http://schemas.microsoft.com/office/drawing/2010/main" w="9525">
-                <a:solidFill>
-                  <a:srgbClr val="000000"/>
-                </a:solidFill>
-                <a:round/>
-                <a:headEnd/>
-                <a:tailEnd/>
-              </a14:hiddenLine>
-            </a:ext>
-          </a:extLst>
-        </p:spPr>
-        <p:txBody>
-          <a:bodyPr lIns="90000" tIns="46800" rIns="90000" bIns="46800"/>
-          <a:lstStyle>
-            <a:lvl1pPr marL="166688" indent="-163513">
-              <a:tabLst>
-                <a:tab pos="166688" algn="l"/>
-                <a:tab pos="614363" algn="l"/>
-                <a:tab pos="1063625" algn="l"/>
-                <a:tab pos="1512888" algn="l"/>
-                <a:tab pos="1962150" algn="l"/>
-                <a:tab pos="2411413" algn="l"/>
-                <a:tab pos="2860675" algn="l"/>
-                <a:tab pos="3309938" algn="l"/>
-                <a:tab pos="3759200" algn="l"/>
-                <a:tab pos="4208463" algn="l"/>
-                <a:tab pos="4657725" algn="l"/>
-                <a:tab pos="5106988" algn="l"/>
-                <a:tab pos="5556250" algn="l"/>
-                <a:tab pos="6005513" algn="l"/>
-                <a:tab pos="6454775" algn="l"/>
-                <a:tab pos="6904038" algn="l"/>
-                <a:tab pos="7353300" algn="l"/>
-                <a:tab pos="7802563" algn="l"/>
-                <a:tab pos="8251825" algn="l"/>
-                <a:tab pos="8701088" algn="l"/>
-                <a:tab pos="9150350" algn="l"/>
-              </a:tabLst>
-              <a:defRPr kumimoji="1" sz="3200">
-                <a:solidFill>
-                  <a:schemeClr val="bg1"/>
-                </a:solidFill>
-                <a:latin typeface="Arial" panose="020B0604020202020204" pitchFamily="34" charset="0"/>
-                <a:ea typeface="微软雅黑" panose="020B0503020204020204" pitchFamily="34" charset="-122"/>
-              </a:defRPr>
-            </a:lvl1pPr>
-            <a:lvl2pPr>
-              <a:tabLst>
-                <a:tab pos="166688" algn="l"/>
-                <a:tab pos="614363" algn="l"/>
-                <a:tab pos="1063625" algn="l"/>
-                <a:tab pos="1512888" algn="l"/>
-                <a:tab pos="1962150" algn="l"/>
-                <a:tab pos="2411413" algn="l"/>
-                <a:tab pos="2860675" algn="l"/>
-                <a:tab pos="3309938" algn="l"/>
-                <a:tab pos="3759200" algn="l"/>
-                <a:tab pos="4208463" algn="l"/>
-                <a:tab pos="4657725" algn="l"/>
-                <a:tab pos="5106988" algn="l"/>
-                <a:tab pos="5556250" algn="l"/>
-                <a:tab pos="6005513" algn="l"/>
-                <a:tab pos="6454775" algn="l"/>
-                <a:tab pos="6904038" algn="l"/>
-                <a:tab pos="7353300" algn="l"/>
-                <a:tab pos="7802563" algn="l"/>
-                <a:tab pos="8251825" algn="l"/>
-                <a:tab pos="8701088" algn="l"/>
-                <a:tab pos="9150350" algn="l"/>
-              </a:tabLst>
-              <a:defRPr kumimoji="1" sz="3200">
-                <a:solidFill>
-                  <a:schemeClr val="bg1"/>
-                </a:solidFill>
-                <a:latin typeface="Arial" panose="020B0604020202020204" pitchFamily="34" charset="0"/>
-                <a:ea typeface="微软雅黑" panose="020B0503020204020204" pitchFamily="34" charset="-122"/>
-              </a:defRPr>
-            </a:lvl2pPr>
-            <a:lvl3pPr>
-              <a:tabLst>
-                <a:tab pos="166688" algn="l"/>
-                <a:tab pos="614363" algn="l"/>
-                <a:tab pos="1063625" algn="l"/>
-                <a:tab pos="1512888" algn="l"/>
-                <a:tab pos="1962150" algn="l"/>
-                <a:tab pos="2411413" algn="l"/>
-                <a:tab pos="2860675" algn="l"/>
-                <a:tab pos="3309938" algn="l"/>
-                <a:tab pos="3759200" algn="l"/>
-                <a:tab pos="4208463" algn="l"/>
-                <a:tab pos="4657725" algn="l"/>
-                <a:tab pos="5106988" algn="l"/>
-                <a:tab pos="5556250" algn="l"/>
-                <a:tab pos="6005513" algn="l"/>
-                <a:tab pos="6454775" algn="l"/>
-                <a:tab pos="6904038" algn="l"/>
-                <a:tab pos="7353300" algn="l"/>
-                <a:tab pos="7802563" algn="l"/>
-                <a:tab pos="8251825" algn="l"/>
-                <a:tab pos="8701088" algn="l"/>
-                <a:tab pos="9150350" algn="l"/>
-              </a:tabLst>
-              <a:defRPr kumimoji="1" sz="3200">
-                <a:solidFill>
-                  <a:schemeClr val="bg1"/>
-                </a:solidFill>
-                <a:latin typeface="Arial" panose="020B0604020202020204" pitchFamily="34" charset="0"/>
-                <a:ea typeface="微软雅黑" panose="020B0503020204020204" pitchFamily="34" charset="-122"/>
-              </a:defRPr>
-            </a:lvl3pPr>
-            <a:lvl4pPr>
-              <a:tabLst>
-                <a:tab pos="166688" algn="l"/>
-                <a:tab pos="614363" algn="l"/>
-                <a:tab pos="1063625" algn="l"/>
-                <a:tab pos="1512888" algn="l"/>
-                <a:tab pos="1962150" algn="l"/>
-                <a:tab pos="2411413" algn="l"/>
-                <a:tab pos="2860675" algn="l"/>
-                <a:tab pos="3309938" algn="l"/>
-                <a:tab pos="3759200" algn="l"/>
-                <a:tab pos="4208463" algn="l"/>
-                <a:tab pos="4657725" algn="l"/>
-                <a:tab pos="5106988" algn="l"/>
-                <a:tab pos="5556250" algn="l"/>
-                <a:tab pos="6005513" algn="l"/>
-                <a:tab pos="6454775" algn="l"/>
-                <a:tab pos="6904038" algn="l"/>
-                <a:tab pos="7353300" algn="l"/>
-                <a:tab pos="7802563" algn="l"/>
-                <a:tab pos="8251825" algn="l"/>
-                <a:tab pos="8701088" algn="l"/>
-                <a:tab pos="9150350" algn="l"/>
-              </a:tabLst>
-              <a:defRPr kumimoji="1" sz="3200">
-                <a:solidFill>
-                  <a:schemeClr val="bg1"/>
-                </a:solidFill>
-                <a:latin typeface="Arial" panose="020B0604020202020204" pitchFamily="34" charset="0"/>
-                <a:ea typeface="微软雅黑" panose="020B0503020204020204" pitchFamily="34" charset="-122"/>
-              </a:defRPr>
-            </a:lvl4pPr>
-            <a:lvl5pPr>
-              <a:tabLst>
-                <a:tab pos="166688" algn="l"/>
-                <a:tab pos="614363" algn="l"/>
-                <a:tab pos="1063625" algn="l"/>
-                <a:tab pos="1512888" algn="l"/>
-                <a:tab pos="1962150" algn="l"/>
-                <a:tab pos="2411413" algn="l"/>
-                <a:tab pos="2860675" algn="l"/>
-                <a:tab pos="3309938" algn="l"/>
-                <a:tab pos="3759200" algn="l"/>
-                <a:tab pos="4208463" algn="l"/>
-                <a:tab pos="4657725" algn="l"/>
-                <a:tab pos="5106988" algn="l"/>
-                <a:tab pos="5556250" algn="l"/>
-                <a:tab pos="6005513" algn="l"/>
-                <a:tab pos="6454775" algn="l"/>
-                <a:tab pos="6904038" algn="l"/>
-                <a:tab pos="7353300" algn="l"/>
-                <a:tab pos="7802563" algn="l"/>
-                <a:tab pos="8251825" algn="l"/>
-                <a:tab pos="8701088" algn="l"/>
-                <a:tab pos="9150350" algn="l"/>
-              </a:tabLst>
-              <a:defRPr kumimoji="1" sz="3200">
-                <a:solidFill>
-                  <a:schemeClr val="bg1"/>
-                </a:solidFill>
-                <a:latin typeface="Arial" panose="020B0604020202020204" pitchFamily="34" charset="0"/>
-                <a:ea typeface="微软雅黑" panose="020B0503020204020204" pitchFamily="34" charset="-122"/>
-              </a:defRPr>
-            </a:lvl5pPr>
-            <a:lvl6pPr marL="2514600" indent="-228600" defTabSz="449263" fontAlgn="base">
-              <a:spcBef>
-                <a:spcPct val="0"/>
-              </a:spcBef>
-              <a:spcAft>
-                <a:spcPct val="0"/>
-              </a:spcAft>
-              <a:buClr>
-                <a:srgbClr val="000000"/>
-              </a:buClr>
-              <a:buSzPct val="100000"/>
-              <a:buFont typeface="Times New Roman" panose="02020603050405020304" pitchFamily="18" charset="0"/>
-              <a:tabLst>
-                <a:tab pos="166688" algn="l"/>
-                <a:tab pos="614363" algn="l"/>
-                <a:tab pos="1063625" algn="l"/>
-                <a:tab pos="1512888" algn="l"/>
-                <a:tab pos="1962150" algn="l"/>
-                <a:tab pos="2411413" algn="l"/>
-                <a:tab pos="2860675" algn="l"/>
-                <a:tab pos="3309938" algn="l"/>
-                <a:tab pos="3759200" algn="l"/>
-                <a:tab pos="4208463" algn="l"/>
-                <a:tab pos="4657725" algn="l"/>
-                <a:tab pos="5106988" algn="l"/>
-                <a:tab pos="5556250" algn="l"/>
-                <a:tab pos="6005513" algn="l"/>
-                <a:tab pos="6454775" algn="l"/>
-                <a:tab pos="6904038" algn="l"/>
-                <a:tab pos="7353300" algn="l"/>
-                <a:tab pos="7802563" algn="l"/>
-                <a:tab pos="8251825" algn="l"/>
-                <a:tab pos="8701088" algn="l"/>
-                <a:tab pos="9150350" algn="l"/>
-              </a:tabLst>
-              <a:defRPr kumimoji="1" sz="3200">
-                <a:solidFill>
-                  <a:schemeClr val="bg1"/>
-                </a:solidFill>
-                <a:latin typeface="Arial" panose="020B0604020202020204" pitchFamily="34" charset="0"/>
-                <a:ea typeface="微软雅黑" panose="020B0503020204020204" pitchFamily="34" charset="-122"/>
-              </a:defRPr>
-            </a:lvl6pPr>
-            <a:lvl7pPr marL="2971800" indent="-228600" defTabSz="449263" fontAlgn="base">
-              <a:spcBef>
-                <a:spcPct val="0"/>
-              </a:spcBef>
-              <a:spcAft>
-                <a:spcPct val="0"/>
-              </a:spcAft>
-              <a:buClr>
-                <a:srgbClr val="000000"/>
-              </a:buClr>
-              <a:buSzPct val="100000"/>
-              <a:buFont typeface="Times New Roman" panose="02020603050405020304" pitchFamily="18" charset="0"/>
-              <a:tabLst>
-                <a:tab pos="166688" algn="l"/>
-                <a:tab pos="614363" algn="l"/>
-                <a:tab pos="1063625" algn="l"/>
-                <a:tab pos="1512888" algn="l"/>
-                <a:tab pos="1962150" algn="l"/>
-                <a:tab pos="2411413" algn="l"/>
-                <a:tab pos="2860675" algn="l"/>
-                <a:tab pos="3309938" algn="l"/>
-                <a:tab pos="3759200" algn="l"/>
-                <a:tab pos="4208463" algn="l"/>
-                <a:tab pos="4657725" algn="l"/>
-                <a:tab pos="5106988" algn="l"/>
-                <a:tab pos="5556250" algn="l"/>
-                <a:tab pos="6005513" algn="l"/>
-                <a:tab pos="6454775" algn="l"/>
-                <a:tab pos="6904038" algn="l"/>
-                <a:tab pos="7353300" algn="l"/>
-                <a:tab pos="7802563" algn="l"/>
-                <a:tab pos="8251825" algn="l"/>
-                <a:tab pos="8701088" algn="l"/>
-                <a:tab pos="9150350" algn="l"/>
-              </a:tabLst>
-              <a:defRPr kumimoji="1" sz="3200">
-                <a:solidFill>
-                  <a:schemeClr val="bg1"/>
-                </a:solidFill>
-                <a:latin typeface="Arial" panose="020B0604020202020204" pitchFamily="34" charset="0"/>
-                <a:ea typeface="微软雅黑" panose="020B0503020204020204" pitchFamily="34" charset="-122"/>
-              </a:defRPr>
-            </a:lvl7pPr>
-            <a:lvl8pPr marL="3429000" indent="-228600" defTabSz="449263" fontAlgn="base">
-              <a:spcBef>
-                <a:spcPct val="0"/>
-              </a:spcBef>
-              <a:spcAft>
-                <a:spcPct val="0"/>
-              </a:spcAft>
-              <a:buClr>
-                <a:srgbClr val="000000"/>
-              </a:buClr>
-              <a:buSzPct val="100000"/>
-              <a:buFont typeface="Times New Roman" panose="02020603050405020304" pitchFamily="18" charset="0"/>
-              <a:tabLst>
-                <a:tab pos="166688" algn="l"/>
-                <a:tab pos="614363" algn="l"/>
-                <a:tab pos="1063625" algn="l"/>
-                <a:tab pos="1512888" algn="l"/>
-                <a:tab pos="1962150" algn="l"/>
-                <a:tab pos="2411413" algn="l"/>
-                <a:tab pos="2860675" algn="l"/>
-                <a:tab pos="3309938" algn="l"/>
-                <a:tab pos="3759200" algn="l"/>
-                <a:tab pos="4208463" algn="l"/>
-                <a:tab pos="4657725" algn="l"/>
-                <a:tab pos="5106988" algn="l"/>
-                <a:tab pos="5556250" algn="l"/>
-                <a:tab pos="6005513" algn="l"/>
-                <a:tab pos="6454775" algn="l"/>
-                <a:tab pos="6904038" algn="l"/>
-                <a:tab pos="7353300" algn="l"/>
-                <a:tab pos="7802563" algn="l"/>
-                <a:tab pos="8251825" algn="l"/>
-                <a:tab pos="8701088" algn="l"/>
-                <a:tab pos="9150350" algn="l"/>
-              </a:tabLst>
-              <a:defRPr kumimoji="1" sz="3200">
-                <a:solidFill>
-                  <a:schemeClr val="bg1"/>
-                </a:solidFill>
-                <a:latin typeface="Arial" panose="020B0604020202020204" pitchFamily="34" charset="0"/>
-                <a:ea typeface="微软雅黑" panose="020B0503020204020204" pitchFamily="34" charset="-122"/>
-              </a:defRPr>
-            </a:lvl8pPr>
-            <a:lvl9pPr marL="3886200" indent="-228600" defTabSz="449263" fontAlgn="base">
-              <a:spcBef>
-                <a:spcPct val="0"/>
-              </a:spcBef>
-              <a:spcAft>
-                <a:spcPct val="0"/>
-              </a:spcAft>
-              <a:buClr>
-                <a:srgbClr val="000000"/>
-              </a:buClr>
-              <a:buSzPct val="100000"/>
-              <a:buFont typeface="Times New Roman" panose="02020603050405020304" pitchFamily="18" charset="0"/>
-              <a:tabLst>
-                <a:tab pos="166688" algn="l"/>
-                <a:tab pos="614363" algn="l"/>
-                <a:tab pos="1063625" algn="l"/>
-                <a:tab pos="1512888" algn="l"/>
-                <a:tab pos="1962150" algn="l"/>
-                <a:tab pos="2411413" algn="l"/>
-                <a:tab pos="2860675" algn="l"/>
-                <a:tab pos="3309938" algn="l"/>
-                <a:tab pos="3759200" algn="l"/>
-                <a:tab pos="4208463" algn="l"/>
-                <a:tab pos="4657725" algn="l"/>
-                <a:tab pos="5106988" algn="l"/>
-                <a:tab pos="5556250" algn="l"/>
-                <a:tab pos="6005513" algn="l"/>
-                <a:tab pos="6454775" algn="l"/>
-                <a:tab pos="6904038" algn="l"/>
-                <a:tab pos="7353300" algn="l"/>
-                <a:tab pos="7802563" algn="l"/>
-                <a:tab pos="8251825" algn="l"/>
-                <a:tab pos="8701088" algn="l"/>
-                <a:tab pos="9150350" algn="l"/>
-              </a:tabLst>
-              <a:defRPr kumimoji="1" sz="3200">
-                <a:solidFill>
-                  <a:schemeClr val="bg1"/>
-                </a:solidFill>
-                <a:latin typeface="Arial" panose="020B0604020202020204" pitchFamily="34" charset="0"/>
-                <a:ea typeface="微软雅黑" panose="020B0503020204020204" pitchFamily="34" charset="-122"/>
-              </a:defRPr>
-            </a:lvl9pPr>
-          </a:lstStyle>
-          <a:p>
-            <a:pPr>
-              <a:buClrTx/>
-            </a:pPr>
-            <a:r>
-              <a:rPr lang="zh-CN" altLang="en-US" sz="4000" dirty="0" smtClean="0">
-                <a:solidFill>
-                  <a:srgbClr val="3376AD"/>
-                </a:solidFill>
-                <a:latin typeface="+mj-lt"/>
-                <a:ea typeface="+mj-ea"/>
-                <a:cs typeface="+mj-cs"/>
-              </a:rPr>
-              <a:t>拖放</a:t>
-            </a:r>
-            <a:endParaRPr lang="zh-CN" altLang="en-US" sz="4000" dirty="0">
-              <a:solidFill>
-                <a:srgbClr val="3376AD"/>
-              </a:solidFill>
-              <a:latin typeface="+mj-lt"/>
-              <a:ea typeface="+mj-ea"/>
-              <a:cs typeface="+mj-cs"/>
-            </a:endParaRPr>
-          </a:p>
-        </p:txBody>
-      </p:sp>
-      <p:sp>
-        <p:nvSpPr>
-          <p:cNvPr id="3" name="文本框 2"/>
-          <p:cNvSpPr txBox="1"/>
-          <p:nvPr/>
-        </p:nvSpPr>
-        <p:spPr>
-          <a:xfrm>
-            <a:off x="983432" y="1268760"/>
-            <a:ext cx="8640960" cy="523220"/>
-          </a:xfrm>
-          <a:prstGeom prst="rect">
-            <a:avLst/>
-          </a:prstGeom>
-          <a:noFill/>
-        </p:spPr>
-        <p:txBody>
-          <a:bodyPr wrap="square" rtlCol="0">
-            <a:spAutoFit/>
-          </a:bodyPr>
-          <a:lstStyle/>
-          <a:p>
-            <a:r>
-              <a:rPr lang="zh-CN" altLang="en-US" sz="2800" dirty="0" smtClean="0">
-                <a:solidFill>
-                  <a:srgbClr val="000000"/>
-                </a:solidFill>
-              </a:rPr>
-              <a:t>（</a:t>
-            </a:r>
-            <a:r>
-              <a:rPr lang="en-US" altLang="zh-CN" sz="2800" dirty="0" smtClean="0">
-                <a:solidFill>
-                  <a:srgbClr val="000000"/>
-                </a:solidFill>
-              </a:rPr>
-              <a:t>3</a:t>
-            </a:r>
-            <a:r>
-              <a:rPr lang="zh-CN" altLang="en-US" sz="2800" dirty="0" smtClean="0">
-                <a:solidFill>
-                  <a:srgbClr val="000000"/>
-                </a:solidFill>
-              </a:rPr>
-              <a:t>）</a:t>
-            </a:r>
-            <a:r>
-              <a:rPr lang="zh-CN" altLang="en-US" sz="2800" dirty="0">
-                <a:solidFill>
-                  <a:srgbClr val="000000"/>
-                </a:solidFill>
-              </a:rPr>
-              <a:t>放置元素到何处   </a:t>
-            </a:r>
-            <a:r>
-              <a:rPr lang="en-US" altLang="zh-CN" sz="2800" dirty="0" err="1" smtClean="0">
-                <a:solidFill>
-                  <a:srgbClr val="000000"/>
-                </a:solidFill>
-              </a:rPr>
-              <a:t>ondragover</a:t>
-            </a:r>
-            <a:endParaRPr lang="en-US" altLang="zh-CN" sz="2800" dirty="0">
-              <a:solidFill>
-                <a:srgbClr val="000000"/>
-              </a:solidFill>
-            </a:endParaRPr>
-          </a:p>
-        </p:txBody>
-      </p:sp>
-      <p:sp>
-        <p:nvSpPr>
-          <p:cNvPr id="4" name="Text Box 5"/>
-          <p:cNvSpPr txBox="1">
-            <a:spLocks noChangeArrowheads="1"/>
-          </p:cNvSpPr>
-          <p:nvPr/>
-        </p:nvSpPr>
-        <p:spPr bwMode="auto">
-          <a:xfrm>
-            <a:off x="983432" y="5622339"/>
-            <a:ext cx="9721080" cy="830997"/>
-          </a:xfrm>
-          <a:prstGeom prst="rect">
-            <a:avLst/>
-          </a:prstGeom>
-          <a:noFill/>
-          <a:ln>
-            <a:noFill/>
-          </a:ln>
-          <a:effectLst/>
-          <a:extLst>
-            <a:ext uri="{909E8E84-426E-40DD-AFC4-6F175D3DCCD1}">
-              <a14:hiddenFill xmlns:a14="http://schemas.microsoft.com/office/drawing/2010/main">
-                <a:solidFill>
-                  <a:srgbClr val="FFFFFF"/>
-                </a:solidFill>
-              </a14:hiddenFill>
-            </a:ext>
-            <a:ext uri="{91240B29-F687-4F45-9708-019B960494DF}">
-              <a14:hiddenLine xmlns:a14="http://schemas.microsoft.com/office/drawing/2010/main" w="9525">
-                <a:solidFill>
-                  <a:srgbClr val="000000"/>
-                </a:solidFill>
-                <a:bevel/>
-                <a:headEnd/>
-                <a:tailEnd/>
-              </a14:hiddenLine>
-            </a:ext>
-            <a:ext uri="{AF507438-7753-43E0-B8FC-AC1667EBCBE1}">
-              <a14:hiddenEffects xmlns:a14="http://schemas.microsoft.com/office/drawing/2010/main">
-                <a:effectLst>
-                  <a:outerShdw dist="35921" dir="2700000" algn="ctr" rotWithShape="0">
-                    <a:srgbClr val="808080"/>
-                  </a:outerShdw>
-                </a:effectLst>
-              </a14:hiddenEffects>
-            </a:ext>
-          </a:extLst>
-        </p:spPr>
-        <p:txBody>
-          <a:bodyPr wrap="square">
-            <a:spAutoFit/>
-          </a:bodyPr>
-          <a:lstStyle/>
-          <a:p>
-            <a:pPr eaLnBrk="1" hangingPunct="1">
-              <a:buSzPct val="100000"/>
-              <a:buFont typeface="Times New Roman" panose="02020603050405020304" pitchFamily="18" charset="0"/>
-              <a:buNone/>
-            </a:pPr>
-            <a:r>
-              <a:rPr lang="zh-CN" altLang="en-US" sz="2400" dirty="0" smtClean="0">
-                <a:solidFill>
-                  <a:srgbClr val="FF0000"/>
-                </a:solidFill>
-                <a:latin typeface="微软雅黑" panose="020B0503020204020204" pitchFamily="34" charset="-122"/>
-              </a:rPr>
-              <a:t>默认无法</a:t>
-            </a:r>
-            <a:r>
-              <a:rPr lang="zh-CN" altLang="en-US" sz="2400" dirty="0">
-                <a:solidFill>
-                  <a:srgbClr val="FF0000"/>
-                </a:solidFill>
-                <a:latin typeface="微软雅黑" panose="020B0503020204020204" pitchFamily="34" charset="-122"/>
-              </a:rPr>
-              <a:t>将元素放置到其它元素中，如果需要设置允许放置，我们必须阻止对元素的默认处理方式。</a:t>
-            </a:r>
-          </a:p>
-        </p:txBody>
-      </p:sp>
-      <p:pic>
-        <p:nvPicPr>
-          <p:cNvPr id="5" name="Picture 6"/>
-          <p:cNvPicPr>
-            <a:picLocks noChangeAspect="1" noChangeArrowheads="1"/>
-          </p:cNvPicPr>
-          <p:nvPr/>
-        </p:nvPicPr>
-        <p:blipFill>
-          <a:blip r:embed="rId4">
-            <a:extLst>
-              <a:ext uri="{28A0092B-C50C-407E-A947-70E740481C1C}">
-                <a14:useLocalDpi xmlns:a14="http://schemas.microsoft.com/office/drawing/2010/main" val="0"/>
-              </a:ext>
-            </a:extLst>
-          </a:blip>
-          <a:srcRect/>
-          <a:stretch>
-            <a:fillRect/>
-          </a:stretch>
-        </p:blipFill>
-        <p:spPr bwMode="auto">
-          <a:xfrm>
-            <a:off x="984071" y="2132856"/>
-            <a:ext cx="9210466" cy="3240360"/>
-          </a:xfrm>
-          <a:prstGeom prst="rect">
-            <a:avLst/>
-          </a:prstGeom>
-          <a:noFill/>
-          <a:ln>
-            <a:noFill/>
-          </a:ln>
-          <a:effectLst/>
-          <a:extLst>
-            <a:ext uri="{909E8E84-426E-40DD-AFC4-6F175D3DCCD1}">
-              <a14:hiddenFill xmlns:a14="http://schemas.microsoft.com/office/drawing/2010/main">
-                <a:solidFill>
-                  <a:srgbClr val="FFFFFF"/>
-                </a:solidFill>
-              </a14:hiddenFill>
-            </a:ext>
-            <a:ext uri="{91240B29-F687-4F45-9708-019B960494DF}">
-              <a14:hiddenLine xmlns:a14="http://schemas.microsoft.com/office/drawing/2010/main" w="9525">
-                <a:solidFill>
-                  <a:srgbClr val="000000"/>
-                </a:solidFill>
-                <a:miter lim="800000"/>
-                <a:headEnd/>
-                <a:tailEnd/>
-              </a14:hiddenLine>
-            </a:ext>
-            <a:ext uri="{AF507438-7753-43E0-B8FC-AC1667EBCBE1}">
-              <a14:hiddenEffects xmlns:a14="http://schemas.microsoft.com/office/drawing/2010/main">
-                <a:effectLst>
-                  <a:outerShdw dist="35921" dir="2700000" algn="ctr" rotWithShape="0">
-                    <a:srgbClr val="808080"/>
-                  </a:outerShdw>
-                </a:effectLst>
-              </a14:hiddenEffects>
-            </a:ext>
-          </a:extLst>
-        </p:spPr>
-      </p:pic>
-    </p:spTree>
-    <p:extLst>
-      <p:ext uri="{BB962C8B-B14F-4D97-AF65-F5344CB8AC3E}">
-        <p14:creationId xmlns:p14="http://schemas.microsoft.com/office/powerpoint/2010/main" val="2801416697"/>
-      </p:ext>
-    </p:extLst>
-  </p:cSld>
-  <p:clrMapOvr>
-    <a:masterClrMapping/>
-  </p:clrMapOvr>
-  <p:transition spd="med"/>
-  <p:timing>
-    <p:tnLst>
-      <p:par>
-        <p:cTn id="1" dur="indefinite" restart="never" nodeType="tmRoot"/>
-      </p:par>
-    </p:tnLst>
-  </p:timing>
-</p:sld>
-</file>
-
 <file path=ppt/slides/slide15.xml><?xml version="1.0" encoding="utf-8"?>
 <p:sld xmlns:a="http://schemas.openxmlformats.org/drawingml/2006/main" xmlns:r="http://schemas.openxmlformats.org/officeDocument/2006/relationships" xmlns:p="http://schemas.openxmlformats.org/presentationml/2006/main">
   <p:cSld>
@@ -18224,6 +18674,667 @@
       </p:sp>
       <p:sp>
         <p:nvSpPr>
+          <p:cNvPr id="3" name="文本框 2"/>
+          <p:cNvSpPr txBox="1"/>
+          <p:nvPr/>
+        </p:nvSpPr>
+        <p:spPr>
+          <a:xfrm>
+            <a:off x="983432" y="1268760"/>
+            <a:ext cx="8640960" cy="523220"/>
+          </a:xfrm>
+          <a:prstGeom prst="rect">
+            <a:avLst/>
+          </a:prstGeom>
+          <a:noFill/>
+        </p:spPr>
+        <p:txBody>
+          <a:bodyPr wrap="square" rtlCol="0">
+            <a:spAutoFit/>
+          </a:bodyPr>
+          <a:lstStyle/>
+          <a:p>
+            <a:r>
+              <a:rPr lang="zh-CN" altLang="en-US" sz="2800" dirty="0" smtClean="0">
+                <a:solidFill>
+                  <a:srgbClr val="000000"/>
+                </a:solidFill>
+              </a:rPr>
+              <a:t>（</a:t>
+            </a:r>
+            <a:r>
+              <a:rPr lang="en-US" altLang="zh-CN" sz="2800" dirty="0" smtClean="0">
+                <a:solidFill>
+                  <a:srgbClr val="000000"/>
+                </a:solidFill>
+              </a:rPr>
+              <a:t>3</a:t>
+            </a:r>
+            <a:r>
+              <a:rPr lang="zh-CN" altLang="en-US" sz="2800" dirty="0" smtClean="0">
+                <a:solidFill>
+                  <a:srgbClr val="000000"/>
+                </a:solidFill>
+              </a:rPr>
+              <a:t>）</a:t>
+            </a:r>
+            <a:r>
+              <a:rPr lang="zh-CN" altLang="en-US" sz="2800" dirty="0">
+                <a:solidFill>
+                  <a:srgbClr val="000000"/>
+                </a:solidFill>
+              </a:rPr>
+              <a:t>放置元素到何处   </a:t>
+            </a:r>
+            <a:r>
+              <a:rPr lang="en-US" altLang="zh-CN" sz="2800" dirty="0" err="1" smtClean="0">
+                <a:solidFill>
+                  <a:srgbClr val="000000"/>
+                </a:solidFill>
+              </a:rPr>
+              <a:t>ondragover</a:t>
+            </a:r>
+            <a:endParaRPr lang="en-US" altLang="zh-CN" sz="2800" dirty="0">
+              <a:solidFill>
+                <a:srgbClr val="000000"/>
+              </a:solidFill>
+            </a:endParaRPr>
+          </a:p>
+        </p:txBody>
+      </p:sp>
+      <p:sp>
+        <p:nvSpPr>
+          <p:cNvPr id="4" name="Text Box 5"/>
+          <p:cNvSpPr txBox="1">
+            <a:spLocks noChangeArrowheads="1"/>
+          </p:cNvSpPr>
+          <p:nvPr/>
+        </p:nvSpPr>
+        <p:spPr bwMode="auto">
+          <a:xfrm>
+            <a:off x="983432" y="5622339"/>
+            <a:ext cx="9721080" cy="830997"/>
+          </a:xfrm>
+          <a:prstGeom prst="rect">
+            <a:avLst/>
+          </a:prstGeom>
+          <a:solidFill>
+            <a:srgbClr val="FF9900"/>
+          </a:solidFill>
+          <a:ln>
+            <a:noFill/>
+          </a:ln>
+          <a:effectLst/>
+          <a:extLst/>
+        </p:spPr>
+        <p:txBody>
+          <a:bodyPr wrap="square">
+            <a:spAutoFit/>
+          </a:bodyPr>
+          <a:lstStyle/>
+          <a:p>
+            <a:pPr eaLnBrk="1" hangingPunct="1">
+              <a:buSzPct val="100000"/>
+              <a:buFont typeface="Times New Roman" panose="02020603050405020304" pitchFamily="18" charset="0"/>
+              <a:buNone/>
+            </a:pPr>
+            <a:r>
+              <a:rPr lang="zh-CN" altLang="en-US" sz="2400" dirty="0" smtClean="0">
+                <a:latin typeface="微软雅黑" panose="020B0503020204020204" pitchFamily="34" charset="-122"/>
+              </a:rPr>
+              <a:t>默认无法</a:t>
+            </a:r>
+            <a:r>
+              <a:rPr lang="zh-CN" altLang="en-US" sz="2400" dirty="0">
+                <a:latin typeface="微软雅黑" panose="020B0503020204020204" pitchFamily="34" charset="-122"/>
+              </a:rPr>
+              <a:t>将元素放置到其它元素</a:t>
+            </a:r>
+            <a:r>
+              <a:rPr lang="zh-CN" altLang="en-US" sz="2400" dirty="0" smtClean="0">
+                <a:latin typeface="微软雅黑" panose="020B0503020204020204" pitchFamily="34" charset="-122"/>
+              </a:rPr>
+              <a:t>中。如果</a:t>
+            </a:r>
+            <a:r>
+              <a:rPr lang="zh-CN" altLang="en-US" sz="2400" dirty="0">
+                <a:latin typeface="微软雅黑" panose="020B0503020204020204" pitchFamily="34" charset="-122"/>
+              </a:rPr>
+              <a:t>需要设置允许放置</a:t>
+            </a:r>
+            <a:r>
+              <a:rPr lang="zh-CN" altLang="en-US" sz="2400" dirty="0" smtClean="0">
+                <a:latin typeface="微软雅黑" panose="020B0503020204020204" pitchFamily="34" charset="-122"/>
+              </a:rPr>
+              <a:t>，必须</a:t>
+            </a:r>
+            <a:r>
+              <a:rPr lang="zh-CN" altLang="en-US" sz="2400" dirty="0">
+                <a:latin typeface="微软雅黑" panose="020B0503020204020204" pitchFamily="34" charset="-122"/>
+              </a:rPr>
+              <a:t>阻止对元素的默认处理方式。</a:t>
+            </a:r>
+          </a:p>
+        </p:txBody>
+      </p:sp>
+      <p:pic>
+        <p:nvPicPr>
+          <p:cNvPr id="5" name="Picture 6"/>
+          <p:cNvPicPr>
+            <a:picLocks noChangeAspect="1" noChangeArrowheads="1"/>
+          </p:cNvPicPr>
+          <p:nvPr/>
+        </p:nvPicPr>
+        <p:blipFill>
+          <a:blip r:embed="rId4">
+            <a:extLst>
+              <a:ext uri="{28A0092B-C50C-407E-A947-70E740481C1C}">
+                <a14:useLocalDpi xmlns:a14="http://schemas.microsoft.com/office/drawing/2010/main" val="0"/>
+              </a:ext>
+            </a:extLst>
+          </a:blip>
+          <a:srcRect/>
+          <a:stretch>
+            <a:fillRect/>
+          </a:stretch>
+        </p:blipFill>
+        <p:spPr bwMode="auto">
+          <a:xfrm>
+            <a:off x="984071" y="2132856"/>
+            <a:ext cx="9210466" cy="3240360"/>
+          </a:xfrm>
+          <a:prstGeom prst="rect">
+            <a:avLst/>
+          </a:prstGeom>
+          <a:noFill/>
+          <a:ln>
+            <a:noFill/>
+          </a:ln>
+          <a:effectLst/>
+          <a:extLst>
+            <a:ext uri="{909E8E84-426E-40DD-AFC4-6F175D3DCCD1}">
+              <a14:hiddenFill xmlns:a14="http://schemas.microsoft.com/office/drawing/2010/main">
+                <a:solidFill>
+                  <a:srgbClr val="FFFFFF"/>
+                </a:solidFill>
+              </a14:hiddenFill>
+            </a:ext>
+            <a:ext uri="{91240B29-F687-4F45-9708-019B960494DF}">
+              <a14:hiddenLine xmlns:a14="http://schemas.microsoft.com/office/drawing/2010/main" w="9525">
+                <a:solidFill>
+                  <a:srgbClr val="000000"/>
+                </a:solidFill>
+                <a:miter lim="800000"/>
+                <a:headEnd/>
+                <a:tailEnd/>
+              </a14:hiddenLine>
+            </a:ext>
+            <a:ext uri="{AF507438-7753-43E0-B8FC-AC1667EBCBE1}">
+              <a14:hiddenEffects xmlns:a14="http://schemas.microsoft.com/office/drawing/2010/main">
+                <a:effectLst>
+                  <a:outerShdw dist="35921" dir="2700000" algn="ctr" rotWithShape="0">
+                    <a:srgbClr val="808080"/>
+                  </a:outerShdw>
+                </a:effectLst>
+              </a14:hiddenEffects>
+            </a:ext>
+          </a:extLst>
+        </p:spPr>
+      </p:pic>
+    </p:spTree>
+    <p:extLst>
+      <p:ext uri="{BB962C8B-B14F-4D97-AF65-F5344CB8AC3E}">
+        <p14:creationId xmlns:p14="http://schemas.microsoft.com/office/powerpoint/2010/main" val="2801416697"/>
+      </p:ext>
+    </p:extLst>
+  </p:cSld>
+  <p:clrMapOvr>
+    <a:masterClrMapping/>
+  </p:clrMapOvr>
+  <p:transition spd="med"/>
+  <p:timing>
+    <p:tnLst>
+      <p:par>
+        <p:cTn id="1" dur="indefinite" restart="never" nodeType="tmRoot"/>
+      </p:par>
+    </p:tnLst>
+  </p:timing>
+</p:sld>
+</file>
+
+<file path=ppt/slides/slide16.xml><?xml version="1.0" encoding="utf-8"?>
+<p:sld xmlns:a="http://schemas.openxmlformats.org/drawingml/2006/main" xmlns:r="http://schemas.openxmlformats.org/officeDocument/2006/relationships" xmlns:p="http://schemas.openxmlformats.org/presentationml/2006/main">
+  <p:cSld>
+    <p:bg>
+      <p:bgPr>
+        <a:blipFill dpi="0" rotWithShape="0">
+          <a:blip r:embed="rId3"/>
+          <a:srcRect/>
+          <a:stretch>
+            <a:fillRect/>
+          </a:stretch>
+        </a:blipFill>
+        <a:effectLst/>
+      </p:bgPr>
+    </p:bg>
+    <p:spTree>
+      <p:nvGrpSpPr>
+        <p:cNvPr id="1" name=""/>
+        <p:cNvGrpSpPr/>
+        <p:nvPr/>
+      </p:nvGrpSpPr>
+      <p:grpSpPr>
+        <a:xfrm>
+          <a:off x="0" y="0"/>
+          <a:ext cx="0" cy="0"/>
+          <a:chOff x="0" y="0"/>
+          <a:chExt cx="0" cy="0"/>
+        </a:xfrm>
+      </p:grpSpPr>
+      <p:sp>
+        <p:nvSpPr>
+          <p:cNvPr id="23555" name="Text Box 2"/>
+          <p:cNvSpPr txBox="1">
+            <a:spLocks noChangeArrowheads="1"/>
+          </p:cNvSpPr>
+          <p:nvPr/>
+        </p:nvSpPr>
+        <p:spPr bwMode="auto">
+          <a:xfrm>
+            <a:off x="983432" y="236539"/>
+            <a:ext cx="7501757" cy="581025"/>
+          </a:xfrm>
+          <a:prstGeom prst="rect">
+            <a:avLst/>
+          </a:prstGeom>
+          <a:noFill/>
+          <a:ln>
+            <a:noFill/>
+          </a:ln>
+          <a:extLst>
+            <a:ext uri="{909E8E84-426E-40DD-AFC4-6F175D3DCCD1}">
+              <a14:hiddenFill xmlns:a14="http://schemas.microsoft.com/office/drawing/2010/main">
+                <a:solidFill>
+                  <a:srgbClr val="FFFFFF"/>
+                </a:solidFill>
+              </a14:hiddenFill>
+            </a:ext>
+            <a:ext uri="{91240B29-F687-4F45-9708-019B960494DF}">
+              <a14:hiddenLine xmlns:a14="http://schemas.microsoft.com/office/drawing/2010/main" w="9525">
+                <a:solidFill>
+                  <a:srgbClr val="000000"/>
+                </a:solidFill>
+                <a:round/>
+                <a:headEnd/>
+                <a:tailEnd/>
+              </a14:hiddenLine>
+            </a:ext>
+          </a:extLst>
+        </p:spPr>
+        <p:txBody>
+          <a:bodyPr lIns="90000" tIns="46800" rIns="90000" bIns="46800"/>
+          <a:lstStyle>
+            <a:lvl1pPr marL="166688" indent="-163513">
+              <a:tabLst>
+                <a:tab pos="166688" algn="l"/>
+                <a:tab pos="614363" algn="l"/>
+                <a:tab pos="1063625" algn="l"/>
+                <a:tab pos="1512888" algn="l"/>
+                <a:tab pos="1962150" algn="l"/>
+                <a:tab pos="2411413" algn="l"/>
+                <a:tab pos="2860675" algn="l"/>
+                <a:tab pos="3309938" algn="l"/>
+                <a:tab pos="3759200" algn="l"/>
+                <a:tab pos="4208463" algn="l"/>
+                <a:tab pos="4657725" algn="l"/>
+                <a:tab pos="5106988" algn="l"/>
+                <a:tab pos="5556250" algn="l"/>
+                <a:tab pos="6005513" algn="l"/>
+                <a:tab pos="6454775" algn="l"/>
+                <a:tab pos="6904038" algn="l"/>
+                <a:tab pos="7353300" algn="l"/>
+                <a:tab pos="7802563" algn="l"/>
+                <a:tab pos="8251825" algn="l"/>
+                <a:tab pos="8701088" algn="l"/>
+                <a:tab pos="9150350" algn="l"/>
+              </a:tabLst>
+              <a:defRPr kumimoji="1" sz="3200">
+                <a:solidFill>
+                  <a:schemeClr val="bg1"/>
+                </a:solidFill>
+                <a:latin typeface="Arial" panose="020B0604020202020204" pitchFamily="34" charset="0"/>
+                <a:ea typeface="微软雅黑" panose="020B0503020204020204" pitchFamily="34" charset="-122"/>
+              </a:defRPr>
+            </a:lvl1pPr>
+            <a:lvl2pPr>
+              <a:tabLst>
+                <a:tab pos="166688" algn="l"/>
+                <a:tab pos="614363" algn="l"/>
+                <a:tab pos="1063625" algn="l"/>
+                <a:tab pos="1512888" algn="l"/>
+                <a:tab pos="1962150" algn="l"/>
+                <a:tab pos="2411413" algn="l"/>
+                <a:tab pos="2860675" algn="l"/>
+                <a:tab pos="3309938" algn="l"/>
+                <a:tab pos="3759200" algn="l"/>
+                <a:tab pos="4208463" algn="l"/>
+                <a:tab pos="4657725" algn="l"/>
+                <a:tab pos="5106988" algn="l"/>
+                <a:tab pos="5556250" algn="l"/>
+                <a:tab pos="6005513" algn="l"/>
+                <a:tab pos="6454775" algn="l"/>
+                <a:tab pos="6904038" algn="l"/>
+                <a:tab pos="7353300" algn="l"/>
+                <a:tab pos="7802563" algn="l"/>
+                <a:tab pos="8251825" algn="l"/>
+                <a:tab pos="8701088" algn="l"/>
+                <a:tab pos="9150350" algn="l"/>
+              </a:tabLst>
+              <a:defRPr kumimoji="1" sz="3200">
+                <a:solidFill>
+                  <a:schemeClr val="bg1"/>
+                </a:solidFill>
+                <a:latin typeface="Arial" panose="020B0604020202020204" pitchFamily="34" charset="0"/>
+                <a:ea typeface="微软雅黑" panose="020B0503020204020204" pitchFamily="34" charset="-122"/>
+              </a:defRPr>
+            </a:lvl2pPr>
+            <a:lvl3pPr>
+              <a:tabLst>
+                <a:tab pos="166688" algn="l"/>
+                <a:tab pos="614363" algn="l"/>
+                <a:tab pos="1063625" algn="l"/>
+                <a:tab pos="1512888" algn="l"/>
+                <a:tab pos="1962150" algn="l"/>
+                <a:tab pos="2411413" algn="l"/>
+                <a:tab pos="2860675" algn="l"/>
+                <a:tab pos="3309938" algn="l"/>
+                <a:tab pos="3759200" algn="l"/>
+                <a:tab pos="4208463" algn="l"/>
+                <a:tab pos="4657725" algn="l"/>
+                <a:tab pos="5106988" algn="l"/>
+                <a:tab pos="5556250" algn="l"/>
+                <a:tab pos="6005513" algn="l"/>
+                <a:tab pos="6454775" algn="l"/>
+                <a:tab pos="6904038" algn="l"/>
+                <a:tab pos="7353300" algn="l"/>
+                <a:tab pos="7802563" algn="l"/>
+                <a:tab pos="8251825" algn="l"/>
+                <a:tab pos="8701088" algn="l"/>
+                <a:tab pos="9150350" algn="l"/>
+              </a:tabLst>
+              <a:defRPr kumimoji="1" sz="3200">
+                <a:solidFill>
+                  <a:schemeClr val="bg1"/>
+                </a:solidFill>
+                <a:latin typeface="Arial" panose="020B0604020202020204" pitchFamily="34" charset="0"/>
+                <a:ea typeface="微软雅黑" panose="020B0503020204020204" pitchFamily="34" charset="-122"/>
+              </a:defRPr>
+            </a:lvl3pPr>
+            <a:lvl4pPr>
+              <a:tabLst>
+                <a:tab pos="166688" algn="l"/>
+                <a:tab pos="614363" algn="l"/>
+                <a:tab pos="1063625" algn="l"/>
+                <a:tab pos="1512888" algn="l"/>
+                <a:tab pos="1962150" algn="l"/>
+                <a:tab pos="2411413" algn="l"/>
+                <a:tab pos="2860675" algn="l"/>
+                <a:tab pos="3309938" algn="l"/>
+                <a:tab pos="3759200" algn="l"/>
+                <a:tab pos="4208463" algn="l"/>
+                <a:tab pos="4657725" algn="l"/>
+                <a:tab pos="5106988" algn="l"/>
+                <a:tab pos="5556250" algn="l"/>
+                <a:tab pos="6005513" algn="l"/>
+                <a:tab pos="6454775" algn="l"/>
+                <a:tab pos="6904038" algn="l"/>
+                <a:tab pos="7353300" algn="l"/>
+                <a:tab pos="7802563" algn="l"/>
+                <a:tab pos="8251825" algn="l"/>
+                <a:tab pos="8701088" algn="l"/>
+                <a:tab pos="9150350" algn="l"/>
+              </a:tabLst>
+              <a:defRPr kumimoji="1" sz="3200">
+                <a:solidFill>
+                  <a:schemeClr val="bg1"/>
+                </a:solidFill>
+                <a:latin typeface="Arial" panose="020B0604020202020204" pitchFamily="34" charset="0"/>
+                <a:ea typeface="微软雅黑" panose="020B0503020204020204" pitchFamily="34" charset="-122"/>
+              </a:defRPr>
+            </a:lvl4pPr>
+            <a:lvl5pPr>
+              <a:tabLst>
+                <a:tab pos="166688" algn="l"/>
+                <a:tab pos="614363" algn="l"/>
+                <a:tab pos="1063625" algn="l"/>
+                <a:tab pos="1512888" algn="l"/>
+                <a:tab pos="1962150" algn="l"/>
+                <a:tab pos="2411413" algn="l"/>
+                <a:tab pos="2860675" algn="l"/>
+                <a:tab pos="3309938" algn="l"/>
+                <a:tab pos="3759200" algn="l"/>
+                <a:tab pos="4208463" algn="l"/>
+                <a:tab pos="4657725" algn="l"/>
+                <a:tab pos="5106988" algn="l"/>
+                <a:tab pos="5556250" algn="l"/>
+                <a:tab pos="6005513" algn="l"/>
+                <a:tab pos="6454775" algn="l"/>
+                <a:tab pos="6904038" algn="l"/>
+                <a:tab pos="7353300" algn="l"/>
+                <a:tab pos="7802563" algn="l"/>
+                <a:tab pos="8251825" algn="l"/>
+                <a:tab pos="8701088" algn="l"/>
+                <a:tab pos="9150350" algn="l"/>
+              </a:tabLst>
+              <a:defRPr kumimoji="1" sz="3200">
+                <a:solidFill>
+                  <a:schemeClr val="bg1"/>
+                </a:solidFill>
+                <a:latin typeface="Arial" panose="020B0604020202020204" pitchFamily="34" charset="0"/>
+                <a:ea typeface="微软雅黑" panose="020B0503020204020204" pitchFamily="34" charset="-122"/>
+              </a:defRPr>
+            </a:lvl5pPr>
+            <a:lvl6pPr marL="2514600" indent="-228600" defTabSz="449263" fontAlgn="base">
+              <a:spcBef>
+                <a:spcPct val="0"/>
+              </a:spcBef>
+              <a:spcAft>
+                <a:spcPct val="0"/>
+              </a:spcAft>
+              <a:buClr>
+                <a:srgbClr val="000000"/>
+              </a:buClr>
+              <a:buSzPct val="100000"/>
+              <a:buFont typeface="Times New Roman" panose="02020603050405020304" pitchFamily="18" charset="0"/>
+              <a:tabLst>
+                <a:tab pos="166688" algn="l"/>
+                <a:tab pos="614363" algn="l"/>
+                <a:tab pos="1063625" algn="l"/>
+                <a:tab pos="1512888" algn="l"/>
+                <a:tab pos="1962150" algn="l"/>
+                <a:tab pos="2411413" algn="l"/>
+                <a:tab pos="2860675" algn="l"/>
+                <a:tab pos="3309938" algn="l"/>
+                <a:tab pos="3759200" algn="l"/>
+                <a:tab pos="4208463" algn="l"/>
+                <a:tab pos="4657725" algn="l"/>
+                <a:tab pos="5106988" algn="l"/>
+                <a:tab pos="5556250" algn="l"/>
+                <a:tab pos="6005513" algn="l"/>
+                <a:tab pos="6454775" algn="l"/>
+                <a:tab pos="6904038" algn="l"/>
+                <a:tab pos="7353300" algn="l"/>
+                <a:tab pos="7802563" algn="l"/>
+                <a:tab pos="8251825" algn="l"/>
+                <a:tab pos="8701088" algn="l"/>
+                <a:tab pos="9150350" algn="l"/>
+              </a:tabLst>
+              <a:defRPr kumimoji="1" sz="3200">
+                <a:solidFill>
+                  <a:schemeClr val="bg1"/>
+                </a:solidFill>
+                <a:latin typeface="Arial" panose="020B0604020202020204" pitchFamily="34" charset="0"/>
+                <a:ea typeface="微软雅黑" panose="020B0503020204020204" pitchFamily="34" charset="-122"/>
+              </a:defRPr>
+            </a:lvl6pPr>
+            <a:lvl7pPr marL="2971800" indent="-228600" defTabSz="449263" fontAlgn="base">
+              <a:spcBef>
+                <a:spcPct val="0"/>
+              </a:spcBef>
+              <a:spcAft>
+                <a:spcPct val="0"/>
+              </a:spcAft>
+              <a:buClr>
+                <a:srgbClr val="000000"/>
+              </a:buClr>
+              <a:buSzPct val="100000"/>
+              <a:buFont typeface="Times New Roman" panose="02020603050405020304" pitchFamily="18" charset="0"/>
+              <a:tabLst>
+                <a:tab pos="166688" algn="l"/>
+                <a:tab pos="614363" algn="l"/>
+                <a:tab pos="1063625" algn="l"/>
+                <a:tab pos="1512888" algn="l"/>
+                <a:tab pos="1962150" algn="l"/>
+                <a:tab pos="2411413" algn="l"/>
+                <a:tab pos="2860675" algn="l"/>
+                <a:tab pos="3309938" algn="l"/>
+                <a:tab pos="3759200" algn="l"/>
+                <a:tab pos="4208463" algn="l"/>
+                <a:tab pos="4657725" algn="l"/>
+                <a:tab pos="5106988" algn="l"/>
+                <a:tab pos="5556250" algn="l"/>
+                <a:tab pos="6005513" algn="l"/>
+                <a:tab pos="6454775" algn="l"/>
+                <a:tab pos="6904038" algn="l"/>
+                <a:tab pos="7353300" algn="l"/>
+                <a:tab pos="7802563" algn="l"/>
+                <a:tab pos="8251825" algn="l"/>
+                <a:tab pos="8701088" algn="l"/>
+                <a:tab pos="9150350" algn="l"/>
+              </a:tabLst>
+              <a:defRPr kumimoji="1" sz="3200">
+                <a:solidFill>
+                  <a:schemeClr val="bg1"/>
+                </a:solidFill>
+                <a:latin typeface="Arial" panose="020B0604020202020204" pitchFamily="34" charset="0"/>
+                <a:ea typeface="微软雅黑" panose="020B0503020204020204" pitchFamily="34" charset="-122"/>
+              </a:defRPr>
+            </a:lvl7pPr>
+            <a:lvl8pPr marL="3429000" indent="-228600" defTabSz="449263" fontAlgn="base">
+              <a:spcBef>
+                <a:spcPct val="0"/>
+              </a:spcBef>
+              <a:spcAft>
+                <a:spcPct val="0"/>
+              </a:spcAft>
+              <a:buClr>
+                <a:srgbClr val="000000"/>
+              </a:buClr>
+              <a:buSzPct val="100000"/>
+              <a:buFont typeface="Times New Roman" panose="02020603050405020304" pitchFamily="18" charset="0"/>
+              <a:tabLst>
+                <a:tab pos="166688" algn="l"/>
+                <a:tab pos="614363" algn="l"/>
+                <a:tab pos="1063625" algn="l"/>
+                <a:tab pos="1512888" algn="l"/>
+                <a:tab pos="1962150" algn="l"/>
+                <a:tab pos="2411413" algn="l"/>
+                <a:tab pos="2860675" algn="l"/>
+                <a:tab pos="3309938" algn="l"/>
+                <a:tab pos="3759200" algn="l"/>
+                <a:tab pos="4208463" algn="l"/>
+                <a:tab pos="4657725" algn="l"/>
+                <a:tab pos="5106988" algn="l"/>
+                <a:tab pos="5556250" algn="l"/>
+                <a:tab pos="6005513" algn="l"/>
+                <a:tab pos="6454775" algn="l"/>
+                <a:tab pos="6904038" algn="l"/>
+                <a:tab pos="7353300" algn="l"/>
+                <a:tab pos="7802563" algn="l"/>
+                <a:tab pos="8251825" algn="l"/>
+                <a:tab pos="8701088" algn="l"/>
+                <a:tab pos="9150350" algn="l"/>
+              </a:tabLst>
+              <a:defRPr kumimoji="1" sz="3200">
+                <a:solidFill>
+                  <a:schemeClr val="bg1"/>
+                </a:solidFill>
+                <a:latin typeface="Arial" panose="020B0604020202020204" pitchFamily="34" charset="0"/>
+                <a:ea typeface="微软雅黑" panose="020B0503020204020204" pitchFamily="34" charset="-122"/>
+              </a:defRPr>
+            </a:lvl8pPr>
+            <a:lvl9pPr marL="3886200" indent="-228600" defTabSz="449263" fontAlgn="base">
+              <a:spcBef>
+                <a:spcPct val="0"/>
+              </a:spcBef>
+              <a:spcAft>
+                <a:spcPct val="0"/>
+              </a:spcAft>
+              <a:buClr>
+                <a:srgbClr val="000000"/>
+              </a:buClr>
+              <a:buSzPct val="100000"/>
+              <a:buFont typeface="Times New Roman" panose="02020603050405020304" pitchFamily="18" charset="0"/>
+              <a:tabLst>
+                <a:tab pos="166688" algn="l"/>
+                <a:tab pos="614363" algn="l"/>
+                <a:tab pos="1063625" algn="l"/>
+                <a:tab pos="1512888" algn="l"/>
+                <a:tab pos="1962150" algn="l"/>
+                <a:tab pos="2411413" algn="l"/>
+                <a:tab pos="2860675" algn="l"/>
+                <a:tab pos="3309938" algn="l"/>
+                <a:tab pos="3759200" algn="l"/>
+                <a:tab pos="4208463" algn="l"/>
+                <a:tab pos="4657725" algn="l"/>
+                <a:tab pos="5106988" algn="l"/>
+                <a:tab pos="5556250" algn="l"/>
+                <a:tab pos="6005513" algn="l"/>
+                <a:tab pos="6454775" algn="l"/>
+                <a:tab pos="6904038" algn="l"/>
+                <a:tab pos="7353300" algn="l"/>
+                <a:tab pos="7802563" algn="l"/>
+                <a:tab pos="8251825" algn="l"/>
+                <a:tab pos="8701088" algn="l"/>
+                <a:tab pos="9150350" algn="l"/>
+              </a:tabLst>
+              <a:defRPr kumimoji="1" sz="3200">
+                <a:solidFill>
+                  <a:schemeClr val="bg1"/>
+                </a:solidFill>
+                <a:latin typeface="Arial" panose="020B0604020202020204" pitchFamily="34" charset="0"/>
+                <a:ea typeface="微软雅黑" panose="020B0503020204020204" pitchFamily="34" charset="-122"/>
+              </a:defRPr>
+            </a:lvl9pPr>
+          </a:lstStyle>
+          <a:p>
+            <a:pPr>
+              <a:buClrTx/>
+            </a:pPr>
+            <a:r>
+              <a:rPr lang="zh-CN" altLang="en-US" sz="4000" dirty="0" smtClean="0">
+                <a:solidFill>
+                  <a:srgbClr val="3376AD"/>
+                </a:solidFill>
+                <a:latin typeface="+mj-lt"/>
+                <a:ea typeface="+mj-ea"/>
+                <a:cs typeface="+mj-cs"/>
+              </a:rPr>
+              <a:t>拖放</a:t>
+            </a:r>
+            <a:endParaRPr lang="zh-CN" altLang="en-US" sz="4000" dirty="0">
+              <a:solidFill>
+                <a:srgbClr val="3376AD"/>
+              </a:solidFill>
+              <a:latin typeface="+mj-lt"/>
+              <a:ea typeface="+mj-ea"/>
+              <a:cs typeface="+mj-cs"/>
+            </a:endParaRPr>
+          </a:p>
+        </p:txBody>
+      </p:sp>
+      <p:sp>
+        <p:nvSpPr>
           <p:cNvPr id="4" name="文本框 3"/>
           <p:cNvSpPr txBox="1"/>
           <p:nvPr/>
@@ -18787,7 +19898,7 @@
                   <a:srgbClr val="000000"/>
                 </a:solidFill>
               </a:rPr>
-              <a:t>9-1.html</a:t>
+              <a:t>9-2.html</a:t>
             </a:r>
             <a:endParaRPr kumimoji="0" lang="en-US" altLang="zh-CN" sz="2400" dirty="0">
               <a:solidFill>
@@ -18801,1440 +19912,6 @@
     <p:extLst>
       <p:ext uri="{BB962C8B-B14F-4D97-AF65-F5344CB8AC3E}">
         <p14:creationId xmlns:p14="http://schemas.microsoft.com/office/powerpoint/2010/main" val="766908348"/>
-      </p:ext>
-    </p:extLst>
-  </p:cSld>
-  <p:clrMapOvr>
-    <a:masterClrMapping/>
-  </p:clrMapOvr>
-  <p:transition spd="med"/>
-  <p:timing>
-    <p:tnLst>
-      <p:par>
-        <p:cTn id="1" dur="indefinite" restart="never" nodeType="tmRoot"/>
-      </p:par>
-    </p:tnLst>
-  </p:timing>
-</p:sld>
-</file>
-
-<file path=ppt/slides/slide16.xml><?xml version="1.0" encoding="utf-8"?>
-<p:sld xmlns:a="http://schemas.openxmlformats.org/drawingml/2006/main" xmlns:r="http://schemas.openxmlformats.org/officeDocument/2006/relationships" xmlns:p="http://schemas.openxmlformats.org/presentationml/2006/main">
-  <p:cSld>
-    <p:bg>
-      <p:bgPr>
-        <a:blipFill dpi="0" rotWithShape="0">
-          <a:blip r:embed="rId3"/>
-          <a:srcRect/>
-          <a:stretch>
-            <a:fillRect/>
-          </a:stretch>
-        </a:blipFill>
-        <a:effectLst/>
-      </p:bgPr>
-    </p:bg>
-    <p:spTree>
-      <p:nvGrpSpPr>
-        <p:cNvPr id="1" name=""/>
-        <p:cNvGrpSpPr/>
-        <p:nvPr/>
-      </p:nvGrpSpPr>
-      <p:grpSpPr>
-        <a:xfrm>
-          <a:off x="0" y="0"/>
-          <a:ext cx="0" cy="0"/>
-          <a:chOff x="0" y="0"/>
-          <a:chExt cx="0" cy="0"/>
-        </a:xfrm>
-      </p:grpSpPr>
-      <p:sp>
-        <p:nvSpPr>
-          <p:cNvPr id="9217" name="Text Box 1"/>
-          <p:cNvSpPr txBox="1">
-            <a:spLocks noChangeArrowheads="1"/>
-          </p:cNvSpPr>
-          <p:nvPr/>
-        </p:nvSpPr>
-        <p:spPr bwMode="auto">
-          <a:xfrm>
-            <a:off x="983432" y="1285875"/>
-            <a:ext cx="9721080" cy="2647181"/>
-          </a:xfrm>
-          <a:prstGeom prst="rect">
-            <a:avLst/>
-          </a:prstGeom>
-          <a:noFill/>
-          <a:ln>
-            <a:noFill/>
-          </a:ln>
-          <a:extLst>
-            <a:ext uri="{909E8E84-426E-40DD-AFC4-6F175D3DCCD1}">
-              <a14:hiddenFill xmlns:a14="http://schemas.microsoft.com/office/drawing/2010/main">
-                <a:solidFill>
-                  <a:srgbClr val="FFFFFF"/>
-                </a:solidFill>
-              </a14:hiddenFill>
-            </a:ext>
-            <a:ext uri="{91240B29-F687-4F45-9708-019B960494DF}">
-              <a14:hiddenLine xmlns:a14="http://schemas.microsoft.com/office/drawing/2010/main" w="9525">
-                <a:solidFill>
-                  <a:srgbClr val="000000"/>
-                </a:solidFill>
-                <a:round/>
-                <a:headEnd/>
-                <a:tailEnd/>
-              </a14:hiddenLine>
-            </a:ext>
-          </a:extLst>
-        </p:spPr>
-        <p:txBody>
-          <a:bodyPr lIns="90000" tIns="46800" rIns="90000" bIns="46800"/>
-          <a:lstStyle>
-            <a:lvl1pPr marL="163513" indent="-163513">
-              <a:tabLst>
-                <a:tab pos="163513" algn="l"/>
-                <a:tab pos="611188" algn="l"/>
-                <a:tab pos="1060450" algn="l"/>
-                <a:tab pos="1509713" algn="l"/>
-                <a:tab pos="1958975" algn="l"/>
-                <a:tab pos="2408238" algn="l"/>
-                <a:tab pos="2857500" algn="l"/>
-                <a:tab pos="3306763" algn="l"/>
-                <a:tab pos="3756025" algn="l"/>
-                <a:tab pos="4205288" algn="l"/>
-                <a:tab pos="4654550" algn="l"/>
-                <a:tab pos="5103813" algn="l"/>
-                <a:tab pos="5553075" algn="l"/>
-                <a:tab pos="6002338" algn="l"/>
-                <a:tab pos="6451600" algn="l"/>
-                <a:tab pos="6900863" algn="l"/>
-                <a:tab pos="7350125" algn="l"/>
-                <a:tab pos="7799388" algn="l"/>
-                <a:tab pos="8248650" algn="l"/>
-                <a:tab pos="8697913" algn="l"/>
-                <a:tab pos="9147175" algn="l"/>
-              </a:tabLst>
-              <a:defRPr kumimoji="1" sz="3200">
-                <a:solidFill>
-                  <a:schemeClr val="bg1"/>
-                </a:solidFill>
-                <a:latin typeface="Arial" panose="020B0604020202020204" pitchFamily="34" charset="0"/>
-                <a:ea typeface="微软雅黑" panose="020B0503020204020204" pitchFamily="34" charset="-122"/>
-              </a:defRPr>
-            </a:lvl1pPr>
-            <a:lvl2pPr marL="395288" indent="-227013">
-              <a:tabLst>
-                <a:tab pos="163513" algn="l"/>
-                <a:tab pos="611188" algn="l"/>
-                <a:tab pos="1060450" algn="l"/>
-                <a:tab pos="1509713" algn="l"/>
-                <a:tab pos="1958975" algn="l"/>
-                <a:tab pos="2408238" algn="l"/>
-                <a:tab pos="2857500" algn="l"/>
-                <a:tab pos="3306763" algn="l"/>
-                <a:tab pos="3756025" algn="l"/>
-                <a:tab pos="4205288" algn="l"/>
-                <a:tab pos="4654550" algn="l"/>
-                <a:tab pos="5103813" algn="l"/>
-                <a:tab pos="5553075" algn="l"/>
-                <a:tab pos="6002338" algn="l"/>
-                <a:tab pos="6451600" algn="l"/>
-                <a:tab pos="6900863" algn="l"/>
-                <a:tab pos="7350125" algn="l"/>
-                <a:tab pos="7799388" algn="l"/>
-                <a:tab pos="8248650" algn="l"/>
-                <a:tab pos="8697913" algn="l"/>
-                <a:tab pos="9147175" algn="l"/>
-              </a:tabLst>
-              <a:defRPr kumimoji="1" sz="3200">
-                <a:solidFill>
-                  <a:schemeClr val="bg1"/>
-                </a:solidFill>
-                <a:latin typeface="Arial" panose="020B0604020202020204" pitchFamily="34" charset="0"/>
-                <a:ea typeface="微软雅黑" panose="020B0503020204020204" pitchFamily="34" charset="-122"/>
-              </a:defRPr>
-            </a:lvl2pPr>
-            <a:lvl3pPr marL="396875" indent="180975">
-              <a:tabLst>
-                <a:tab pos="163513" algn="l"/>
-                <a:tab pos="611188" algn="l"/>
-                <a:tab pos="1060450" algn="l"/>
-                <a:tab pos="1509713" algn="l"/>
-                <a:tab pos="1958975" algn="l"/>
-                <a:tab pos="2408238" algn="l"/>
-                <a:tab pos="2857500" algn="l"/>
-                <a:tab pos="3306763" algn="l"/>
-                <a:tab pos="3756025" algn="l"/>
-                <a:tab pos="4205288" algn="l"/>
-                <a:tab pos="4654550" algn="l"/>
-                <a:tab pos="5103813" algn="l"/>
-                <a:tab pos="5553075" algn="l"/>
-                <a:tab pos="6002338" algn="l"/>
-                <a:tab pos="6451600" algn="l"/>
-                <a:tab pos="6900863" algn="l"/>
-                <a:tab pos="7350125" algn="l"/>
-                <a:tab pos="7799388" algn="l"/>
-                <a:tab pos="8248650" algn="l"/>
-                <a:tab pos="8697913" algn="l"/>
-                <a:tab pos="9147175" algn="l"/>
-              </a:tabLst>
-              <a:defRPr kumimoji="1" sz="3200">
-                <a:solidFill>
-                  <a:schemeClr val="bg1"/>
-                </a:solidFill>
-                <a:latin typeface="Arial" panose="020B0604020202020204" pitchFamily="34" charset="0"/>
-                <a:ea typeface="微软雅黑" panose="020B0503020204020204" pitchFamily="34" charset="-122"/>
-              </a:defRPr>
-            </a:lvl3pPr>
-            <a:lvl4pPr>
-              <a:tabLst>
-                <a:tab pos="163513" algn="l"/>
-                <a:tab pos="611188" algn="l"/>
-                <a:tab pos="1060450" algn="l"/>
-                <a:tab pos="1509713" algn="l"/>
-                <a:tab pos="1958975" algn="l"/>
-                <a:tab pos="2408238" algn="l"/>
-                <a:tab pos="2857500" algn="l"/>
-                <a:tab pos="3306763" algn="l"/>
-                <a:tab pos="3756025" algn="l"/>
-                <a:tab pos="4205288" algn="l"/>
-                <a:tab pos="4654550" algn="l"/>
-                <a:tab pos="5103813" algn="l"/>
-                <a:tab pos="5553075" algn="l"/>
-                <a:tab pos="6002338" algn="l"/>
-                <a:tab pos="6451600" algn="l"/>
-                <a:tab pos="6900863" algn="l"/>
-                <a:tab pos="7350125" algn="l"/>
-                <a:tab pos="7799388" algn="l"/>
-                <a:tab pos="8248650" algn="l"/>
-                <a:tab pos="8697913" algn="l"/>
-                <a:tab pos="9147175" algn="l"/>
-              </a:tabLst>
-              <a:defRPr kumimoji="1" sz="3200">
-                <a:solidFill>
-                  <a:schemeClr val="bg1"/>
-                </a:solidFill>
-                <a:latin typeface="Arial" panose="020B0604020202020204" pitchFamily="34" charset="0"/>
-                <a:ea typeface="微软雅黑" panose="020B0503020204020204" pitchFamily="34" charset="-122"/>
-              </a:defRPr>
-            </a:lvl4pPr>
-            <a:lvl5pPr>
-              <a:tabLst>
-                <a:tab pos="163513" algn="l"/>
-                <a:tab pos="611188" algn="l"/>
-                <a:tab pos="1060450" algn="l"/>
-                <a:tab pos="1509713" algn="l"/>
-                <a:tab pos="1958975" algn="l"/>
-                <a:tab pos="2408238" algn="l"/>
-                <a:tab pos="2857500" algn="l"/>
-                <a:tab pos="3306763" algn="l"/>
-                <a:tab pos="3756025" algn="l"/>
-                <a:tab pos="4205288" algn="l"/>
-                <a:tab pos="4654550" algn="l"/>
-                <a:tab pos="5103813" algn="l"/>
-                <a:tab pos="5553075" algn="l"/>
-                <a:tab pos="6002338" algn="l"/>
-                <a:tab pos="6451600" algn="l"/>
-                <a:tab pos="6900863" algn="l"/>
-                <a:tab pos="7350125" algn="l"/>
-                <a:tab pos="7799388" algn="l"/>
-                <a:tab pos="8248650" algn="l"/>
-                <a:tab pos="8697913" algn="l"/>
-                <a:tab pos="9147175" algn="l"/>
-              </a:tabLst>
-              <a:defRPr kumimoji="1" sz="3200">
-                <a:solidFill>
-                  <a:schemeClr val="bg1"/>
-                </a:solidFill>
-                <a:latin typeface="Arial" panose="020B0604020202020204" pitchFamily="34" charset="0"/>
-                <a:ea typeface="微软雅黑" panose="020B0503020204020204" pitchFamily="34" charset="-122"/>
-              </a:defRPr>
-            </a:lvl5pPr>
-            <a:lvl6pPr marL="2514600" indent="-228600" defTabSz="449263" fontAlgn="base">
-              <a:spcBef>
-                <a:spcPct val="0"/>
-              </a:spcBef>
-              <a:spcAft>
-                <a:spcPct val="0"/>
-              </a:spcAft>
-              <a:buClr>
-                <a:srgbClr val="000000"/>
-              </a:buClr>
-              <a:buSzPct val="100000"/>
-              <a:buFont typeface="Times New Roman" panose="02020603050405020304" pitchFamily="18" charset="0"/>
-              <a:tabLst>
-                <a:tab pos="163513" algn="l"/>
-                <a:tab pos="611188" algn="l"/>
-                <a:tab pos="1060450" algn="l"/>
-                <a:tab pos="1509713" algn="l"/>
-                <a:tab pos="1958975" algn="l"/>
-                <a:tab pos="2408238" algn="l"/>
-                <a:tab pos="2857500" algn="l"/>
-                <a:tab pos="3306763" algn="l"/>
-                <a:tab pos="3756025" algn="l"/>
-                <a:tab pos="4205288" algn="l"/>
-                <a:tab pos="4654550" algn="l"/>
-                <a:tab pos="5103813" algn="l"/>
-                <a:tab pos="5553075" algn="l"/>
-                <a:tab pos="6002338" algn="l"/>
-                <a:tab pos="6451600" algn="l"/>
-                <a:tab pos="6900863" algn="l"/>
-                <a:tab pos="7350125" algn="l"/>
-                <a:tab pos="7799388" algn="l"/>
-                <a:tab pos="8248650" algn="l"/>
-                <a:tab pos="8697913" algn="l"/>
-                <a:tab pos="9147175" algn="l"/>
-              </a:tabLst>
-              <a:defRPr kumimoji="1" sz="3200">
-                <a:solidFill>
-                  <a:schemeClr val="bg1"/>
-                </a:solidFill>
-                <a:latin typeface="Arial" panose="020B0604020202020204" pitchFamily="34" charset="0"/>
-                <a:ea typeface="微软雅黑" panose="020B0503020204020204" pitchFamily="34" charset="-122"/>
-              </a:defRPr>
-            </a:lvl6pPr>
-            <a:lvl7pPr marL="2971800" indent="-228600" defTabSz="449263" fontAlgn="base">
-              <a:spcBef>
-                <a:spcPct val="0"/>
-              </a:spcBef>
-              <a:spcAft>
-                <a:spcPct val="0"/>
-              </a:spcAft>
-              <a:buClr>
-                <a:srgbClr val="000000"/>
-              </a:buClr>
-              <a:buSzPct val="100000"/>
-              <a:buFont typeface="Times New Roman" panose="02020603050405020304" pitchFamily="18" charset="0"/>
-              <a:tabLst>
-                <a:tab pos="163513" algn="l"/>
-                <a:tab pos="611188" algn="l"/>
-                <a:tab pos="1060450" algn="l"/>
-                <a:tab pos="1509713" algn="l"/>
-                <a:tab pos="1958975" algn="l"/>
-                <a:tab pos="2408238" algn="l"/>
-                <a:tab pos="2857500" algn="l"/>
-                <a:tab pos="3306763" algn="l"/>
-                <a:tab pos="3756025" algn="l"/>
-                <a:tab pos="4205288" algn="l"/>
-                <a:tab pos="4654550" algn="l"/>
-                <a:tab pos="5103813" algn="l"/>
-                <a:tab pos="5553075" algn="l"/>
-                <a:tab pos="6002338" algn="l"/>
-                <a:tab pos="6451600" algn="l"/>
-                <a:tab pos="6900863" algn="l"/>
-                <a:tab pos="7350125" algn="l"/>
-                <a:tab pos="7799388" algn="l"/>
-                <a:tab pos="8248650" algn="l"/>
-                <a:tab pos="8697913" algn="l"/>
-                <a:tab pos="9147175" algn="l"/>
-              </a:tabLst>
-              <a:defRPr kumimoji="1" sz="3200">
-                <a:solidFill>
-                  <a:schemeClr val="bg1"/>
-                </a:solidFill>
-                <a:latin typeface="Arial" panose="020B0604020202020204" pitchFamily="34" charset="0"/>
-                <a:ea typeface="微软雅黑" panose="020B0503020204020204" pitchFamily="34" charset="-122"/>
-              </a:defRPr>
-            </a:lvl7pPr>
-            <a:lvl8pPr marL="3429000" indent="-228600" defTabSz="449263" fontAlgn="base">
-              <a:spcBef>
-                <a:spcPct val="0"/>
-              </a:spcBef>
-              <a:spcAft>
-                <a:spcPct val="0"/>
-              </a:spcAft>
-              <a:buClr>
-                <a:srgbClr val="000000"/>
-              </a:buClr>
-              <a:buSzPct val="100000"/>
-              <a:buFont typeface="Times New Roman" panose="02020603050405020304" pitchFamily="18" charset="0"/>
-              <a:tabLst>
-                <a:tab pos="163513" algn="l"/>
-                <a:tab pos="611188" algn="l"/>
-                <a:tab pos="1060450" algn="l"/>
-                <a:tab pos="1509713" algn="l"/>
-                <a:tab pos="1958975" algn="l"/>
-                <a:tab pos="2408238" algn="l"/>
-                <a:tab pos="2857500" algn="l"/>
-                <a:tab pos="3306763" algn="l"/>
-                <a:tab pos="3756025" algn="l"/>
-                <a:tab pos="4205288" algn="l"/>
-                <a:tab pos="4654550" algn="l"/>
-                <a:tab pos="5103813" algn="l"/>
-                <a:tab pos="5553075" algn="l"/>
-                <a:tab pos="6002338" algn="l"/>
-                <a:tab pos="6451600" algn="l"/>
-                <a:tab pos="6900863" algn="l"/>
-                <a:tab pos="7350125" algn="l"/>
-                <a:tab pos="7799388" algn="l"/>
-                <a:tab pos="8248650" algn="l"/>
-                <a:tab pos="8697913" algn="l"/>
-                <a:tab pos="9147175" algn="l"/>
-              </a:tabLst>
-              <a:defRPr kumimoji="1" sz="3200">
-                <a:solidFill>
-                  <a:schemeClr val="bg1"/>
-                </a:solidFill>
-                <a:latin typeface="Arial" panose="020B0604020202020204" pitchFamily="34" charset="0"/>
-                <a:ea typeface="微软雅黑" panose="020B0503020204020204" pitchFamily="34" charset="-122"/>
-              </a:defRPr>
-            </a:lvl8pPr>
-            <a:lvl9pPr marL="3886200" indent="-228600" defTabSz="449263" fontAlgn="base">
-              <a:spcBef>
-                <a:spcPct val="0"/>
-              </a:spcBef>
-              <a:spcAft>
-                <a:spcPct val="0"/>
-              </a:spcAft>
-              <a:buClr>
-                <a:srgbClr val="000000"/>
-              </a:buClr>
-              <a:buSzPct val="100000"/>
-              <a:buFont typeface="Times New Roman" panose="02020603050405020304" pitchFamily="18" charset="0"/>
-              <a:tabLst>
-                <a:tab pos="163513" algn="l"/>
-                <a:tab pos="611188" algn="l"/>
-                <a:tab pos="1060450" algn="l"/>
-                <a:tab pos="1509713" algn="l"/>
-                <a:tab pos="1958975" algn="l"/>
-                <a:tab pos="2408238" algn="l"/>
-                <a:tab pos="2857500" algn="l"/>
-                <a:tab pos="3306763" algn="l"/>
-                <a:tab pos="3756025" algn="l"/>
-                <a:tab pos="4205288" algn="l"/>
-                <a:tab pos="4654550" algn="l"/>
-                <a:tab pos="5103813" algn="l"/>
-                <a:tab pos="5553075" algn="l"/>
-                <a:tab pos="6002338" algn="l"/>
-                <a:tab pos="6451600" algn="l"/>
-                <a:tab pos="6900863" algn="l"/>
-                <a:tab pos="7350125" algn="l"/>
-                <a:tab pos="7799388" algn="l"/>
-                <a:tab pos="8248650" algn="l"/>
-                <a:tab pos="8697913" algn="l"/>
-                <a:tab pos="9147175" algn="l"/>
-              </a:tabLst>
-              <a:defRPr kumimoji="1" sz="3200">
-                <a:solidFill>
-                  <a:schemeClr val="bg1"/>
-                </a:solidFill>
-                <a:latin typeface="Arial" panose="020B0604020202020204" pitchFamily="34" charset="0"/>
-                <a:ea typeface="微软雅黑" panose="020B0503020204020204" pitchFamily="34" charset="-122"/>
-              </a:defRPr>
-            </a:lvl9pPr>
-          </a:lstStyle>
-          <a:p>
-            <a:pPr marL="0" indent="0">
-              <a:lnSpc>
-                <a:spcPts val="4100"/>
-              </a:lnSpc>
-              <a:spcBef>
-                <a:spcPts val="600"/>
-              </a:spcBef>
-              <a:spcAft>
-                <a:spcPts val="1200"/>
-              </a:spcAft>
-              <a:buClr>
-                <a:srgbClr val="008469"/>
-              </a:buClr>
-            </a:pPr>
-            <a:r>
-              <a:rPr kumimoji="0" lang="zh-CN" altLang="en-US" sz="2800" dirty="0">
-                <a:solidFill>
-                  <a:srgbClr val="008000"/>
-                </a:solidFill>
-                <a:latin typeface="微软雅黑" panose="020B0503020204020204" pitchFamily="34" charset="-122"/>
-              </a:rPr>
-              <a:t>实例</a:t>
-            </a:r>
-            <a:r>
-              <a:rPr kumimoji="0" lang="zh-CN" altLang="en-US" sz="2800" dirty="0" smtClean="0">
-                <a:solidFill>
-                  <a:srgbClr val="008000"/>
-                </a:solidFill>
-                <a:latin typeface="微软雅黑" panose="020B0503020204020204" pitchFamily="34" charset="-122"/>
-              </a:rPr>
-              <a:t>：简单拖放示例</a:t>
-            </a:r>
-            <a:endParaRPr kumimoji="0" lang="en-US" altLang="zh-CN" sz="2800" dirty="0" smtClean="0">
-              <a:solidFill>
-                <a:srgbClr val="000000"/>
-              </a:solidFill>
-              <a:latin typeface="微软雅黑" panose="020B0503020204020204" pitchFamily="34" charset="-122"/>
-            </a:endParaRPr>
-          </a:p>
-          <a:p>
-            <a:pPr marL="0" indent="0">
-              <a:lnSpc>
-                <a:spcPts val="4100"/>
-              </a:lnSpc>
-              <a:spcBef>
-                <a:spcPts val="600"/>
-              </a:spcBef>
-              <a:spcAft>
-                <a:spcPts val="1200"/>
-              </a:spcAft>
-              <a:buClr>
-                <a:srgbClr val="008469"/>
-              </a:buClr>
-            </a:pPr>
-            <a:r>
-              <a:rPr kumimoji="0" lang="zh-CN" altLang="en-US" sz="2600" dirty="0" smtClean="0">
-                <a:solidFill>
-                  <a:srgbClr val="000000"/>
-                </a:solidFill>
-                <a:latin typeface="微软雅黑" panose="020B0503020204020204" pitchFamily="34" charset="-122"/>
-              </a:rPr>
-              <a:t>有</a:t>
-            </a:r>
-            <a:r>
-              <a:rPr kumimoji="0" lang="zh-CN" altLang="en-US" sz="2600" dirty="0">
-                <a:solidFill>
-                  <a:srgbClr val="000000"/>
-                </a:solidFill>
-                <a:latin typeface="微软雅黑" panose="020B0503020204020204" pitchFamily="34" charset="-122"/>
-              </a:rPr>
-              <a:t>一个显示“拖放”文字的</a:t>
-            </a:r>
-            <a:r>
-              <a:rPr kumimoji="0" lang="en-US" altLang="zh-CN" sz="2600" dirty="0">
-                <a:solidFill>
-                  <a:srgbClr val="000000"/>
-                </a:solidFill>
-                <a:latin typeface="微软雅黑" panose="020B0503020204020204" pitchFamily="34" charset="-122"/>
-              </a:rPr>
-              <a:t>div</a:t>
-            </a:r>
-            <a:r>
-              <a:rPr kumimoji="0" lang="zh-CN" altLang="en-US" sz="2600" dirty="0">
-                <a:solidFill>
-                  <a:srgbClr val="000000"/>
-                </a:solidFill>
-                <a:latin typeface="微软雅黑" panose="020B0503020204020204" pitchFamily="34" charset="-122"/>
-              </a:rPr>
-              <a:t>元素，可以把它拖放到</a:t>
-            </a:r>
-            <a:r>
-              <a:rPr kumimoji="0" lang="zh-CN" altLang="en-US" sz="2600" dirty="0" smtClean="0">
-                <a:solidFill>
-                  <a:srgbClr val="000000"/>
-                </a:solidFill>
-                <a:latin typeface="微软雅黑" panose="020B0503020204020204" pitchFamily="34" charset="-122"/>
-              </a:rPr>
-              <a:t>位于其下面的</a:t>
-            </a:r>
-            <a:r>
-              <a:rPr kumimoji="0" lang="en-US" altLang="zh-CN" sz="2600" dirty="0">
-                <a:solidFill>
-                  <a:srgbClr val="000000"/>
-                </a:solidFill>
-                <a:latin typeface="微软雅黑" panose="020B0503020204020204" pitchFamily="34" charset="-122"/>
-              </a:rPr>
-              <a:t>div</a:t>
-            </a:r>
-            <a:r>
-              <a:rPr kumimoji="0" lang="zh-CN" altLang="en-US" sz="2600" dirty="0">
-                <a:solidFill>
-                  <a:srgbClr val="000000"/>
-                </a:solidFill>
-                <a:latin typeface="微软雅黑" panose="020B0503020204020204" pitchFamily="34" charset="-122"/>
-              </a:rPr>
-              <a:t>元素中，每次被拖放时，在</a:t>
-            </a:r>
-            <a:r>
-              <a:rPr kumimoji="0" lang="zh-CN" altLang="en-US" sz="2600" dirty="0" smtClean="0">
-                <a:solidFill>
-                  <a:srgbClr val="000000"/>
-                </a:solidFill>
-                <a:latin typeface="微软雅黑" panose="020B0503020204020204" pitchFamily="34" charset="-122"/>
-              </a:rPr>
-              <a:t>下面的</a:t>
-            </a:r>
-            <a:r>
-              <a:rPr kumimoji="0" lang="en-US" altLang="zh-CN" sz="2600" dirty="0">
-                <a:solidFill>
-                  <a:srgbClr val="000000"/>
-                </a:solidFill>
-                <a:latin typeface="微软雅黑" panose="020B0503020204020204" pitchFamily="34" charset="-122"/>
-              </a:rPr>
-              <a:t>div</a:t>
-            </a:r>
-            <a:r>
-              <a:rPr kumimoji="0" lang="zh-CN" altLang="en-US" sz="2600" dirty="0">
-                <a:solidFill>
-                  <a:srgbClr val="000000"/>
-                </a:solidFill>
-                <a:latin typeface="微软雅黑" panose="020B0503020204020204" pitchFamily="34" charset="-122"/>
-              </a:rPr>
-              <a:t>元素中会追加一次</a:t>
-            </a:r>
-            <a:r>
-              <a:rPr kumimoji="0" lang="zh-CN" altLang="en-US" sz="2600" dirty="0" smtClean="0">
-                <a:solidFill>
-                  <a:srgbClr val="000000"/>
-                </a:solidFill>
-                <a:latin typeface="微软雅黑" panose="020B0503020204020204" pitchFamily="34" charset="-122"/>
-              </a:rPr>
-              <a:t>“你好”</a:t>
-            </a:r>
-            <a:r>
-              <a:rPr kumimoji="0" lang="zh-CN" altLang="en-US" sz="2600" dirty="0">
-                <a:solidFill>
-                  <a:srgbClr val="000000"/>
-                </a:solidFill>
-                <a:latin typeface="微软雅黑" panose="020B0503020204020204" pitchFamily="34" charset="-122"/>
-              </a:rPr>
-              <a:t>文字。</a:t>
-            </a:r>
-          </a:p>
-        </p:txBody>
-      </p:sp>
-      <p:sp>
-        <p:nvSpPr>
-          <p:cNvPr id="23555" name="Text Box 2"/>
-          <p:cNvSpPr txBox="1">
-            <a:spLocks noChangeArrowheads="1"/>
-          </p:cNvSpPr>
-          <p:nvPr/>
-        </p:nvSpPr>
-        <p:spPr bwMode="auto">
-          <a:xfrm>
-            <a:off x="983432" y="236539"/>
-            <a:ext cx="7501757" cy="581025"/>
-          </a:xfrm>
-          <a:prstGeom prst="rect">
-            <a:avLst/>
-          </a:prstGeom>
-          <a:noFill/>
-          <a:ln>
-            <a:noFill/>
-          </a:ln>
-          <a:extLst>
-            <a:ext uri="{909E8E84-426E-40DD-AFC4-6F175D3DCCD1}">
-              <a14:hiddenFill xmlns:a14="http://schemas.microsoft.com/office/drawing/2010/main">
-                <a:solidFill>
-                  <a:srgbClr val="FFFFFF"/>
-                </a:solidFill>
-              </a14:hiddenFill>
-            </a:ext>
-            <a:ext uri="{91240B29-F687-4F45-9708-019B960494DF}">
-              <a14:hiddenLine xmlns:a14="http://schemas.microsoft.com/office/drawing/2010/main" w="9525">
-                <a:solidFill>
-                  <a:srgbClr val="000000"/>
-                </a:solidFill>
-                <a:round/>
-                <a:headEnd/>
-                <a:tailEnd/>
-              </a14:hiddenLine>
-            </a:ext>
-          </a:extLst>
-        </p:spPr>
-        <p:txBody>
-          <a:bodyPr lIns="90000" tIns="46800" rIns="90000" bIns="46800"/>
-          <a:lstStyle>
-            <a:lvl1pPr marL="166688" indent="-163513">
-              <a:tabLst>
-                <a:tab pos="166688" algn="l"/>
-                <a:tab pos="614363" algn="l"/>
-                <a:tab pos="1063625" algn="l"/>
-                <a:tab pos="1512888" algn="l"/>
-                <a:tab pos="1962150" algn="l"/>
-                <a:tab pos="2411413" algn="l"/>
-                <a:tab pos="2860675" algn="l"/>
-                <a:tab pos="3309938" algn="l"/>
-                <a:tab pos="3759200" algn="l"/>
-                <a:tab pos="4208463" algn="l"/>
-                <a:tab pos="4657725" algn="l"/>
-                <a:tab pos="5106988" algn="l"/>
-                <a:tab pos="5556250" algn="l"/>
-                <a:tab pos="6005513" algn="l"/>
-                <a:tab pos="6454775" algn="l"/>
-                <a:tab pos="6904038" algn="l"/>
-                <a:tab pos="7353300" algn="l"/>
-                <a:tab pos="7802563" algn="l"/>
-                <a:tab pos="8251825" algn="l"/>
-                <a:tab pos="8701088" algn="l"/>
-                <a:tab pos="9150350" algn="l"/>
-              </a:tabLst>
-              <a:defRPr kumimoji="1" sz="3200">
-                <a:solidFill>
-                  <a:schemeClr val="bg1"/>
-                </a:solidFill>
-                <a:latin typeface="Arial" panose="020B0604020202020204" pitchFamily="34" charset="0"/>
-                <a:ea typeface="微软雅黑" panose="020B0503020204020204" pitchFamily="34" charset="-122"/>
-              </a:defRPr>
-            </a:lvl1pPr>
-            <a:lvl2pPr>
-              <a:tabLst>
-                <a:tab pos="166688" algn="l"/>
-                <a:tab pos="614363" algn="l"/>
-                <a:tab pos="1063625" algn="l"/>
-                <a:tab pos="1512888" algn="l"/>
-                <a:tab pos="1962150" algn="l"/>
-                <a:tab pos="2411413" algn="l"/>
-                <a:tab pos="2860675" algn="l"/>
-                <a:tab pos="3309938" algn="l"/>
-                <a:tab pos="3759200" algn="l"/>
-                <a:tab pos="4208463" algn="l"/>
-                <a:tab pos="4657725" algn="l"/>
-                <a:tab pos="5106988" algn="l"/>
-                <a:tab pos="5556250" algn="l"/>
-                <a:tab pos="6005513" algn="l"/>
-                <a:tab pos="6454775" algn="l"/>
-                <a:tab pos="6904038" algn="l"/>
-                <a:tab pos="7353300" algn="l"/>
-                <a:tab pos="7802563" algn="l"/>
-                <a:tab pos="8251825" algn="l"/>
-                <a:tab pos="8701088" algn="l"/>
-                <a:tab pos="9150350" algn="l"/>
-              </a:tabLst>
-              <a:defRPr kumimoji="1" sz="3200">
-                <a:solidFill>
-                  <a:schemeClr val="bg1"/>
-                </a:solidFill>
-                <a:latin typeface="Arial" panose="020B0604020202020204" pitchFamily="34" charset="0"/>
-                <a:ea typeface="微软雅黑" panose="020B0503020204020204" pitchFamily="34" charset="-122"/>
-              </a:defRPr>
-            </a:lvl2pPr>
-            <a:lvl3pPr>
-              <a:tabLst>
-                <a:tab pos="166688" algn="l"/>
-                <a:tab pos="614363" algn="l"/>
-                <a:tab pos="1063625" algn="l"/>
-                <a:tab pos="1512888" algn="l"/>
-                <a:tab pos="1962150" algn="l"/>
-                <a:tab pos="2411413" algn="l"/>
-                <a:tab pos="2860675" algn="l"/>
-                <a:tab pos="3309938" algn="l"/>
-                <a:tab pos="3759200" algn="l"/>
-                <a:tab pos="4208463" algn="l"/>
-                <a:tab pos="4657725" algn="l"/>
-                <a:tab pos="5106988" algn="l"/>
-                <a:tab pos="5556250" algn="l"/>
-                <a:tab pos="6005513" algn="l"/>
-                <a:tab pos="6454775" algn="l"/>
-                <a:tab pos="6904038" algn="l"/>
-                <a:tab pos="7353300" algn="l"/>
-                <a:tab pos="7802563" algn="l"/>
-                <a:tab pos="8251825" algn="l"/>
-                <a:tab pos="8701088" algn="l"/>
-                <a:tab pos="9150350" algn="l"/>
-              </a:tabLst>
-              <a:defRPr kumimoji="1" sz="3200">
-                <a:solidFill>
-                  <a:schemeClr val="bg1"/>
-                </a:solidFill>
-                <a:latin typeface="Arial" panose="020B0604020202020204" pitchFamily="34" charset="0"/>
-                <a:ea typeface="微软雅黑" panose="020B0503020204020204" pitchFamily="34" charset="-122"/>
-              </a:defRPr>
-            </a:lvl3pPr>
-            <a:lvl4pPr>
-              <a:tabLst>
-                <a:tab pos="166688" algn="l"/>
-                <a:tab pos="614363" algn="l"/>
-                <a:tab pos="1063625" algn="l"/>
-                <a:tab pos="1512888" algn="l"/>
-                <a:tab pos="1962150" algn="l"/>
-                <a:tab pos="2411413" algn="l"/>
-                <a:tab pos="2860675" algn="l"/>
-                <a:tab pos="3309938" algn="l"/>
-                <a:tab pos="3759200" algn="l"/>
-                <a:tab pos="4208463" algn="l"/>
-                <a:tab pos="4657725" algn="l"/>
-                <a:tab pos="5106988" algn="l"/>
-                <a:tab pos="5556250" algn="l"/>
-                <a:tab pos="6005513" algn="l"/>
-                <a:tab pos="6454775" algn="l"/>
-                <a:tab pos="6904038" algn="l"/>
-                <a:tab pos="7353300" algn="l"/>
-                <a:tab pos="7802563" algn="l"/>
-                <a:tab pos="8251825" algn="l"/>
-                <a:tab pos="8701088" algn="l"/>
-                <a:tab pos="9150350" algn="l"/>
-              </a:tabLst>
-              <a:defRPr kumimoji="1" sz="3200">
-                <a:solidFill>
-                  <a:schemeClr val="bg1"/>
-                </a:solidFill>
-                <a:latin typeface="Arial" panose="020B0604020202020204" pitchFamily="34" charset="0"/>
-                <a:ea typeface="微软雅黑" panose="020B0503020204020204" pitchFamily="34" charset="-122"/>
-              </a:defRPr>
-            </a:lvl4pPr>
-            <a:lvl5pPr>
-              <a:tabLst>
-                <a:tab pos="166688" algn="l"/>
-                <a:tab pos="614363" algn="l"/>
-                <a:tab pos="1063625" algn="l"/>
-                <a:tab pos="1512888" algn="l"/>
-                <a:tab pos="1962150" algn="l"/>
-                <a:tab pos="2411413" algn="l"/>
-                <a:tab pos="2860675" algn="l"/>
-                <a:tab pos="3309938" algn="l"/>
-                <a:tab pos="3759200" algn="l"/>
-                <a:tab pos="4208463" algn="l"/>
-                <a:tab pos="4657725" algn="l"/>
-                <a:tab pos="5106988" algn="l"/>
-                <a:tab pos="5556250" algn="l"/>
-                <a:tab pos="6005513" algn="l"/>
-                <a:tab pos="6454775" algn="l"/>
-                <a:tab pos="6904038" algn="l"/>
-                <a:tab pos="7353300" algn="l"/>
-                <a:tab pos="7802563" algn="l"/>
-                <a:tab pos="8251825" algn="l"/>
-                <a:tab pos="8701088" algn="l"/>
-                <a:tab pos="9150350" algn="l"/>
-              </a:tabLst>
-              <a:defRPr kumimoji="1" sz="3200">
-                <a:solidFill>
-                  <a:schemeClr val="bg1"/>
-                </a:solidFill>
-                <a:latin typeface="Arial" panose="020B0604020202020204" pitchFamily="34" charset="0"/>
-                <a:ea typeface="微软雅黑" panose="020B0503020204020204" pitchFamily="34" charset="-122"/>
-              </a:defRPr>
-            </a:lvl5pPr>
-            <a:lvl6pPr marL="2514600" indent="-228600" defTabSz="449263" fontAlgn="base">
-              <a:spcBef>
-                <a:spcPct val="0"/>
-              </a:spcBef>
-              <a:spcAft>
-                <a:spcPct val="0"/>
-              </a:spcAft>
-              <a:buClr>
-                <a:srgbClr val="000000"/>
-              </a:buClr>
-              <a:buSzPct val="100000"/>
-              <a:buFont typeface="Times New Roman" panose="02020603050405020304" pitchFamily="18" charset="0"/>
-              <a:tabLst>
-                <a:tab pos="166688" algn="l"/>
-                <a:tab pos="614363" algn="l"/>
-                <a:tab pos="1063625" algn="l"/>
-                <a:tab pos="1512888" algn="l"/>
-                <a:tab pos="1962150" algn="l"/>
-                <a:tab pos="2411413" algn="l"/>
-                <a:tab pos="2860675" algn="l"/>
-                <a:tab pos="3309938" algn="l"/>
-                <a:tab pos="3759200" algn="l"/>
-                <a:tab pos="4208463" algn="l"/>
-                <a:tab pos="4657725" algn="l"/>
-                <a:tab pos="5106988" algn="l"/>
-                <a:tab pos="5556250" algn="l"/>
-                <a:tab pos="6005513" algn="l"/>
-                <a:tab pos="6454775" algn="l"/>
-                <a:tab pos="6904038" algn="l"/>
-                <a:tab pos="7353300" algn="l"/>
-                <a:tab pos="7802563" algn="l"/>
-                <a:tab pos="8251825" algn="l"/>
-                <a:tab pos="8701088" algn="l"/>
-                <a:tab pos="9150350" algn="l"/>
-              </a:tabLst>
-              <a:defRPr kumimoji="1" sz="3200">
-                <a:solidFill>
-                  <a:schemeClr val="bg1"/>
-                </a:solidFill>
-                <a:latin typeface="Arial" panose="020B0604020202020204" pitchFamily="34" charset="0"/>
-                <a:ea typeface="微软雅黑" panose="020B0503020204020204" pitchFamily="34" charset="-122"/>
-              </a:defRPr>
-            </a:lvl6pPr>
-            <a:lvl7pPr marL="2971800" indent="-228600" defTabSz="449263" fontAlgn="base">
-              <a:spcBef>
-                <a:spcPct val="0"/>
-              </a:spcBef>
-              <a:spcAft>
-                <a:spcPct val="0"/>
-              </a:spcAft>
-              <a:buClr>
-                <a:srgbClr val="000000"/>
-              </a:buClr>
-              <a:buSzPct val="100000"/>
-              <a:buFont typeface="Times New Roman" panose="02020603050405020304" pitchFamily="18" charset="0"/>
-              <a:tabLst>
-                <a:tab pos="166688" algn="l"/>
-                <a:tab pos="614363" algn="l"/>
-                <a:tab pos="1063625" algn="l"/>
-                <a:tab pos="1512888" algn="l"/>
-                <a:tab pos="1962150" algn="l"/>
-                <a:tab pos="2411413" algn="l"/>
-                <a:tab pos="2860675" algn="l"/>
-                <a:tab pos="3309938" algn="l"/>
-                <a:tab pos="3759200" algn="l"/>
-                <a:tab pos="4208463" algn="l"/>
-                <a:tab pos="4657725" algn="l"/>
-                <a:tab pos="5106988" algn="l"/>
-                <a:tab pos="5556250" algn="l"/>
-                <a:tab pos="6005513" algn="l"/>
-                <a:tab pos="6454775" algn="l"/>
-                <a:tab pos="6904038" algn="l"/>
-                <a:tab pos="7353300" algn="l"/>
-                <a:tab pos="7802563" algn="l"/>
-                <a:tab pos="8251825" algn="l"/>
-                <a:tab pos="8701088" algn="l"/>
-                <a:tab pos="9150350" algn="l"/>
-              </a:tabLst>
-              <a:defRPr kumimoji="1" sz="3200">
-                <a:solidFill>
-                  <a:schemeClr val="bg1"/>
-                </a:solidFill>
-                <a:latin typeface="Arial" panose="020B0604020202020204" pitchFamily="34" charset="0"/>
-                <a:ea typeface="微软雅黑" panose="020B0503020204020204" pitchFamily="34" charset="-122"/>
-              </a:defRPr>
-            </a:lvl7pPr>
-            <a:lvl8pPr marL="3429000" indent="-228600" defTabSz="449263" fontAlgn="base">
-              <a:spcBef>
-                <a:spcPct val="0"/>
-              </a:spcBef>
-              <a:spcAft>
-                <a:spcPct val="0"/>
-              </a:spcAft>
-              <a:buClr>
-                <a:srgbClr val="000000"/>
-              </a:buClr>
-              <a:buSzPct val="100000"/>
-              <a:buFont typeface="Times New Roman" panose="02020603050405020304" pitchFamily="18" charset="0"/>
-              <a:tabLst>
-                <a:tab pos="166688" algn="l"/>
-                <a:tab pos="614363" algn="l"/>
-                <a:tab pos="1063625" algn="l"/>
-                <a:tab pos="1512888" algn="l"/>
-                <a:tab pos="1962150" algn="l"/>
-                <a:tab pos="2411413" algn="l"/>
-                <a:tab pos="2860675" algn="l"/>
-                <a:tab pos="3309938" algn="l"/>
-                <a:tab pos="3759200" algn="l"/>
-                <a:tab pos="4208463" algn="l"/>
-                <a:tab pos="4657725" algn="l"/>
-                <a:tab pos="5106988" algn="l"/>
-                <a:tab pos="5556250" algn="l"/>
-                <a:tab pos="6005513" algn="l"/>
-                <a:tab pos="6454775" algn="l"/>
-                <a:tab pos="6904038" algn="l"/>
-                <a:tab pos="7353300" algn="l"/>
-                <a:tab pos="7802563" algn="l"/>
-                <a:tab pos="8251825" algn="l"/>
-                <a:tab pos="8701088" algn="l"/>
-                <a:tab pos="9150350" algn="l"/>
-              </a:tabLst>
-              <a:defRPr kumimoji="1" sz="3200">
-                <a:solidFill>
-                  <a:schemeClr val="bg1"/>
-                </a:solidFill>
-                <a:latin typeface="Arial" panose="020B0604020202020204" pitchFamily="34" charset="0"/>
-                <a:ea typeface="微软雅黑" panose="020B0503020204020204" pitchFamily="34" charset="-122"/>
-              </a:defRPr>
-            </a:lvl8pPr>
-            <a:lvl9pPr marL="3886200" indent="-228600" defTabSz="449263" fontAlgn="base">
-              <a:spcBef>
-                <a:spcPct val="0"/>
-              </a:spcBef>
-              <a:spcAft>
-                <a:spcPct val="0"/>
-              </a:spcAft>
-              <a:buClr>
-                <a:srgbClr val="000000"/>
-              </a:buClr>
-              <a:buSzPct val="100000"/>
-              <a:buFont typeface="Times New Roman" panose="02020603050405020304" pitchFamily="18" charset="0"/>
-              <a:tabLst>
-                <a:tab pos="166688" algn="l"/>
-                <a:tab pos="614363" algn="l"/>
-                <a:tab pos="1063625" algn="l"/>
-                <a:tab pos="1512888" algn="l"/>
-                <a:tab pos="1962150" algn="l"/>
-                <a:tab pos="2411413" algn="l"/>
-                <a:tab pos="2860675" algn="l"/>
-                <a:tab pos="3309938" algn="l"/>
-                <a:tab pos="3759200" algn="l"/>
-                <a:tab pos="4208463" algn="l"/>
-                <a:tab pos="4657725" algn="l"/>
-                <a:tab pos="5106988" algn="l"/>
-                <a:tab pos="5556250" algn="l"/>
-                <a:tab pos="6005513" algn="l"/>
-                <a:tab pos="6454775" algn="l"/>
-                <a:tab pos="6904038" algn="l"/>
-                <a:tab pos="7353300" algn="l"/>
-                <a:tab pos="7802563" algn="l"/>
-                <a:tab pos="8251825" algn="l"/>
-                <a:tab pos="8701088" algn="l"/>
-                <a:tab pos="9150350" algn="l"/>
-              </a:tabLst>
-              <a:defRPr kumimoji="1" sz="3200">
-                <a:solidFill>
-                  <a:schemeClr val="bg1"/>
-                </a:solidFill>
-                <a:latin typeface="Arial" panose="020B0604020202020204" pitchFamily="34" charset="0"/>
-                <a:ea typeface="微软雅黑" panose="020B0503020204020204" pitchFamily="34" charset="-122"/>
-              </a:defRPr>
-            </a:lvl9pPr>
-          </a:lstStyle>
-          <a:p>
-            <a:pPr>
-              <a:buClrTx/>
-            </a:pPr>
-            <a:r>
-              <a:rPr lang="zh-CN" altLang="en-US" sz="4000" dirty="0" smtClean="0">
-                <a:solidFill>
-                  <a:srgbClr val="3376AD"/>
-                </a:solidFill>
-                <a:latin typeface="+mj-lt"/>
-                <a:ea typeface="+mj-ea"/>
-                <a:cs typeface="+mj-cs"/>
-              </a:rPr>
-              <a:t>拖放</a:t>
-            </a:r>
-            <a:endParaRPr lang="zh-CN" altLang="en-US" sz="4000" dirty="0">
-              <a:solidFill>
-                <a:srgbClr val="3376AD"/>
-              </a:solidFill>
-              <a:latin typeface="+mj-lt"/>
-              <a:ea typeface="+mj-ea"/>
-              <a:cs typeface="+mj-cs"/>
-            </a:endParaRPr>
-          </a:p>
-        </p:txBody>
-      </p:sp>
-      <p:sp>
-        <p:nvSpPr>
-          <p:cNvPr id="5" name="Text Box 4"/>
-          <p:cNvSpPr txBox="1">
-            <a:spLocks noChangeArrowheads="1"/>
-          </p:cNvSpPr>
-          <p:nvPr/>
-        </p:nvSpPr>
-        <p:spPr bwMode="auto">
-          <a:xfrm>
-            <a:off x="983432" y="4740991"/>
-            <a:ext cx="2217572" cy="463846"/>
-          </a:xfrm>
-          <a:prstGeom prst="rect">
-            <a:avLst/>
-          </a:prstGeom>
-          <a:noFill/>
-          <a:ln>
-            <a:noFill/>
-          </a:ln>
-          <a:extLst>
-            <a:ext uri="{909E8E84-426E-40DD-AFC4-6F175D3DCCD1}">
-              <a14:hiddenFill xmlns:a14="http://schemas.microsoft.com/office/drawing/2010/main">
-                <a:solidFill>
-                  <a:srgbClr val="FFFFFF"/>
-                </a:solidFill>
-              </a14:hiddenFill>
-            </a:ext>
-            <a:ext uri="{91240B29-F687-4F45-9708-019B960494DF}">
-              <a14:hiddenLine xmlns:a14="http://schemas.microsoft.com/office/drawing/2010/main" w="9525">
-                <a:solidFill>
-                  <a:srgbClr val="000000"/>
-                </a:solidFill>
-                <a:round/>
-                <a:headEnd/>
-                <a:tailEnd/>
-              </a14:hiddenLine>
-            </a:ext>
-          </a:extLst>
-        </p:spPr>
-        <p:txBody>
-          <a:bodyPr wrap="none" lIns="90000" tIns="46800" rIns="90000" bIns="46800">
-            <a:spAutoFit/>
-          </a:bodyPr>
-          <a:lstStyle>
-            <a:lvl1pPr>
-              <a:tabLst>
-                <a:tab pos="0" algn="l"/>
-                <a:tab pos="447675" algn="l"/>
-                <a:tab pos="896938" algn="l"/>
-                <a:tab pos="1346200" algn="l"/>
-                <a:tab pos="1795463" algn="l"/>
-                <a:tab pos="2244725" algn="l"/>
-                <a:tab pos="2693988" algn="l"/>
-                <a:tab pos="3143250" algn="l"/>
-                <a:tab pos="3592513" algn="l"/>
-                <a:tab pos="4041775" algn="l"/>
-                <a:tab pos="4491038" algn="l"/>
-                <a:tab pos="4940300" algn="l"/>
-                <a:tab pos="5389563" algn="l"/>
-                <a:tab pos="5838825" algn="l"/>
-                <a:tab pos="6288088" algn="l"/>
-                <a:tab pos="6737350" algn="l"/>
-                <a:tab pos="7186613" algn="l"/>
-                <a:tab pos="7635875" algn="l"/>
-                <a:tab pos="8085138" algn="l"/>
-                <a:tab pos="8534400" algn="l"/>
-                <a:tab pos="8983663" algn="l"/>
-              </a:tabLst>
-              <a:defRPr kumimoji="1" sz="3200">
-                <a:solidFill>
-                  <a:schemeClr val="bg1"/>
-                </a:solidFill>
-                <a:latin typeface="Arial" panose="020B0604020202020204" pitchFamily="34" charset="0"/>
-                <a:ea typeface="微软雅黑" panose="020B0503020204020204" pitchFamily="34" charset="-122"/>
-              </a:defRPr>
-            </a:lvl1pPr>
-            <a:lvl2pPr>
-              <a:tabLst>
-                <a:tab pos="0" algn="l"/>
-                <a:tab pos="447675" algn="l"/>
-                <a:tab pos="896938" algn="l"/>
-                <a:tab pos="1346200" algn="l"/>
-                <a:tab pos="1795463" algn="l"/>
-                <a:tab pos="2244725" algn="l"/>
-                <a:tab pos="2693988" algn="l"/>
-                <a:tab pos="3143250" algn="l"/>
-                <a:tab pos="3592513" algn="l"/>
-                <a:tab pos="4041775" algn="l"/>
-                <a:tab pos="4491038" algn="l"/>
-                <a:tab pos="4940300" algn="l"/>
-                <a:tab pos="5389563" algn="l"/>
-                <a:tab pos="5838825" algn="l"/>
-                <a:tab pos="6288088" algn="l"/>
-                <a:tab pos="6737350" algn="l"/>
-                <a:tab pos="7186613" algn="l"/>
-                <a:tab pos="7635875" algn="l"/>
-                <a:tab pos="8085138" algn="l"/>
-                <a:tab pos="8534400" algn="l"/>
-                <a:tab pos="8983663" algn="l"/>
-              </a:tabLst>
-              <a:defRPr kumimoji="1" sz="3200">
-                <a:solidFill>
-                  <a:schemeClr val="bg1"/>
-                </a:solidFill>
-                <a:latin typeface="Arial" panose="020B0604020202020204" pitchFamily="34" charset="0"/>
-                <a:ea typeface="微软雅黑" panose="020B0503020204020204" pitchFamily="34" charset="-122"/>
-              </a:defRPr>
-            </a:lvl2pPr>
-            <a:lvl3pPr>
-              <a:tabLst>
-                <a:tab pos="0" algn="l"/>
-                <a:tab pos="447675" algn="l"/>
-                <a:tab pos="896938" algn="l"/>
-                <a:tab pos="1346200" algn="l"/>
-                <a:tab pos="1795463" algn="l"/>
-                <a:tab pos="2244725" algn="l"/>
-                <a:tab pos="2693988" algn="l"/>
-                <a:tab pos="3143250" algn="l"/>
-                <a:tab pos="3592513" algn="l"/>
-                <a:tab pos="4041775" algn="l"/>
-                <a:tab pos="4491038" algn="l"/>
-                <a:tab pos="4940300" algn="l"/>
-                <a:tab pos="5389563" algn="l"/>
-                <a:tab pos="5838825" algn="l"/>
-                <a:tab pos="6288088" algn="l"/>
-                <a:tab pos="6737350" algn="l"/>
-                <a:tab pos="7186613" algn="l"/>
-                <a:tab pos="7635875" algn="l"/>
-                <a:tab pos="8085138" algn="l"/>
-                <a:tab pos="8534400" algn="l"/>
-                <a:tab pos="8983663" algn="l"/>
-              </a:tabLst>
-              <a:defRPr kumimoji="1" sz="3200">
-                <a:solidFill>
-                  <a:schemeClr val="bg1"/>
-                </a:solidFill>
-                <a:latin typeface="Arial" panose="020B0604020202020204" pitchFamily="34" charset="0"/>
-                <a:ea typeface="微软雅黑" panose="020B0503020204020204" pitchFamily="34" charset="-122"/>
-              </a:defRPr>
-            </a:lvl3pPr>
-            <a:lvl4pPr>
-              <a:tabLst>
-                <a:tab pos="0" algn="l"/>
-                <a:tab pos="447675" algn="l"/>
-                <a:tab pos="896938" algn="l"/>
-                <a:tab pos="1346200" algn="l"/>
-                <a:tab pos="1795463" algn="l"/>
-                <a:tab pos="2244725" algn="l"/>
-                <a:tab pos="2693988" algn="l"/>
-                <a:tab pos="3143250" algn="l"/>
-                <a:tab pos="3592513" algn="l"/>
-                <a:tab pos="4041775" algn="l"/>
-                <a:tab pos="4491038" algn="l"/>
-                <a:tab pos="4940300" algn="l"/>
-                <a:tab pos="5389563" algn="l"/>
-                <a:tab pos="5838825" algn="l"/>
-                <a:tab pos="6288088" algn="l"/>
-                <a:tab pos="6737350" algn="l"/>
-                <a:tab pos="7186613" algn="l"/>
-                <a:tab pos="7635875" algn="l"/>
-                <a:tab pos="8085138" algn="l"/>
-                <a:tab pos="8534400" algn="l"/>
-                <a:tab pos="8983663" algn="l"/>
-              </a:tabLst>
-              <a:defRPr kumimoji="1" sz="3200">
-                <a:solidFill>
-                  <a:schemeClr val="bg1"/>
-                </a:solidFill>
-                <a:latin typeface="Arial" panose="020B0604020202020204" pitchFamily="34" charset="0"/>
-                <a:ea typeface="微软雅黑" panose="020B0503020204020204" pitchFamily="34" charset="-122"/>
-              </a:defRPr>
-            </a:lvl4pPr>
-            <a:lvl5pPr>
-              <a:tabLst>
-                <a:tab pos="0" algn="l"/>
-                <a:tab pos="447675" algn="l"/>
-                <a:tab pos="896938" algn="l"/>
-                <a:tab pos="1346200" algn="l"/>
-                <a:tab pos="1795463" algn="l"/>
-                <a:tab pos="2244725" algn="l"/>
-                <a:tab pos="2693988" algn="l"/>
-                <a:tab pos="3143250" algn="l"/>
-                <a:tab pos="3592513" algn="l"/>
-                <a:tab pos="4041775" algn="l"/>
-                <a:tab pos="4491038" algn="l"/>
-                <a:tab pos="4940300" algn="l"/>
-                <a:tab pos="5389563" algn="l"/>
-                <a:tab pos="5838825" algn="l"/>
-                <a:tab pos="6288088" algn="l"/>
-                <a:tab pos="6737350" algn="l"/>
-                <a:tab pos="7186613" algn="l"/>
-                <a:tab pos="7635875" algn="l"/>
-                <a:tab pos="8085138" algn="l"/>
-                <a:tab pos="8534400" algn="l"/>
-                <a:tab pos="8983663" algn="l"/>
-              </a:tabLst>
-              <a:defRPr kumimoji="1" sz="3200">
-                <a:solidFill>
-                  <a:schemeClr val="bg1"/>
-                </a:solidFill>
-                <a:latin typeface="Arial" panose="020B0604020202020204" pitchFamily="34" charset="0"/>
-                <a:ea typeface="微软雅黑" panose="020B0503020204020204" pitchFamily="34" charset="-122"/>
-              </a:defRPr>
-            </a:lvl5pPr>
-            <a:lvl6pPr marL="2514600" indent="-228600" defTabSz="449263" fontAlgn="base">
-              <a:spcBef>
-                <a:spcPct val="0"/>
-              </a:spcBef>
-              <a:spcAft>
-                <a:spcPct val="0"/>
-              </a:spcAft>
-              <a:buClr>
-                <a:srgbClr val="000000"/>
-              </a:buClr>
-              <a:buSzPct val="100000"/>
-              <a:buFont typeface="Times New Roman" panose="02020603050405020304" pitchFamily="18" charset="0"/>
-              <a:tabLst>
-                <a:tab pos="0" algn="l"/>
-                <a:tab pos="447675" algn="l"/>
-                <a:tab pos="896938" algn="l"/>
-                <a:tab pos="1346200" algn="l"/>
-                <a:tab pos="1795463" algn="l"/>
-                <a:tab pos="2244725" algn="l"/>
-                <a:tab pos="2693988" algn="l"/>
-                <a:tab pos="3143250" algn="l"/>
-                <a:tab pos="3592513" algn="l"/>
-                <a:tab pos="4041775" algn="l"/>
-                <a:tab pos="4491038" algn="l"/>
-                <a:tab pos="4940300" algn="l"/>
-                <a:tab pos="5389563" algn="l"/>
-                <a:tab pos="5838825" algn="l"/>
-                <a:tab pos="6288088" algn="l"/>
-                <a:tab pos="6737350" algn="l"/>
-                <a:tab pos="7186613" algn="l"/>
-                <a:tab pos="7635875" algn="l"/>
-                <a:tab pos="8085138" algn="l"/>
-                <a:tab pos="8534400" algn="l"/>
-                <a:tab pos="8983663" algn="l"/>
-              </a:tabLst>
-              <a:defRPr kumimoji="1" sz="3200">
-                <a:solidFill>
-                  <a:schemeClr val="bg1"/>
-                </a:solidFill>
-                <a:latin typeface="Arial" panose="020B0604020202020204" pitchFamily="34" charset="0"/>
-                <a:ea typeface="微软雅黑" panose="020B0503020204020204" pitchFamily="34" charset="-122"/>
-              </a:defRPr>
-            </a:lvl6pPr>
-            <a:lvl7pPr marL="2971800" indent="-228600" defTabSz="449263" fontAlgn="base">
-              <a:spcBef>
-                <a:spcPct val="0"/>
-              </a:spcBef>
-              <a:spcAft>
-                <a:spcPct val="0"/>
-              </a:spcAft>
-              <a:buClr>
-                <a:srgbClr val="000000"/>
-              </a:buClr>
-              <a:buSzPct val="100000"/>
-              <a:buFont typeface="Times New Roman" panose="02020603050405020304" pitchFamily="18" charset="0"/>
-              <a:tabLst>
-                <a:tab pos="0" algn="l"/>
-                <a:tab pos="447675" algn="l"/>
-                <a:tab pos="896938" algn="l"/>
-                <a:tab pos="1346200" algn="l"/>
-                <a:tab pos="1795463" algn="l"/>
-                <a:tab pos="2244725" algn="l"/>
-                <a:tab pos="2693988" algn="l"/>
-                <a:tab pos="3143250" algn="l"/>
-                <a:tab pos="3592513" algn="l"/>
-                <a:tab pos="4041775" algn="l"/>
-                <a:tab pos="4491038" algn="l"/>
-                <a:tab pos="4940300" algn="l"/>
-                <a:tab pos="5389563" algn="l"/>
-                <a:tab pos="5838825" algn="l"/>
-                <a:tab pos="6288088" algn="l"/>
-                <a:tab pos="6737350" algn="l"/>
-                <a:tab pos="7186613" algn="l"/>
-                <a:tab pos="7635875" algn="l"/>
-                <a:tab pos="8085138" algn="l"/>
-                <a:tab pos="8534400" algn="l"/>
-                <a:tab pos="8983663" algn="l"/>
-              </a:tabLst>
-              <a:defRPr kumimoji="1" sz="3200">
-                <a:solidFill>
-                  <a:schemeClr val="bg1"/>
-                </a:solidFill>
-                <a:latin typeface="Arial" panose="020B0604020202020204" pitchFamily="34" charset="0"/>
-                <a:ea typeface="微软雅黑" panose="020B0503020204020204" pitchFamily="34" charset="-122"/>
-              </a:defRPr>
-            </a:lvl7pPr>
-            <a:lvl8pPr marL="3429000" indent="-228600" defTabSz="449263" fontAlgn="base">
-              <a:spcBef>
-                <a:spcPct val="0"/>
-              </a:spcBef>
-              <a:spcAft>
-                <a:spcPct val="0"/>
-              </a:spcAft>
-              <a:buClr>
-                <a:srgbClr val="000000"/>
-              </a:buClr>
-              <a:buSzPct val="100000"/>
-              <a:buFont typeface="Times New Roman" panose="02020603050405020304" pitchFamily="18" charset="0"/>
-              <a:tabLst>
-                <a:tab pos="0" algn="l"/>
-                <a:tab pos="447675" algn="l"/>
-                <a:tab pos="896938" algn="l"/>
-                <a:tab pos="1346200" algn="l"/>
-                <a:tab pos="1795463" algn="l"/>
-                <a:tab pos="2244725" algn="l"/>
-                <a:tab pos="2693988" algn="l"/>
-                <a:tab pos="3143250" algn="l"/>
-                <a:tab pos="3592513" algn="l"/>
-                <a:tab pos="4041775" algn="l"/>
-                <a:tab pos="4491038" algn="l"/>
-                <a:tab pos="4940300" algn="l"/>
-                <a:tab pos="5389563" algn="l"/>
-                <a:tab pos="5838825" algn="l"/>
-                <a:tab pos="6288088" algn="l"/>
-                <a:tab pos="6737350" algn="l"/>
-                <a:tab pos="7186613" algn="l"/>
-                <a:tab pos="7635875" algn="l"/>
-                <a:tab pos="8085138" algn="l"/>
-                <a:tab pos="8534400" algn="l"/>
-                <a:tab pos="8983663" algn="l"/>
-              </a:tabLst>
-              <a:defRPr kumimoji="1" sz="3200">
-                <a:solidFill>
-                  <a:schemeClr val="bg1"/>
-                </a:solidFill>
-                <a:latin typeface="Arial" panose="020B0604020202020204" pitchFamily="34" charset="0"/>
-                <a:ea typeface="微软雅黑" panose="020B0503020204020204" pitchFamily="34" charset="-122"/>
-              </a:defRPr>
-            </a:lvl8pPr>
-            <a:lvl9pPr marL="3886200" indent="-228600" defTabSz="449263" fontAlgn="base">
-              <a:spcBef>
-                <a:spcPct val="0"/>
-              </a:spcBef>
-              <a:spcAft>
-                <a:spcPct val="0"/>
-              </a:spcAft>
-              <a:buClr>
-                <a:srgbClr val="000000"/>
-              </a:buClr>
-              <a:buSzPct val="100000"/>
-              <a:buFont typeface="Times New Roman" panose="02020603050405020304" pitchFamily="18" charset="0"/>
-              <a:tabLst>
-                <a:tab pos="0" algn="l"/>
-                <a:tab pos="447675" algn="l"/>
-                <a:tab pos="896938" algn="l"/>
-                <a:tab pos="1346200" algn="l"/>
-                <a:tab pos="1795463" algn="l"/>
-                <a:tab pos="2244725" algn="l"/>
-                <a:tab pos="2693988" algn="l"/>
-                <a:tab pos="3143250" algn="l"/>
-                <a:tab pos="3592513" algn="l"/>
-                <a:tab pos="4041775" algn="l"/>
-                <a:tab pos="4491038" algn="l"/>
-                <a:tab pos="4940300" algn="l"/>
-                <a:tab pos="5389563" algn="l"/>
-                <a:tab pos="5838825" algn="l"/>
-                <a:tab pos="6288088" algn="l"/>
-                <a:tab pos="6737350" algn="l"/>
-                <a:tab pos="7186613" algn="l"/>
-                <a:tab pos="7635875" algn="l"/>
-                <a:tab pos="8085138" algn="l"/>
-                <a:tab pos="8534400" algn="l"/>
-                <a:tab pos="8983663" algn="l"/>
-              </a:tabLst>
-              <a:defRPr kumimoji="1" sz="3200">
-                <a:solidFill>
-                  <a:schemeClr val="bg1"/>
-                </a:solidFill>
-                <a:latin typeface="Arial" panose="020B0604020202020204" pitchFamily="34" charset="0"/>
-                <a:ea typeface="微软雅黑" panose="020B0503020204020204" pitchFamily="34" charset="-122"/>
-              </a:defRPr>
-            </a:lvl9pPr>
-          </a:lstStyle>
-          <a:p>
-            <a:pPr>
-              <a:buClrTx/>
-              <a:buFontTx/>
-              <a:buNone/>
-            </a:pPr>
-            <a:r>
-              <a:rPr kumimoji="0" lang="zh-CN" altLang="en-US" sz="2400" dirty="0">
-                <a:solidFill>
-                  <a:srgbClr val="000000"/>
-                </a:solidFill>
-              </a:rPr>
-              <a:t>示例</a:t>
-            </a:r>
-            <a:r>
-              <a:rPr kumimoji="0" lang="zh-CN" altLang="en-US" sz="2400" dirty="0" smtClean="0">
-                <a:solidFill>
-                  <a:srgbClr val="000000"/>
-                </a:solidFill>
-              </a:rPr>
-              <a:t>：</a:t>
-            </a:r>
-            <a:r>
-              <a:rPr kumimoji="0" lang="en-US" altLang="zh-CN" sz="2400" dirty="0" smtClean="0">
-                <a:solidFill>
-                  <a:srgbClr val="000000"/>
-                </a:solidFill>
-              </a:rPr>
-              <a:t>9-2.html</a:t>
-            </a:r>
-            <a:endParaRPr kumimoji="0" lang="en-US" altLang="zh-CN" sz="2400" dirty="0">
-              <a:solidFill>
-                <a:srgbClr val="000000"/>
-              </a:solidFill>
-            </a:endParaRPr>
-          </a:p>
-        </p:txBody>
-      </p:sp>
-      <p:pic>
-        <p:nvPicPr>
-          <p:cNvPr id="2" name="图片 1"/>
-          <p:cNvPicPr>
-            <a:picLocks noChangeAspect="1"/>
-          </p:cNvPicPr>
-          <p:nvPr/>
-        </p:nvPicPr>
-        <p:blipFill>
-          <a:blip r:embed="rId4"/>
-          <a:stretch>
-            <a:fillRect/>
-          </a:stretch>
-        </p:blipFill>
-        <p:spPr>
-          <a:xfrm>
-            <a:off x="5087888" y="3356992"/>
-            <a:ext cx="2520280" cy="3417329"/>
-          </a:xfrm>
-          <a:prstGeom prst="rect">
-            <a:avLst/>
-          </a:prstGeom>
-        </p:spPr>
-      </p:pic>
-    </p:spTree>
-    <p:extLst>
-      <p:ext uri="{BB962C8B-B14F-4D97-AF65-F5344CB8AC3E}">
-        <p14:creationId xmlns:p14="http://schemas.microsoft.com/office/powerpoint/2010/main" val="1411454696"/>
       </p:ext>
     </p:extLst>
   </p:cSld>
@@ -20292,7 +19969,7 @@
         <p:spPr bwMode="auto">
           <a:xfrm>
             <a:off x="983432" y="1285875"/>
-            <a:ext cx="9721080" cy="630957"/>
+            <a:ext cx="9721080" cy="2647181"/>
           </a:xfrm>
           <a:prstGeom prst="rect">
             <a:avLst/>
@@ -20682,13 +20359,1438 @@
               <a:t>实例</a:t>
             </a:r>
             <a:r>
-              <a:rPr kumimoji="0" lang="zh-CN" altLang="en-US" sz="2800" dirty="0">
+              <a:rPr kumimoji="0" lang="zh-CN" altLang="en-US" sz="2800" dirty="0" smtClean="0">
                 <a:solidFill>
                   <a:srgbClr val="008000"/>
                 </a:solidFill>
                 <a:latin typeface="微软雅黑" panose="020B0503020204020204" pitchFamily="34" charset="-122"/>
               </a:rPr>
-              <a:t>：拖动图片在指定区域</a:t>
+              <a:t>：简单拖放示例</a:t>
+            </a:r>
+            <a:endParaRPr kumimoji="0" lang="en-US" altLang="zh-CN" sz="2800" dirty="0" smtClean="0">
+              <a:solidFill>
+                <a:srgbClr val="000000"/>
+              </a:solidFill>
+              <a:latin typeface="微软雅黑" panose="020B0503020204020204" pitchFamily="34" charset="-122"/>
+            </a:endParaRPr>
+          </a:p>
+          <a:p>
+            <a:pPr marL="0" indent="0">
+              <a:lnSpc>
+                <a:spcPts val="4100"/>
+              </a:lnSpc>
+              <a:spcBef>
+                <a:spcPts val="600"/>
+              </a:spcBef>
+              <a:spcAft>
+                <a:spcPts val="1200"/>
+              </a:spcAft>
+              <a:buClr>
+                <a:srgbClr val="008469"/>
+              </a:buClr>
+            </a:pPr>
+            <a:r>
+              <a:rPr kumimoji="0" lang="zh-CN" altLang="en-US" sz="2600" dirty="0" smtClean="0">
+                <a:solidFill>
+                  <a:srgbClr val="000000"/>
+                </a:solidFill>
+                <a:latin typeface="微软雅黑" panose="020B0503020204020204" pitchFamily="34" charset="-122"/>
+              </a:rPr>
+              <a:t>有</a:t>
+            </a:r>
+            <a:r>
+              <a:rPr kumimoji="0" lang="zh-CN" altLang="en-US" sz="2600" dirty="0">
+                <a:solidFill>
+                  <a:srgbClr val="000000"/>
+                </a:solidFill>
+                <a:latin typeface="微软雅黑" panose="020B0503020204020204" pitchFamily="34" charset="-122"/>
+              </a:rPr>
+              <a:t>一个显示“拖放”文字的</a:t>
+            </a:r>
+            <a:r>
+              <a:rPr kumimoji="0" lang="en-US" altLang="zh-CN" sz="2600" dirty="0">
+                <a:solidFill>
+                  <a:srgbClr val="000000"/>
+                </a:solidFill>
+                <a:latin typeface="微软雅黑" panose="020B0503020204020204" pitchFamily="34" charset="-122"/>
+              </a:rPr>
+              <a:t>div</a:t>
+            </a:r>
+            <a:r>
+              <a:rPr kumimoji="0" lang="zh-CN" altLang="en-US" sz="2600" dirty="0">
+                <a:solidFill>
+                  <a:srgbClr val="000000"/>
+                </a:solidFill>
+                <a:latin typeface="微软雅黑" panose="020B0503020204020204" pitchFamily="34" charset="-122"/>
+              </a:rPr>
+              <a:t>元素，可以把它拖放到</a:t>
+            </a:r>
+            <a:r>
+              <a:rPr kumimoji="0" lang="zh-CN" altLang="en-US" sz="2600" dirty="0" smtClean="0">
+                <a:solidFill>
+                  <a:srgbClr val="000000"/>
+                </a:solidFill>
+                <a:latin typeface="微软雅黑" panose="020B0503020204020204" pitchFamily="34" charset="-122"/>
+              </a:rPr>
+              <a:t>位于其下面的</a:t>
+            </a:r>
+            <a:r>
+              <a:rPr kumimoji="0" lang="en-US" altLang="zh-CN" sz="2600" dirty="0">
+                <a:solidFill>
+                  <a:srgbClr val="000000"/>
+                </a:solidFill>
+                <a:latin typeface="微软雅黑" panose="020B0503020204020204" pitchFamily="34" charset="-122"/>
+              </a:rPr>
+              <a:t>div</a:t>
+            </a:r>
+            <a:r>
+              <a:rPr kumimoji="0" lang="zh-CN" altLang="en-US" sz="2600" dirty="0">
+                <a:solidFill>
+                  <a:srgbClr val="000000"/>
+                </a:solidFill>
+                <a:latin typeface="微软雅黑" panose="020B0503020204020204" pitchFamily="34" charset="-122"/>
+              </a:rPr>
+              <a:t>元素中，每次被拖放时，在</a:t>
+            </a:r>
+            <a:r>
+              <a:rPr kumimoji="0" lang="zh-CN" altLang="en-US" sz="2600" dirty="0" smtClean="0">
+                <a:solidFill>
+                  <a:srgbClr val="000000"/>
+                </a:solidFill>
+                <a:latin typeface="微软雅黑" panose="020B0503020204020204" pitchFamily="34" charset="-122"/>
+              </a:rPr>
+              <a:t>下面的</a:t>
+            </a:r>
+            <a:r>
+              <a:rPr kumimoji="0" lang="en-US" altLang="zh-CN" sz="2600" dirty="0">
+                <a:solidFill>
+                  <a:srgbClr val="000000"/>
+                </a:solidFill>
+                <a:latin typeface="微软雅黑" panose="020B0503020204020204" pitchFamily="34" charset="-122"/>
+              </a:rPr>
+              <a:t>div</a:t>
+            </a:r>
+            <a:r>
+              <a:rPr kumimoji="0" lang="zh-CN" altLang="en-US" sz="2600" dirty="0">
+                <a:solidFill>
+                  <a:srgbClr val="000000"/>
+                </a:solidFill>
+                <a:latin typeface="微软雅黑" panose="020B0503020204020204" pitchFamily="34" charset="-122"/>
+              </a:rPr>
+              <a:t>元素中会追加一次</a:t>
+            </a:r>
+            <a:r>
+              <a:rPr kumimoji="0" lang="zh-CN" altLang="en-US" sz="2600" dirty="0" smtClean="0">
+                <a:solidFill>
+                  <a:srgbClr val="000000"/>
+                </a:solidFill>
+                <a:latin typeface="微软雅黑" panose="020B0503020204020204" pitchFamily="34" charset="-122"/>
+              </a:rPr>
+              <a:t>“你好”</a:t>
+            </a:r>
+            <a:r>
+              <a:rPr kumimoji="0" lang="zh-CN" altLang="en-US" sz="2600" dirty="0">
+                <a:solidFill>
+                  <a:srgbClr val="000000"/>
+                </a:solidFill>
+                <a:latin typeface="微软雅黑" panose="020B0503020204020204" pitchFamily="34" charset="-122"/>
+              </a:rPr>
+              <a:t>文字。</a:t>
+            </a:r>
+          </a:p>
+        </p:txBody>
+      </p:sp>
+      <p:sp>
+        <p:nvSpPr>
+          <p:cNvPr id="23555" name="Text Box 2"/>
+          <p:cNvSpPr txBox="1">
+            <a:spLocks noChangeArrowheads="1"/>
+          </p:cNvSpPr>
+          <p:nvPr/>
+        </p:nvSpPr>
+        <p:spPr bwMode="auto">
+          <a:xfrm>
+            <a:off x="983432" y="236539"/>
+            <a:ext cx="7501757" cy="581025"/>
+          </a:xfrm>
+          <a:prstGeom prst="rect">
+            <a:avLst/>
+          </a:prstGeom>
+          <a:noFill/>
+          <a:ln>
+            <a:noFill/>
+          </a:ln>
+          <a:extLst>
+            <a:ext uri="{909E8E84-426E-40DD-AFC4-6F175D3DCCD1}">
+              <a14:hiddenFill xmlns:a14="http://schemas.microsoft.com/office/drawing/2010/main">
+                <a:solidFill>
+                  <a:srgbClr val="FFFFFF"/>
+                </a:solidFill>
+              </a14:hiddenFill>
+            </a:ext>
+            <a:ext uri="{91240B29-F687-4F45-9708-019B960494DF}">
+              <a14:hiddenLine xmlns:a14="http://schemas.microsoft.com/office/drawing/2010/main" w="9525">
+                <a:solidFill>
+                  <a:srgbClr val="000000"/>
+                </a:solidFill>
+                <a:round/>
+                <a:headEnd/>
+                <a:tailEnd/>
+              </a14:hiddenLine>
+            </a:ext>
+          </a:extLst>
+        </p:spPr>
+        <p:txBody>
+          <a:bodyPr lIns="90000" tIns="46800" rIns="90000" bIns="46800"/>
+          <a:lstStyle>
+            <a:lvl1pPr marL="166688" indent="-163513">
+              <a:tabLst>
+                <a:tab pos="166688" algn="l"/>
+                <a:tab pos="614363" algn="l"/>
+                <a:tab pos="1063625" algn="l"/>
+                <a:tab pos="1512888" algn="l"/>
+                <a:tab pos="1962150" algn="l"/>
+                <a:tab pos="2411413" algn="l"/>
+                <a:tab pos="2860675" algn="l"/>
+                <a:tab pos="3309938" algn="l"/>
+                <a:tab pos="3759200" algn="l"/>
+                <a:tab pos="4208463" algn="l"/>
+                <a:tab pos="4657725" algn="l"/>
+                <a:tab pos="5106988" algn="l"/>
+                <a:tab pos="5556250" algn="l"/>
+                <a:tab pos="6005513" algn="l"/>
+                <a:tab pos="6454775" algn="l"/>
+                <a:tab pos="6904038" algn="l"/>
+                <a:tab pos="7353300" algn="l"/>
+                <a:tab pos="7802563" algn="l"/>
+                <a:tab pos="8251825" algn="l"/>
+                <a:tab pos="8701088" algn="l"/>
+                <a:tab pos="9150350" algn="l"/>
+              </a:tabLst>
+              <a:defRPr kumimoji="1" sz="3200">
+                <a:solidFill>
+                  <a:schemeClr val="bg1"/>
+                </a:solidFill>
+                <a:latin typeface="Arial" panose="020B0604020202020204" pitchFamily="34" charset="0"/>
+                <a:ea typeface="微软雅黑" panose="020B0503020204020204" pitchFamily="34" charset="-122"/>
+              </a:defRPr>
+            </a:lvl1pPr>
+            <a:lvl2pPr>
+              <a:tabLst>
+                <a:tab pos="166688" algn="l"/>
+                <a:tab pos="614363" algn="l"/>
+                <a:tab pos="1063625" algn="l"/>
+                <a:tab pos="1512888" algn="l"/>
+                <a:tab pos="1962150" algn="l"/>
+                <a:tab pos="2411413" algn="l"/>
+                <a:tab pos="2860675" algn="l"/>
+                <a:tab pos="3309938" algn="l"/>
+                <a:tab pos="3759200" algn="l"/>
+                <a:tab pos="4208463" algn="l"/>
+                <a:tab pos="4657725" algn="l"/>
+                <a:tab pos="5106988" algn="l"/>
+                <a:tab pos="5556250" algn="l"/>
+                <a:tab pos="6005513" algn="l"/>
+                <a:tab pos="6454775" algn="l"/>
+                <a:tab pos="6904038" algn="l"/>
+                <a:tab pos="7353300" algn="l"/>
+                <a:tab pos="7802563" algn="l"/>
+                <a:tab pos="8251825" algn="l"/>
+                <a:tab pos="8701088" algn="l"/>
+                <a:tab pos="9150350" algn="l"/>
+              </a:tabLst>
+              <a:defRPr kumimoji="1" sz="3200">
+                <a:solidFill>
+                  <a:schemeClr val="bg1"/>
+                </a:solidFill>
+                <a:latin typeface="Arial" panose="020B0604020202020204" pitchFamily="34" charset="0"/>
+                <a:ea typeface="微软雅黑" panose="020B0503020204020204" pitchFamily="34" charset="-122"/>
+              </a:defRPr>
+            </a:lvl2pPr>
+            <a:lvl3pPr>
+              <a:tabLst>
+                <a:tab pos="166688" algn="l"/>
+                <a:tab pos="614363" algn="l"/>
+                <a:tab pos="1063625" algn="l"/>
+                <a:tab pos="1512888" algn="l"/>
+                <a:tab pos="1962150" algn="l"/>
+                <a:tab pos="2411413" algn="l"/>
+                <a:tab pos="2860675" algn="l"/>
+                <a:tab pos="3309938" algn="l"/>
+                <a:tab pos="3759200" algn="l"/>
+                <a:tab pos="4208463" algn="l"/>
+                <a:tab pos="4657725" algn="l"/>
+                <a:tab pos="5106988" algn="l"/>
+                <a:tab pos="5556250" algn="l"/>
+                <a:tab pos="6005513" algn="l"/>
+                <a:tab pos="6454775" algn="l"/>
+                <a:tab pos="6904038" algn="l"/>
+                <a:tab pos="7353300" algn="l"/>
+                <a:tab pos="7802563" algn="l"/>
+                <a:tab pos="8251825" algn="l"/>
+                <a:tab pos="8701088" algn="l"/>
+                <a:tab pos="9150350" algn="l"/>
+              </a:tabLst>
+              <a:defRPr kumimoji="1" sz="3200">
+                <a:solidFill>
+                  <a:schemeClr val="bg1"/>
+                </a:solidFill>
+                <a:latin typeface="Arial" panose="020B0604020202020204" pitchFamily="34" charset="0"/>
+                <a:ea typeface="微软雅黑" panose="020B0503020204020204" pitchFamily="34" charset="-122"/>
+              </a:defRPr>
+            </a:lvl3pPr>
+            <a:lvl4pPr>
+              <a:tabLst>
+                <a:tab pos="166688" algn="l"/>
+                <a:tab pos="614363" algn="l"/>
+                <a:tab pos="1063625" algn="l"/>
+                <a:tab pos="1512888" algn="l"/>
+                <a:tab pos="1962150" algn="l"/>
+                <a:tab pos="2411413" algn="l"/>
+                <a:tab pos="2860675" algn="l"/>
+                <a:tab pos="3309938" algn="l"/>
+                <a:tab pos="3759200" algn="l"/>
+                <a:tab pos="4208463" algn="l"/>
+                <a:tab pos="4657725" algn="l"/>
+                <a:tab pos="5106988" algn="l"/>
+                <a:tab pos="5556250" algn="l"/>
+                <a:tab pos="6005513" algn="l"/>
+                <a:tab pos="6454775" algn="l"/>
+                <a:tab pos="6904038" algn="l"/>
+                <a:tab pos="7353300" algn="l"/>
+                <a:tab pos="7802563" algn="l"/>
+                <a:tab pos="8251825" algn="l"/>
+                <a:tab pos="8701088" algn="l"/>
+                <a:tab pos="9150350" algn="l"/>
+              </a:tabLst>
+              <a:defRPr kumimoji="1" sz="3200">
+                <a:solidFill>
+                  <a:schemeClr val="bg1"/>
+                </a:solidFill>
+                <a:latin typeface="Arial" panose="020B0604020202020204" pitchFamily="34" charset="0"/>
+                <a:ea typeface="微软雅黑" panose="020B0503020204020204" pitchFamily="34" charset="-122"/>
+              </a:defRPr>
+            </a:lvl4pPr>
+            <a:lvl5pPr>
+              <a:tabLst>
+                <a:tab pos="166688" algn="l"/>
+                <a:tab pos="614363" algn="l"/>
+                <a:tab pos="1063625" algn="l"/>
+                <a:tab pos="1512888" algn="l"/>
+                <a:tab pos="1962150" algn="l"/>
+                <a:tab pos="2411413" algn="l"/>
+                <a:tab pos="2860675" algn="l"/>
+                <a:tab pos="3309938" algn="l"/>
+                <a:tab pos="3759200" algn="l"/>
+                <a:tab pos="4208463" algn="l"/>
+                <a:tab pos="4657725" algn="l"/>
+                <a:tab pos="5106988" algn="l"/>
+                <a:tab pos="5556250" algn="l"/>
+                <a:tab pos="6005513" algn="l"/>
+                <a:tab pos="6454775" algn="l"/>
+                <a:tab pos="6904038" algn="l"/>
+                <a:tab pos="7353300" algn="l"/>
+                <a:tab pos="7802563" algn="l"/>
+                <a:tab pos="8251825" algn="l"/>
+                <a:tab pos="8701088" algn="l"/>
+                <a:tab pos="9150350" algn="l"/>
+              </a:tabLst>
+              <a:defRPr kumimoji="1" sz="3200">
+                <a:solidFill>
+                  <a:schemeClr val="bg1"/>
+                </a:solidFill>
+                <a:latin typeface="Arial" panose="020B0604020202020204" pitchFamily="34" charset="0"/>
+                <a:ea typeface="微软雅黑" panose="020B0503020204020204" pitchFamily="34" charset="-122"/>
+              </a:defRPr>
+            </a:lvl5pPr>
+            <a:lvl6pPr marL="2514600" indent="-228600" defTabSz="449263" fontAlgn="base">
+              <a:spcBef>
+                <a:spcPct val="0"/>
+              </a:spcBef>
+              <a:spcAft>
+                <a:spcPct val="0"/>
+              </a:spcAft>
+              <a:buClr>
+                <a:srgbClr val="000000"/>
+              </a:buClr>
+              <a:buSzPct val="100000"/>
+              <a:buFont typeface="Times New Roman" panose="02020603050405020304" pitchFamily="18" charset="0"/>
+              <a:tabLst>
+                <a:tab pos="166688" algn="l"/>
+                <a:tab pos="614363" algn="l"/>
+                <a:tab pos="1063625" algn="l"/>
+                <a:tab pos="1512888" algn="l"/>
+                <a:tab pos="1962150" algn="l"/>
+                <a:tab pos="2411413" algn="l"/>
+                <a:tab pos="2860675" algn="l"/>
+                <a:tab pos="3309938" algn="l"/>
+                <a:tab pos="3759200" algn="l"/>
+                <a:tab pos="4208463" algn="l"/>
+                <a:tab pos="4657725" algn="l"/>
+                <a:tab pos="5106988" algn="l"/>
+                <a:tab pos="5556250" algn="l"/>
+                <a:tab pos="6005513" algn="l"/>
+                <a:tab pos="6454775" algn="l"/>
+                <a:tab pos="6904038" algn="l"/>
+                <a:tab pos="7353300" algn="l"/>
+                <a:tab pos="7802563" algn="l"/>
+                <a:tab pos="8251825" algn="l"/>
+                <a:tab pos="8701088" algn="l"/>
+                <a:tab pos="9150350" algn="l"/>
+              </a:tabLst>
+              <a:defRPr kumimoji="1" sz="3200">
+                <a:solidFill>
+                  <a:schemeClr val="bg1"/>
+                </a:solidFill>
+                <a:latin typeface="Arial" panose="020B0604020202020204" pitchFamily="34" charset="0"/>
+                <a:ea typeface="微软雅黑" panose="020B0503020204020204" pitchFamily="34" charset="-122"/>
+              </a:defRPr>
+            </a:lvl6pPr>
+            <a:lvl7pPr marL="2971800" indent="-228600" defTabSz="449263" fontAlgn="base">
+              <a:spcBef>
+                <a:spcPct val="0"/>
+              </a:spcBef>
+              <a:spcAft>
+                <a:spcPct val="0"/>
+              </a:spcAft>
+              <a:buClr>
+                <a:srgbClr val="000000"/>
+              </a:buClr>
+              <a:buSzPct val="100000"/>
+              <a:buFont typeface="Times New Roman" panose="02020603050405020304" pitchFamily="18" charset="0"/>
+              <a:tabLst>
+                <a:tab pos="166688" algn="l"/>
+                <a:tab pos="614363" algn="l"/>
+                <a:tab pos="1063625" algn="l"/>
+                <a:tab pos="1512888" algn="l"/>
+                <a:tab pos="1962150" algn="l"/>
+                <a:tab pos="2411413" algn="l"/>
+                <a:tab pos="2860675" algn="l"/>
+                <a:tab pos="3309938" algn="l"/>
+                <a:tab pos="3759200" algn="l"/>
+                <a:tab pos="4208463" algn="l"/>
+                <a:tab pos="4657725" algn="l"/>
+                <a:tab pos="5106988" algn="l"/>
+                <a:tab pos="5556250" algn="l"/>
+                <a:tab pos="6005513" algn="l"/>
+                <a:tab pos="6454775" algn="l"/>
+                <a:tab pos="6904038" algn="l"/>
+                <a:tab pos="7353300" algn="l"/>
+                <a:tab pos="7802563" algn="l"/>
+                <a:tab pos="8251825" algn="l"/>
+                <a:tab pos="8701088" algn="l"/>
+                <a:tab pos="9150350" algn="l"/>
+              </a:tabLst>
+              <a:defRPr kumimoji="1" sz="3200">
+                <a:solidFill>
+                  <a:schemeClr val="bg1"/>
+                </a:solidFill>
+                <a:latin typeface="Arial" panose="020B0604020202020204" pitchFamily="34" charset="0"/>
+                <a:ea typeface="微软雅黑" panose="020B0503020204020204" pitchFamily="34" charset="-122"/>
+              </a:defRPr>
+            </a:lvl7pPr>
+            <a:lvl8pPr marL="3429000" indent="-228600" defTabSz="449263" fontAlgn="base">
+              <a:spcBef>
+                <a:spcPct val="0"/>
+              </a:spcBef>
+              <a:spcAft>
+                <a:spcPct val="0"/>
+              </a:spcAft>
+              <a:buClr>
+                <a:srgbClr val="000000"/>
+              </a:buClr>
+              <a:buSzPct val="100000"/>
+              <a:buFont typeface="Times New Roman" panose="02020603050405020304" pitchFamily="18" charset="0"/>
+              <a:tabLst>
+                <a:tab pos="166688" algn="l"/>
+                <a:tab pos="614363" algn="l"/>
+                <a:tab pos="1063625" algn="l"/>
+                <a:tab pos="1512888" algn="l"/>
+                <a:tab pos="1962150" algn="l"/>
+                <a:tab pos="2411413" algn="l"/>
+                <a:tab pos="2860675" algn="l"/>
+                <a:tab pos="3309938" algn="l"/>
+                <a:tab pos="3759200" algn="l"/>
+                <a:tab pos="4208463" algn="l"/>
+                <a:tab pos="4657725" algn="l"/>
+                <a:tab pos="5106988" algn="l"/>
+                <a:tab pos="5556250" algn="l"/>
+                <a:tab pos="6005513" algn="l"/>
+                <a:tab pos="6454775" algn="l"/>
+                <a:tab pos="6904038" algn="l"/>
+                <a:tab pos="7353300" algn="l"/>
+                <a:tab pos="7802563" algn="l"/>
+                <a:tab pos="8251825" algn="l"/>
+                <a:tab pos="8701088" algn="l"/>
+                <a:tab pos="9150350" algn="l"/>
+              </a:tabLst>
+              <a:defRPr kumimoji="1" sz="3200">
+                <a:solidFill>
+                  <a:schemeClr val="bg1"/>
+                </a:solidFill>
+                <a:latin typeface="Arial" panose="020B0604020202020204" pitchFamily="34" charset="0"/>
+                <a:ea typeface="微软雅黑" panose="020B0503020204020204" pitchFamily="34" charset="-122"/>
+              </a:defRPr>
+            </a:lvl8pPr>
+            <a:lvl9pPr marL="3886200" indent="-228600" defTabSz="449263" fontAlgn="base">
+              <a:spcBef>
+                <a:spcPct val="0"/>
+              </a:spcBef>
+              <a:spcAft>
+                <a:spcPct val="0"/>
+              </a:spcAft>
+              <a:buClr>
+                <a:srgbClr val="000000"/>
+              </a:buClr>
+              <a:buSzPct val="100000"/>
+              <a:buFont typeface="Times New Roman" panose="02020603050405020304" pitchFamily="18" charset="0"/>
+              <a:tabLst>
+                <a:tab pos="166688" algn="l"/>
+                <a:tab pos="614363" algn="l"/>
+                <a:tab pos="1063625" algn="l"/>
+                <a:tab pos="1512888" algn="l"/>
+                <a:tab pos="1962150" algn="l"/>
+                <a:tab pos="2411413" algn="l"/>
+                <a:tab pos="2860675" algn="l"/>
+                <a:tab pos="3309938" algn="l"/>
+                <a:tab pos="3759200" algn="l"/>
+                <a:tab pos="4208463" algn="l"/>
+                <a:tab pos="4657725" algn="l"/>
+                <a:tab pos="5106988" algn="l"/>
+                <a:tab pos="5556250" algn="l"/>
+                <a:tab pos="6005513" algn="l"/>
+                <a:tab pos="6454775" algn="l"/>
+                <a:tab pos="6904038" algn="l"/>
+                <a:tab pos="7353300" algn="l"/>
+                <a:tab pos="7802563" algn="l"/>
+                <a:tab pos="8251825" algn="l"/>
+                <a:tab pos="8701088" algn="l"/>
+                <a:tab pos="9150350" algn="l"/>
+              </a:tabLst>
+              <a:defRPr kumimoji="1" sz="3200">
+                <a:solidFill>
+                  <a:schemeClr val="bg1"/>
+                </a:solidFill>
+                <a:latin typeface="Arial" panose="020B0604020202020204" pitchFamily="34" charset="0"/>
+                <a:ea typeface="微软雅黑" panose="020B0503020204020204" pitchFamily="34" charset="-122"/>
+              </a:defRPr>
+            </a:lvl9pPr>
+          </a:lstStyle>
+          <a:p>
+            <a:pPr>
+              <a:buClrTx/>
+            </a:pPr>
+            <a:r>
+              <a:rPr lang="zh-CN" altLang="en-US" sz="4000" dirty="0" smtClean="0">
+                <a:solidFill>
+                  <a:srgbClr val="3376AD"/>
+                </a:solidFill>
+                <a:latin typeface="+mj-lt"/>
+                <a:ea typeface="+mj-ea"/>
+                <a:cs typeface="+mj-cs"/>
+              </a:rPr>
+              <a:t>拖放</a:t>
+            </a:r>
+            <a:endParaRPr lang="zh-CN" altLang="en-US" sz="4000" dirty="0">
+              <a:solidFill>
+                <a:srgbClr val="3376AD"/>
+              </a:solidFill>
+              <a:latin typeface="+mj-lt"/>
+              <a:ea typeface="+mj-ea"/>
+              <a:cs typeface="+mj-cs"/>
+            </a:endParaRPr>
+          </a:p>
+        </p:txBody>
+      </p:sp>
+      <p:sp>
+        <p:nvSpPr>
+          <p:cNvPr id="5" name="Text Box 4"/>
+          <p:cNvSpPr txBox="1">
+            <a:spLocks noChangeArrowheads="1"/>
+          </p:cNvSpPr>
+          <p:nvPr/>
+        </p:nvSpPr>
+        <p:spPr bwMode="auto">
+          <a:xfrm>
+            <a:off x="983432" y="4740991"/>
+            <a:ext cx="2217572" cy="463846"/>
+          </a:xfrm>
+          <a:prstGeom prst="rect">
+            <a:avLst/>
+          </a:prstGeom>
+          <a:noFill/>
+          <a:ln>
+            <a:noFill/>
+          </a:ln>
+          <a:extLst>
+            <a:ext uri="{909E8E84-426E-40DD-AFC4-6F175D3DCCD1}">
+              <a14:hiddenFill xmlns:a14="http://schemas.microsoft.com/office/drawing/2010/main">
+                <a:solidFill>
+                  <a:srgbClr val="FFFFFF"/>
+                </a:solidFill>
+              </a14:hiddenFill>
+            </a:ext>
+            <a:ext uri="{91240B29-F687-4F45-9708-019B960494DF}">
+              <a14:hiddenLine xmlns:a14="http://schemas.microsoft.com/office/drawing/2010/main" w="9525">
+                <a:solidFill>
+                  <a:srgbClr val="000000"/>
+                </a:solidFill>
+                <a:round/>
+                <a:headEnd/>
+                <a:tailEnd/>
+              </a14:hiddenLine>
+            </a:ext>
+          </a:extLst>
+        </p:spPr>
+        <p:txBody>
+          <a:bodyPr wrap="none" lIns="90000" tIns="46800" rIns="90000" bIns="46800">
+            <a:spAutoFit/>
+          </a:bodyPr>
+          <a:lstStyle>
+            <a:lvl1pPr>
+              <a:tabLst>
+                <a:tab pos="0" algn="l"/>
+                <a:tab pos="447675" algn="l"/>
+                <a:tab pos="896938" algn="l"/>
+                <a:tab pos="1346200" algn="l"/>
+                <a:tab pos="1795463" algn="l"/>
+                <a:tab pos="2244725" algn="l"/>
+                <a:tab pos="2693988" algn="l"/>
+                <a:tab pos="3143250" algn="l"/>
+                <a:tab pos="3592513" algn="l"/>
+                <a:tab pos="4041775" algn="l"/>
+                <a:tab pos="4491038" algn="l"/>
+                <a:tab pos="4940300" algn="l"/>
+                <a:tab pos="5389563" algn="l"/>
+                <a:tab pos="5838825" algn="l"/>
+                <a:tab pos="6288088" algn="l"/>
+                <a:tab pos="6737350" algn="l"/>
+                <a:tab pos="7186613" algn="l"/>
+                <a:tab pos="7635875" algn="l"/>
+                <a:tab pos="8085138" algn="l"/>
+                <a:tab pos="8534400" algn="l"/>
+                <a:tab pos="8983663" algn="l"/>
+              </a:tabLst>
+              <a:defRPr kumimoji="1" sz="3200">
+                <a:solidFill>
+                  <a:schemeClr val="bg1"/>
+                </a:solidFill>
+                <a:latin typeface="Arial" panose="020B0604020202020204" pitchFamily="34" charset="0"/>
+                <a:ea typeface="微软雅黑" panose="020B0503020204020204" pitchFamily="34" charset="-122"/>
+              </a:defRPr>
+            </a:lvl1pPr>
+            <a:lvl2pPr>
+              <a:tabLst>
+                <a:tab pos="0" algn="l"/>
+                <a:tab pos="447675" algn="l"/>
+                <a:tab pos="896938" algn="l"/>
+                <a:tab pos="1346200" algn="l"/>
+                <a:tab pos="1795463" algn="l"/>
+                <a:tab pos="2244725" algn="l"/>
+                <a:tab pos="2693988" algn="l"/>
+                <a:tab pos="3143250" algn="l"/>
+                <a:tab pos="3592513" algn="l"/>
+                <a:tab pos="4041775" algn="l"/>
+                <a:tab pos="4491038" algn="l"/>
+                <a:tab pos="4940300" algn="l"/>
+                <a:tab pos="5389563" algn="l"/>
+                <a:tab pos="5838825" algn="l"/>
+                <a:tab pos="6288088" algn="l"/>
+                <a:tab pos="6737350" algn="l"/>
+                <a:tab pos="7186613" algn="l"/>
+                <a:tab pos="7635875" algn="l"/>
+                <a:tab pos="8085138" algn="l"/>
+                <a:tab pos="8534400" algn="l"/>
+                <a:tab pos="8983663" algn="l"/>
+              </a:tabLst>
+              <a:defRPr kumimoji="1" sz="3200">
+                <a:solidFill>
+                  <a:schemeClr val="bg1"/>
+                </a:solidFill>
+                <a:latin typeface="Arial" panose="020B0604020202020204" pitchFamily="34" charset="0"/>
+                <a:ea typeface="微软雅黑" panose="020B0503020204020204" pitchFamily="34" charset="-122"/>
+              </a:defRPr>
+            </a:lvl2pPr>
+            <a:lvl3pPr>
+              <a:tabLst>
+                <a:tab pos="0" algn="l"/>
+                <a:tab pos="447675" algn="l"/>
+                <a:tab pos="896938" algn="l"/>
+                <a:tab pos="1346200" algn="l"/>
+                <a:tab pos="1795463" algn="l"/>
+                <a:tab pos="2244725" algn="l"/>
+                <a:tab pos="2693988" algn="l"/>
+                <a:tab pos="3143250" algn="l"/>
+                <a:tab pos="3592513" algn="l"/>
+                <a:tab pos="4041775" algn="l"/>
+                <a:tab pos="4491038" algn="l"/>
+                <a:tab pos="4940300" algn="l"/>
+                <a:tab pos="5389563" algn="l"/>
+                <a:tab pos="5838825" algn="l"/>
+                <a:tab pos="6288088" algn="l"/>
+                <a:tab pos="6737350" algn="l"/>
+                <a:tab pos="7186613" algn="l"/>
+                <a:tab pos="7635875" algn="l"/>
+                <a:tab pos="8085138" algn="l"/>
+                <a:tab pos="8534400" algn="l"/>
+                <a:tab pos="8983663" algn="l"/>
+              </a:tabLst>
+              <a:defRPr kumimoji="1" sz="3200">
+                <a:solidFill>
+                  <a:schemeClr val="bg1"/>
+                </a:solidFill>
+                <a:latin typeface="Arial" panose="020B0604020202020204" pitchFamily="34" charset="0"/>
+                <a:ea typeface="微软雅黑" panose="020B0503020204020204" pitchFamily="34" charset="-122"/>
+              </a:defRPr>
+            </a:lvl3pPr>
+            <a:lvl4pPr>
+              <a:tabLst>
+                <a:tab pos="0" algn="l"/>
+                <a:tab pos="447675" algn="l"/>
+                <a:tab pos="896938" algn="l"/>
+                <a:tab pos="1346200" algn="l"/>
+                <a:tab pos="1795463" algn="l"/>
+                <a:tab pos="2244725" algn="l"/>
+                <a:tab pos="2693988" algn="l"/>
+                <a:tab pos="3143250" algn="l"/>
+                <a:tab pos="3592513" algn="l"/>
+                <a:tab pos="4041775" algn="l"/>
+                <a:tab pos="4491038" algn="l"/>
+                <a:tab pos="4940300" algn="l"/>
+                <a:tab pos="5389563" algn="l"/>
+                <a:tab pos="5838825" algn="l"/>
+                <a:tab pos="6288088" algn="l"/>
+                <a:tab pos="6737350" algn="l"/>
+                <a:tab pos="7186613" algn="l"/>
+                <a:tab pos="7635875" algn="l"/>
+                <a:tab pos="8085138" algn="l"/>
+                <a:tab pos="8534400" algn="l"/>
+                <a:tab pos="8983663" algn="l"/>
+              </a:tabLst>
+              <a:defRPr kumimoji="1" sz="3200">
+                <a:solidFill>
+                  <a:schemeClr val="bg1"/>
+                </a:solidFill>
+                <a:latin typeface="Arial" panose="020B0604020202020204" pitchFamily="34" charset="0"/>
+                <a:ea typeface="微软雅黑" panose="020B0503020204020204" pitchFamily="34" charset="-122"/>
+              </a:defRPr>
+            </a:lvl4pPr>
+            <a:lvl5pPr>
+              <a:tabLst>
+                <a:tab pos="0" algn="l"/>
+                <a:tab pos="447675" algn="l"/>
+                <a:tab pos="896938" algn="l"/>
+                <a:tab pos="1346200" algn="l"/>
+                <a:tab pos="1795463" algn="l"/>
+                <a:tab pos="2244725" algn="l"/>
+                <a:tab pos="2693988" algn="l"/>
+                <a:tab pos="3143250" algn="l"/>
+                <a:tab pos="3592513" algn="l"/>
+                <a:tab pos="4041775" algn="l"/>
+                <a:tab pos="4491038" algn="l"/>
+                <a:tab pos="4940300" algn="l"/>
+                <a:tab pos="5389563" algn="l"/>
+                <a:tab pos="5838825" algn="l"/>
+                <a:tab pos="6288088" algn="l"/>
+                <a:tab pos="6737350" algn="l"/>
+                <a:tab pos="7186613" algn="l"/>
+                <a:tab pos="7635875" algn="l"/>
+                <a:tab pos="8085138" algn="l"/>
+                <a:tab pos="8534400" algn="l"/>
+                <a:tab pos="8983663" algn="l"/>
+              </a:tabLst>
+              <a:defRPr kumimoji="1" sz="3200">
+                <a:solidFill>
+                  <a:schemeClr val="bg1"/>
+                </a:solidFill>
+                <a:latin typeface="Arial" panose="020B0604020202020204" pitchFamily="34" charset="0"/>
+                <a:ea typeface="微软雅黑" panose="020B0503020204020204" pitchFamily="34" charset="-122"/>
+              </a:defRPr>
+            </a:lvl5pPr>
+            <a:lvl6pPr marL="2514600" indent="-228600" defTabSz="449263" fontAlgn="base">
+              <a:spcBef>
+                <a:spcPct val="0"/>
+              </a:spcBef>
+              <a:spcAft>
+                <a:spcPct val="0"/>
+              </a:spcAft>
+              <a:buClr>
+                <a:srgbClr val="000000"/>
+              </a:buClr>
+              <a:buSzPct val="100000"/>
+              <a:buFont typeface="Times New Roman" panose="02020603050405020304" pitchFamily="18" charset="0"/>
+              <a:tabLst>
+                <a:tab pos="0" algn="l"/>
+                <a:tab pos="447675" algn="l"/>
+                <a:tab pos="896938" algn="l"/>
+                <a:tab pos="1346200" algn="l"/>
+                <a:tab pos="1795463" algn="l"/>
+                <a:tab pos="2244725" algn="l"/>
+                <a:tab pos="2693988" algn="l"/>
+                <a:tab pos="3143250" algn="l"/>
+                <a:tab pos="3592513" algn="l"/>
+                <a:tab pos="4041775" algn="l"/>
+                <a:tab pos="4491038" algn="l"/>
+                <a:tab pos="4940300" algn="l"/>
+                <a:tab pos="5389563" algn="l"/>
+                <a:tab pos="5838825" algn="l"/>
+                <a:tab pos="6288088" algn="l"/>
+                <a:tab pos="6737350" algn="l"/>
+                <a:tab pos="7186613" algn="l"/>
+                <a:tab pos="7635875" algn="l"/>
+                <a:tab pos="8085138" algn="l"/>
+                <a:tab pos="8534400" algn="l"/>
+                <a:tab pos="8983663" algn="l"/>
+              </a:tabLst>
+              <a:defRPr kumimoji="1" sz="3200">
+                <a:solidFill>
+                  <a:schemeClr val="bg1"/>
+                </a:solidFill>
+                <a:latin typeface="Arial" panose="020B0604020202020204" pitchFamily="34" charset="0"/>
+                <a:ea typeface="微软雅黑" panose="020B0503020204020204" pitchFamily="34" charset="-122"/>
+              </a:defRPr>
+            </a:lvl6pPr>
+            <a:lvl7pPr marL="2971800" indent="-228600" defTabSz="449263" fontAlgn="base">
+              <a:spcBef>
+                <a:spcPct val="0"/>
+              </a:spcBef>
+              <a:spcAft>
+                <a:spcPct val="0"/>
+              </a:spcAft>
+              <a:buClr>
+                <a:srgbClr val="000000"/>
+              </a:buClr>
+              <a:buSzPct val="100000"/>
+              <a:buFont typeface="Times New Roman" panose="02020603050405020304" pitchFamily="18" charset="0"/>
+              <a:tabLst>
+                <a:tab pos="0" algn="l"/>
+                <a:tab pos="447675" algn="l"/>
+                <a:tab pos="896938" algn="l"/>
+                <a:tab pos="1346200" algn="l"/>
+                <a:tab pos="1795463" algn="l"/>
+                <a:tab pos="2244725" algn="l"/>
+                <a:tab pos="2693988" algn="l"/>
+                <a:tab pos="3143250" algn="l"/>
+                <a:tab pos="3592513" algn="l"/>
+                <a:tab pos="4041775" algn="l"/>
+                <a:tab pos="4491038" algn="l"/>
+                <a:tab pos="4940300" algn="l"/>
+                <a:tab pos="5389563" algn="l"/>
+                <a:tab pos="5838825" algn="l"/>
+                <a:tab pos="6288088" algn="l"/>
+                <a:tab pos="6737350" algn="l"/>
+                <a:tab pos="7186613" algn="l"/>
+                <a:tab pos="7635875" algn="l"/>
+                <a:tab pos="8085138" algn="l"/>
+                <a:tab pos="8534400" algn="l"/>
+                <a:tab pos="8983663" algn="l"/>
+              </a:tabLst>
+              <a:defRPr kumimoji="1" sz="3200">
+                <a:solidFill>
+                  <a:schemeClr val="bg1"/>
+                </a:solidFill>
+                <a:latin typeface="Arial" panose="020B0604020202020204" pitchFamily="34" charset="0"/>
+                <a:ea typeface="微软雅黑" panose="020B0503020204020204" pitchFamily="34" charset="-122"/>
+              </a:defRPr>
+            </a:lvl7pPr>
+            <a:lvl8pPr marL="3429000" indent="-228600" defTabSz="449263" fontAlgn="base">
+              <a:spcBef>
+                <a:spcPct val="0"/>
+              </a:spcBef>
+              <a:spcAft>
+                <a:spcPct val="0"/>
+              </a:spcAft>
+              <a:buClr>
+                <a:srgbClr val="000000"/>
+              </a:buClr>
+              <a:buSzPct val="100000"/>
+              <a:buFont typeface="Times New Roman" panose="02020603050405020304" pitchFamily="18" charset="0"/>
+              <a:tabLst>
+                <a:tab pos="0" algn="l"/>
+                <a:tab pos="447675" algn="l"/>
+                <a:tab pos="896938" algn="l"/>
+                <a:tab pos="1346200" algn="l"/>
+                <a:tab pos="1795463" algn="l"/>
+                <a:tab pos="2244725" algn="l"/>
+                <a:tab pos="2693988" algn="l"/>
+                <a:tab pos="3143250" algn="l"/>
+                <a:tab pos="3592513" algn="l"/>
+                <a:tab pos="4041775" algn="l"/>
+                <a:tab pos="4491038" algn="l"/>
+                <a:tab pos="4940300" algn="l"/>
+                <a:tab pos="5389563" algn="l"/>
+                <a:tab pos="5838825" algn="l"/>
+                <a:tab pos="6288088" algn="l"/>
+                <a:tab pos="6737350" algn="l"/>
+                <a:tab pos="7186613" algn="l"/>
+                <a:tab pos="7635875" algn="l"/>
+                <a:tab pos="8085138" algn="l"/>
+                <a:tab pos="8534400" algn="l"/>
+                <a:tab pos="8983663" algn="l"/>
+              </a:tabLst>
+              <a:defRPr kumimoji="1" sz="3200">
+                <a:solidFill>
+                  <a:schemeClr val="bg1"/>
+                </a:solidFill>
+                <a:latin typeface="Arial" panose="020B0604020202020204" pitchFamily="34" charset="0"/>
+                <a:ea typeface="微软雅黑" panose="020B0503020204020204" pitchFamily="34" charset="-122"/>
+              </a:defRPr>
+            </a:lvl8pPr>
+            <a:lvl9pPr marL="3886200" indent="-228600" defTabSz="449263" fontAlgn="base">
+              <a:spcBef>
+                <a:spcPct val="0"/>
+              </a:spcBef>
+              <a:spcAft>
+                <a:spcPct val="0"/>
+              </a:spcAft>
+              <a:buClr>
+                <a:srgbClr val="000000"/>
+              </a:buClr>
+              <a:buSzPct val="100000"/>
+              <a:buFont typeface="Times New Roman" panose="02020603050405020304" pitchFamily="18" charset="0"/>
+              <a:tabLst>
+                <a:tab pos="0" algn="l"/>
+                <a:tab pos="447675" algn="l"/>
+                <a:tab pos="896938" algn="l"/>
+                <a:tab pos="1346200" algn="l"/>
+                <a:tab pos="1795463" algn="l"/>
+                <a:tab pos="2244725" algn="l"/>
+                <a:tab pos="2693988" algn="l"/>
+                <a:tab pos="3143250" algn="l"/>
+                <a:tab pos="3592513" algn="l"/>
+                <a:tab pos="4041775" algn="l"/>
+                <a:tab pos="4491038" algn="l"/>
+                <a:tab pos="4940300" algn="l"/>
+                <a:tab pos="5389563" algn="l"/>
+                <a:tab pos="5838825" algn="l"/>
+                <a:tab pos="6288088" algn="l"/>
+                <a:tab pos="6737350" algn="l"/>
+                <a:tab pos="7186613" algn="l"/>
+                <a:tab pos="7635875" algn="l"/>
+                <a:tab pos="8085138" algn="l"/>
+                <a:tab pos="8534400" algn="l"/>
+                <a:tab pos="8983663" algn="l"/>
+              </a:tabLst>
+              <a:defRPr kumimoji="1" sz="3200">
+                <a:solidFill>
+                  <a:schemeClr val="bg1"/>
+                </a:solidFill>
+                <a:latin typeface="Arial" panose="020B0604020202020204" pitchFamily="34" charset="0"/>
+                <a:ea typeface="微软雅黑" panose="020B0503020204020204" pitchFamily="34" charset="-122"/>
+              </a:defRPr>
+            </a:lvl9pPr>
+          </a:lstStyle>
+          <a:p>
+            <a:pPr>
+              <a:buClrTx/>
+              <a:buFontTx/>
+              <a:buNone/>
+            </a:pPr>
+            <a:r>
+              <a:rPr kumimoji="0" lang="zh-CN" altLang="en-US" sz="2400" dirty="0">
+                <a:solidFill>
+                  <a:srgbClr val="000000"/>
+                </a:solidFill>
+              </a:rPr>
+              <a:t>示例</a:t>
+            </a:r>
+            <a:r>
+              <a:rPr kumimoji="0" lang="zh-CN" altLang="en-US" sz="2400" dirty="0" smtClean="0">
+                <a:solidFill>
+                  <a:srgbClr val="000000"/>
+                </a:solidFill>
+              </a:rPr>
+              <a:t>：</a:t>
+            </a:r>
+            <a:r>
+              <a:rPr kumimoji="0" lang="en-US" altLang="zh-CN" sz="2400" dirty="0" smtClean="0">
+                <a:solidFill>
+                  <a:srgbClr val="000000"/>
+                </a:solidFill>
+              </a:rPr>
+              <a:t>9-3.html</a:t>
+            </a:r>
+            <a:endParaRPr kumimoji="0" lang="en-US" altLang="zh-CN" sz="2400" dirty="0">
+              <a:solidFill>
+                <a:srgbClr val="000000"/>
+              </a:solidFill>
+            </a:endParaRPr>
+          </a:p>
+        </p:txBody>
+      </p:sp>
+      <p:pic>
+        <p:nvPicPr>
+          <p:cNvPr id="2" name="图片 1"/>
+          <p:cNvPicPr>
+            <a:picLocks noChangeAspect="1"/>
+          </p:cNvPicPr>
+          <p:nvPr/>
+        </p:nvPicPr>
+        <p:blipFill>
+          <a:blip r:embed="rId4"/>
+          <a:stretch>
+            <a:fillRect/>
+          </a:stretch>
+        </p:blipFill>
+        <p:spPr>
+          <a:xfrm>
+            <a:off x="5087888" y="3356992"/>
+            <a:ext cx="2520280" cy="3417329"/>
+          </a:xfrm>
+          <a:prstGeom prst="rect">
+            <a:avLst/>
+          </a:prstGeom>
+        </p:spPr>
+      </p:pic>
+    </p:spTree>
+    <p:extLst>
+      <p:ext uri="{BB962C8B-B14F-4D97-AF65-F5344CB8AC3E}">
+        <p14:creationId xmlns:p14="http://schemas.microsoft.com/office/powerpoint/2010/main" val="1411454696"/>
+      </p:ext>
+    </p:extLst>
+  </p:cSld>
+  <p:clrMapOvr>
+    <a:masterClrMapping/>
+  </p:clrMapOvr>
+  <p:transition spd="med"/>
+  <p:timing>
+    <p:tnLst>
+      <p:par>
+        <p:cTn id="1" dur="indefinite" restart="never" nodeType="tmRoot"/>
+      </p:par>
+    </p:tnLst>
+  </p:timing>
+</p:sld>
+</file>
+
+<file path=ppt/slides/slide18.xml><?xml version="1.0" encoding="utf-8"?>
+<p:sld xmlns:a="http://schemas.openxmlformats.org/drawingml/2006/main" xmlns:r="http://schemas.openxmlformats.org/officeDocument/2006/relationships" xmlns:p="http://schemas.openxmlformats.org/presentationml/2006/main">
+  <p:cSld>
+    <p:bg>
+      <p:bgPr>
+        <a:blipFill dpi="0" rotWithShape="0">
+          <a:blip r:embed="rId3"/>
+          <a:srcRect/>
+          <a:stretch>
+            <a:fillRect/>
+          </a:stretch>
+        </a:blipFill>
+        <a:effectLst/>
+      </p:bgPr>
+    </p:bg>
+    <p:spTree>
+      <p:nvGrpSpPr>
+        <p:cNvPr id="1" name=""/>
+        <p:cNvGrpSpPr/>
+        <p:nvPr/>
+      </p:nvGrpSpPr>
+      <p:grpSpPr>
+        <a:xfrm>
+          <a:off x="0" y="0"/>
+          <a:ext cx="0" cy="0"/>
+          <a:chOff x="0" y="0"/>
+          <a:chExt cx="0" cy="0"/>
+        </a:xfrm>
+      </p:grpSpPr>
+      <p:sp>
+        <p:nvSpPr>
+          <p:cNvPr id="9217" name="Text Box 1"/>
+          <p:cNvSpPr txBox="1">
+            <a:spLocks noChangeArrowheads="1"/>
+          </p:cNvSpPr>
+          <p:nvPr/>
+        </p:nvSpPr>
+        <p:spPr bwMode="auto">
+          <a:xfrm>
+            <a:off x="983432" y="1285875"/>
+            <a:ext cx="9721080" cy="1423045"/>
+          </a:xfrm>
+          <a:prstGeom prst="rect">
+            <a:avLst/>
+          </a:prstGeom>
+          <a:noFill/>
+          <a:ln>
+            <a:noFill/>
+          </a:ln>
+          <a:extLst>
+            <a:ext uri="{909E8E84-426E-40DD-AFC4-6F175D3DCCD1}">
+              <a14:hiddenFill xmlns:a14="http://schemas.microsoft.com/office/drawing/2010/main">
+                <a:solidFill>
+                  <a:srgbClr val="FFFFFF"/>
+                </a:solidFill>
+              </a14:hiddenFill>
+            </a:ext>
+            <a:ext uri="{91240B29-F687-4F45-9708-019B960494DF}">
+              <a14:hiddenLine xmlns:a14="http://schemas.microsoft.com/office/drawing/2010/main" w="9525">
+                <a:solidFill>
+                  <a:srgbClr val="000000"/>
+                </a:solidFill>
+                <a:round/>
+                <a:headEnd/>
+                <a:tailEnd/>
+              </a14:hiddenLine>
+            </a:ext>
+          </a:extLst>
+        </p:spPr>
+        <p:txBody>
+          <a:bodyPr lIns="90000" tIns="46800" rIns="90000" bIns="46800"/>
+          <a:lstStyle>
+            <a:lvl1pPr marL="163513" indent="-163513">
+              <a:tabLst>
+                <a:tab pos="163513" algn="l"/>
+                <a:tab pos="611188" algn="l"/>
+                <a:tab pos="1060450" algn="l"/>
+                <a:tab pos="1509713" algn="l"/>
+                <a:tab pos="1958975" algn="l"/>
+                <a:tab pos="2408238" algn="l"/>
+                <a:tab pos="2857500" algn="l"/>
+                <a:tab pos="3306763" algn="l"/>
+                <a:tab pos="3756025" algn="l"/>
+                <a:tab pos="4205288" algn="l"/>
+                <a:tab pos="4654550" algn="l"/>
+                <a:tab pos="5103813" algn="l"/>
+                <a:tab pos="5553075" algn="l"/>
+                <a:tab pos="6002338" algn="l"/>
+                <a:tab pos="6451600" algn="l"/>
+                <a:tab pos="6900863" algn="l"/>
+                <a:tab pos="7350125" algn="l"/>
+                <a:tab pos="7799388" algn="l"/>
+                <a:tab pos="8248650" algn="l"/>
+                <a:tab pos="8697913" algn="l"/>
+                <a:tab pos="9147175" algn="l"/>
+              </a:tabLst>
+              <a:defRPr kumimoji="1" sz="3200">
+                <a:solidFill>
+                  <a:schemeClr val="bg1"/>
+                </a:solidFill>
+                <a:latin typeface="Arial" panose="020B0604020202020204" pitchFamily="34" charset="0"/>
+                <a:ea typeface="微软雅黑" panose="020B0503020204020204" pitchFamily="34" charset="-122"/>
+              </a:defRPr>
+            </a:lvl1pPr>
+            <a:lvl2pPr marL="395288" indent="-227013">
+              <a:tabLst>
+                <a:tab pos="163513" algn="l"/>
+                <a:tab pos="611188" algn="l"/>
+                <a:tab pos="1060450" algn="l"/>
+                <a:tab pos="1509713" algn="l"/>
+                <a:tab pos="1958975" algn="l"/>
+                <a:tab pos="2408238" algn="l"/>
+                <a:tab pos="2857500" algn="l"/>
+                <a:tab pos="3306763" algn="l"/>
+                <a:tab pos="3756025" algn="l"/>
+                <a:tab pos="4205288" algn="l"/>
+                <a:tab pos="4654550" algn="l"/>
+                <a:tab pos="5103813" algn="l"/>
+                <a:tab pos="5553075" algn="l"/>
+                <a:tab pos="6002338" algn="l"/>
+                <a:tab pos="6451600" algn="l"/>
+                <a:tab pos="6900863" algn="l"/>
+                <a:tab pos="7350125" algn="l"/>
+                <a:tab pos="7799388" algn="l"/>
+                <a:tab pos="8248650" algn="l"/>
+                <a:tab pos="8697913" algn="l"/>
+                <a:tab pos="9147175" algn="l"/>
+              </a:tabLst>
+              <a:defRPr kumimoji="1" sz="3200">
+                <a:solidFill>
+                  <a:schemeClr val="bg1"/>
+                </a:solidFill>
+                <a:latin typeface="Arial" panose="020B0604020202020204" pitchFamily="34" charset="0"/>
+                <a:ea typeface="微软雅黑" panose="020B0503020204020204" pitchFamily="34" charset="-122"/>
+              </a:defRPr>
+            </a:lvl2pPr>
+            <a:lvl3pPr marL="396875" indent="180975">
+              <a:tabLst>
+                <a:tab pos="163513" algn="l"/>
+                <a:tab pos="611188" algn="l"/>
+                <a:tab pos="1060450" algn="l"/>
+                <a:tab pos="1509713" algn="l"/>
+                <a:tab pos="1958975" algn="l"/>
+                <a:tab pos="2408238" algn="l"/>
+                <a:tab pos="2857500" algn="l"/>
+                <a:tab pos="3306763" algn="l"/>
+                <a:tab pos="3756025" algn="l"/>
+                <a:tab pos="4205288" algn="l"/>
+                <a:tab pos="4654550" algn="l"/>
+                <a:tab pos="5103813" algn="l"/>
+                <a:tab pos="5553075" algn="l"/>
+                <a:tab pos="6002338" algn="l"/>
+                <a:tab pos="6451600" algn="l"/>
+                <a:tab pos="6900863" algn="l"/>
+                <a:tab pos="7350125" algn="l"/>
+                <a:tab pos="7799388" algn="l"/>
+                <a:tab pos="8248650" algn="l"/>
+                <a:tab pos="8697913" algn="l"/>
+                <a:tab pos="9147175" algn="l"/>
+              </a:tabLst>
+              <a:defRPr kumimoji="1" sz="3200">
+                <a:solidFill>
+                  <a:schemeClr val="bg1"/>
+                </a:solidFill>
+                <a:latin typeface="Arial" panose="020B0604020202020204" pitchFamily="34" charset="0"/>
+                <a:ea typeface="微软雅黑" panose="020B0503020204020204" pitchFamily="34" charset="-122"/>
+              </a:defRPr>
+            </a:lvl3pPr>
+            <a:lvl4pPr>
+              <a:tabLst>
+                <a:tab pos="163513" algn="l"/>
+                <a:tab pos="611188" algn="l"/>
+                <a:tab pos="1060450" algn="l"/>
+                <a:tab pos="1509713" algn="l"/>
+                <a:tab pos="1958975" algn="l"/>
+                <a:tab pos="2408238" algn="l"/>
+                <a:tab pos="2857500" algn="l"/>
+                <a:tab pos="3306763" algn="l"/>
+                <a:tab pos="3756025" algn="l"/>
+                <a:tab pos="4205288" algn="l"/>
+                <a:tab pos="4654550" algn="l"/>
+                <a:tab pos="5103813" algn="l"/>
+                <a:tab pos="5553075" algn="l"/>
+                <a:tab pos="6002338" algn="l"/>
+                <a:tab pos="6451600" algn="l"/>
+                <a:tab pos="6900863" algn="l"/>
+                <a:tab pos="7350125" algn="l"/>
+                <a:tab pos="7799388" algn="l"/>
+                <a:tab pos="8248650" algn="l"/>
+                <a:tab pos="8697913" algn="l"/>
+                <a:tab pos="9147175" algn="l"/>
+              </a:tabLst>
+              <a:defRPr kumimoji="1" sz="3200">
+                <a:solidFill>
+                  <a:schemeClr val="bg1"/>
+                </a:solidFill>
+                <a:latin typeface="Arial" panose="020B0604020202020204" pitchFamily="34" charset="0"/>
+                <a:ea typeface="微软雅黑" panose="020B0503020204020204" pitchFamily="34" charset="-122"/>
+              </a:defRPr>
+            </a:lvl4pPr>
+            <a:lvl5pPr>
+              <a:tabLst>
+                <a:tab pos="163513" algn="l"/>
+                <a:tab pos="611188" algn="l"/>
+                <a:tab pos="1060450" algn="l"/>
+                <a:tab pos="1509713" algn="l"/>
+                <a:tab pos="1958975" algn="l"/>
+                <a:tab pos="2408238" algn="l"/>
+                <a:tab pos="2857500" algn="l"/>
+                <a:tab pos="3306763" algn="l"/>
+                <a:tab pos="3756025" algn="l"/>
+                <a:tab pos="4205288" algn="l"/>
+                <a:tab pos="4654550" algn="l"/>
+                <a:tab pos="5103813" algn="l"/>
+                <a:tab pos="5553075" algn="l"/>
+                <a:tab pos="6002338" algn="l"/>
+                <a:tab pos="6451600" algn="l"/>
+                <a:tab pos="6900863" algn="l"/>
+                <a:tab pos="7350125" algn="l"/>
+                <a:tab pos="7799388" algn="l"/>
+                <a:tab pos="8248650" algn="l"/>
+                <a:tab pos="8697913" algn="l"/>
+                <a:tab pos="9147175" algn="l"/>
+              </a:tabLst>
+              <a:defRPr kumimoji="1" sz="3200">
+                <a:solidFill>
+                  <a:schemeClr val="bg1"/>
+                </a:solidFill>
+                <a:latin typeface="Arial" panose="020B0604020202020204" pitchFamily="34" charset="0"/>
+                <a:ea typeface="微软雅黑" panose="020B0503020204020204" pitchFamily="34" charset="-122"/>
+              </a:defRPr>
+            </a:lvl5pPr>
+            <a:lvl6pPr marL="2514600" indent="-228600" defTabSz="449263" fontAlgn="base">
+              <a:spcBef>
+                <a:spcPct val="0"/>
+              </a:spcBef>
+              <a:spcAft>
+                <a:spcPct val="0"/>
+              </a:spcAft>
+              <a:buClr>
+                <a:srgbClr val="000000"/>
+              </a:buClr>
+              <a:buSzPct val="100000"/>
+              <a:buFont typeface="Times New Roman" panose="02020603050405020304" pitchFamily="18" charset="0"/>
+              <a:tabLst>
+                <a:tab pos="163513" algn="l"/>
+                <a:tab pos="611188" algn="l"/>
+                <a:tab pos="1060450" algn="l"/>
+                <a:tab pos="1509713" algn="l"/>
+                <a:tab pos="1958975" algn="l"/>
+                <a:tab pos="2408238" algn="l"/>
+                <a:tab pos="2857500" algn="l"/>
+                <a:tab pos="3306763" algn="l"/>
+                <a:tab pos="3756025" algn="l"/>
+                <a:tab pos="4205288" algn="l"/>
+                <a:tab pos="4654550" algn="l"/>
+                <a:tab pos="5103813" algn="l"/>
+                <a:tab pos="5553075" algn="l"/>
+                <a:tab pos="6002338" algn="l"/>
+                <a:tab pos="6451600" algn="l"/>
+                <a:tab pos="6900863" algn="l"/>
+                <a:tab pos="7350125" algn="l"/>
+                <a:tab pos="7799388" algn="l"/>
+                <a:tab pos="8248650" algn="l"/>
+                <a:tab pos="8697913" algn="l"/>
+                <a:tab pos="9147175" algn="l"/>
+              </a:tabLst>
+              <a:defRPr kumimoji="1" sz="3200">
+                <a:solidFill>
+                  <a:schemeClr val="bg1"/>
+                </a:solidFill>
+                <a:latin typeface="Arial" panose="020B0604020202020204" pitchFamily="34" charset="0"/>
+                <a:ea typeface="微软雅黑" panose="020B0503020204020204" pitchFamily="34" charset="-122"/>
+              </a:defRPr>
+            </a:lvl6pPr>
+            <a:lvl7pPr marL="2971800" indent="-228600" defTabSz="449263" fontAlgn="base">
+              <a:spcBef>
+                <a:spcPct val="0"/>
+              </a:spcBef>
+              <a:spcAft>
+                <a:spcPct val="0"/>
+              </a:spcAft>
+              <a:buClr>
+                <a:srgbClr val="000000"/>
+              </a:buClr>
+              <a:buSzPct val="100000"/>
+              <a:buFont typeface="Times New Roman" panose="02020603050405020304" pitchFamily="18" charset="0"/>
+              <a:tabLst>
+                <a:tab pos="163513" algn="l"/>
+                <a:tab pos="611188" algn="l"/>
+                <a:tab pos="1060450" algn="l"/>
+                <a:tab pos="1509713" algn="l"/>
+                <a:tab pos="1958975" algn="l"/>
+                <a:tab pos="2408238" algn="l"/>
+                <a:tab pos="2857500" algn="l"/>
+                <a:tab pos="3306763" algn="l"/>
+                <a:tab pos="3756025" algn="l"/>
+                <a:tab pos="4205288" algn="l"/>
+                <a:tab pos="4654550" algn="l"/>
+                <a:tab pos="5103813" algn="l"/>
+                <a:tab pos="5553075" algn="l"/>
+                <a:tab pos="6002338" algn="l"/>
+                <a:tab pos="6451600" algn="l"/>
+                <a:tab pos="6900863" algn="l"/>
+                <a:tab pos="7350125" algn="l"/>
+                <a:tab pos="7799388" algn="l"/>
+                <a:tab pos="8248650" algn="l"/>
+                <a:tab pos="8697913" algn="l"/>
+                <a:tab pos="9147175" algn="l"/>
+              </a:tabLst>
+              <a:defRPr kumimoji="1" sz="3200">
+                <a:solidFill>
+                  <a:schemeClr val="bg1"/>
+                </a:solidFill>
+                <a:latin typeface="Arial" panose="020B0604020202020204" pitchFamily="34" charset="0"/>
+                <a:ea typeface="微软雅黑" panose="020B0503020204020204" pitchFamily="34" charset="-122"/>
+              </a:defRPr>
+            </a:lvl7pPr>
+            <a:lvl8pPr marL="3429000" indent="-228600" defTabSz="449263" fontAlgn="base">
+              <a:spcBef>
+                <a:spcPct val="0"/>
+              </a:spcBef>
+              <a:spcAft>
+                <a:spcPct val="0"/>
+              </a:spcAft>
+              <a:buClr>
+                <a:srgbClr val="000000"/>
+              </a:buClr>
+              <a:buSzPct val="100000"/>
+              <a:buFont typeface="Times New Roman" panose="02020603050405020304" pitchFamily="18" charset="0"/>
+              <a:tabLst>
+                <a:tab pos="163513" algn="l"/>
+                <a:tab pos="611188" algn="l"/>
+                <a:tab pos="1060450" algn="l"/>
+                <a:tab pos="1509713" algn="l"/>
+                <a:tab pos="1958975" algn="l"/>
+                <a:tab pos="2408238" algn="l"/>
+                <a:tab pos="2857500" algn="l"/>
+                <a:tab pos="3306763" algn="l"/>
+                <a:tab pos="3756025" algn="l"/>
+                <a:tab pos="4205288" algn="l"/>
+                <a:tab pos="4654550" algn="l"/>
+                <a:tab pos="5103813" algn="l"/>
+                <a:tab pos="5553075" algn="l"/>
+                <a:tab pos="6002338" algn="l"/>
+                <a:tab pos="6451600" algn="l"/>
+                <a:tab pos="6900863" algn="l"/>
+                <a:tab pos="7350125" algn="l"/>
+                <a:tab pos="7799388" algn="l"/>
+                <a:tab pos="8248650" algn="l"/>
+                <a:tab pos="8697913" algn="l"/>
+                <a:tab pos="9147175" algn="l"/>
+              </a:tabLst>
+              <a:defRPr kumimoji="1" sz="3200">
+                <a:solidFill>
+                  <a:schemeClr val="bg1"/>
+                </a:solidFill>
+                <a:latin typeface="Arial" panose="020B0604020202020204" pitchFamily="34" charset="0"/>
+                <a:ea typeface="微软雅黑" panose="020B0503020204020204" pitchFamily="34" charset="-122"/>
+              </a:defRPr>
+            </a:lvl8pPr>
+            <a:lvl9pPr marL="3886200" indent="-228600" defTabSz="449263" fontAlgn="base">
+              <a:spcBef>
+                <a:spcPct val="0"/>
+              </a:spcBef>
+              <a:spcAft>
+                <a:spcPct val="0"/>
+              </a:spcAft>
+              <a:buClr>
+                <a:srgbClr val="000000"/>
+              </a:buClr>
+              <a:buSzPct val="100000"/>
+              <a:buFont typeface="Times New Roman" panose="02020603050405020304" pitchFamily="18" charset="0"/>
+              <a:tabLst>
+                <a:tab pos="163513" algn="l"/>
+                <a:tab pos="611188" algn="l"/>
+                <a:tab pos="1060450" algn="l"/>
+                <a:tab pos="1509713" algn="l"/>
+                <a:tab pos="1958975" algn="l"/>
+                <a:tab pos="2408238" algn="l"/>
+                <a:tab pos="2857500" algn="l"/>
+                <a:tab pos="3306763" algn="l"/>
+                <a:tab pos="3756025" algn="l"/>
+                <a:tab pos="4205288" algn="l"/>
+                <a:tab pos="4654550" algn="l"/>
+                <a:tab pos="5103813" algn="l"/>
+                <a:tab pos="5553075" algn="l"/>
+                <a:tab pos="6002338" algn="l"/>
+                <a:tab pos="6451600" algn="l"/>
+                <a:tab pos="6900863" algn="l"/>
+                <a:tab pos="7350125" algn="l"/>
+                <a:tab pos="7799388" algn="l"/>
+                <a:tab pos="8248650" algn="l"/>
+                <a:tab pos="8697913" algn="l"/>
+                <a:tab pos="9147175" algn="l"/>
+              </a:tabLst>
+              <a:defRPr kumimoji="1" sz="3200">
+                <a:solidFill>
+                  <a:schemeClr val="bg1"/>
+                </a:solidFill>
+                <a:latin typeface="Arial" panose="020B0604020202020204" pitchFamily="34" charset="0"/>
+                <a:ea typeface="微软雅黑" panose="020B0503020204020204" pitchFamily="34" charset="-122"/>
+              </a:defRPr>
+            </a:lvl9pPr>
+          </a:lstStyle>
+          <a:p>
+            <a:pPr marL="0" indent="0">
+              <a:lnSpc>
+                <a:spcPts val="4100"/>
+              </a:lnSpc>
+              <a:spcBef>
+                <a:spcPts val="600"/>
+              </a:spcBef>
+              <a:spcAft>
+                <a:spcPts val="1200"/>
+              </a:spcAft>
+              <a:buClr>
+                <a:srgbClr val="008469"/>
+              </a:buClr>
+            </a:pPr>
+            <a:r>
+              <a:rPr kumimoji="0" lang="zh-CN" altLang="en-US" sz="2800" dirty="0">
+                <a:solidFill>
+                  <a:srgbClr val="008000"/>
+                </a:solidFill>
+                <a:latin typeface="微软雅黑" panose="020B0503020204020204" pitchFamily="34" charset="-122"/>
+              </a:rPr>
+              <a:t>实例：拖动图片在指定区域</a:t>
             </a:r>
             <a:r>
               <a:rPr kumimoji="0" lang="zh-CN" altLang="en-US" sz="2800" dirty="0" smtClean="0">
@@ -20699,6 +21801,140 @@
               </a:rPr>
               <a:t>显示</a:t>
             </a:r>
+            <a:endParaRPr kumimoji="0" lang="en-US" altLang="zh-CN" sz="2800" dirty="0" smtClean="0">
+              <a:solidFill>
+                <a:srgbClr val="008000"/>
+              </a:solidFill>
+              <a:latin typeface="微软雅黑" panose="020B0503020204020204" pitchFamily="34" charset="-122"/>
+            </a:endParaRPr>
+          </a:p>
+          <a:p>
+            <a:pPr marL="0" indent="0">
+              <a:lnSpc>
+                <a:spcPts val="4100"/>
+              </a:lnSpc>
+              <a:spcBef>
+                <a:spcPts val="600"/>
+              </a:spcBef>
+              <a:spcAft>
+                <a:spcPts val="1200"/>
+              </a:spcAft>
+              <a:buClr>
+                <a:srgbClr val="008469"/>
+              </a:buClr>
+            </a:pPr>
+            <a:r>
+              <a:rPr kumimoji="0" lang="en-US" altLang="zh-CN" sz="2600" dirty="0" err="1">
+                <a:solidFill>
+                  <a:srgbClr val="000000"/>
+                </a:solidFill>
+                <a:latin typeface="微软雅黑" panose="020B0503020204020204" pitchFamily="34" charset="-122"/>
+              </a:rPr>
+              <a:t>e.dataTransfer.files</a:t>
+            </a:r>
+            <a:r>
+              <a:rPr kumimoji="0" lang="en-US" altLang="zh-CN" sz="2600" dirty="0">
+                <a:solidFill>
+                  <a:srgbClr val="000000"/>
+                </a:solidFill>
+                <a:latin typeface="微软雅黑" panose="020B0503020204020204" pitchFamily="34" charset="-122"/>
+              </a:rPr>
+              <a:t>[0</a:t>
+            </a:r>
+            <a:r>
+              <a:rPr kumimoji="0" lang="en-US" altLang="zh-CN" sz="2600" dirty="0" smtClean="0">
+                <a:solidFill>
+                  <a:srgbClr val="000000"/>
+                </a:solidFill>
+                <a:latin typeface="微软雅黑" panose="020B0503020204020204" pitchFamily="34" charset="-122"/>
+              </a:rPr>
+              <a:t>]</a:t>
+            </a:r>
+            <a:r>
+              <a:rPr kumimoji="0" lang="zh-CN" altLang="en-US" sz="2600" dirty="0" smtClean="0">
+                <a:solidFill>
+                  <a:srgbClr val="000000"/>
+                </a:solidFill>
+                <a:latin typeface="微软雅黑" panose="020B0503020204020204" pitchFamily="34" charset="-122"/>
+              </a:rPr>
+              <a:t>、</a:t>
+            </a:r>
+            <a:r>
+              <a:rPr kumimoji="0" lang="en-US" altLang="zh-CN" sz="2600" dirty="0">
+                <a:solidFill>
+                  <a:srgbClr val="000000"/>
+                </a:solidFill>
+                <a:latin typeface="微软雅黑" panose="020B0503020204020204" pitchFamily="34" charset="-122"/>
+              </a:rPr>
+              <a:t>new </a:t>
+            </a:r>
+            <a:r>
+              <a:rPr kumimoji="0" lang="en-US" altLang="zh-CN" sz="2600" dirty="0" err="1">
+                <a:solidFill>
+                  <a:srgbClr val="000000"/>
+                </a:solidFill>
+                <a:latin typeface="微软雅黑" panose="020B0503020204020204" pitchFamily="34" charset="-122"/>
+              </a:rPr>
+              <a:t>FileReader</a:t>
+            </a:r>
+            <a:r>
+              <a:rPr kumimoji="0" lang="en-US" altLang="zh-CN" sz="2600" dirty="0" smtClean="0">
+                <a:solidFill>
+                  <a:srgbClr val="000000"/>
+                </a:solidFill>
+                <a:latin typeface="微软雅黑" panose="020B0503020204020204" pitchFamily="34" charset="-122"/>
+              </a:rPr>
+              <a:t>()</a:t>
+            </a:r>
+            <a:r>
+              <a:rPr kumimoji="0" lang="zh-CN" altLang="en-US" sz="2600" dirty="0" smtClean="0">
+                <a:solidFill>
+                  <a:srgbClr val="000000"/>
+                </a:solidFill>
+                <a:latin typeface="微软雅黑" panose="020B0503020204020204" pitchFamily="34" charset="-122"/>
+              </a:rPr>
+              <a:t>、</a:t>
+            </a:r>
+            <a:r>
+              <a:rPr kumimoji="0" lang="en-US" altLang="zh-CN" sz="2600" dirty="0" err="1" smtClean="0">
+                <a:solidFill>
+                  <a:srgbClr val="000000"/>
+                </a:solidFill>
+                <a:latin typeface="微软雅黑" panose="020B0503020204020204" pitchFamily="34" charset="-122"/>
+              </a:rPr>
+              <a:t>readAsDataURL</a:t>
+            </a:r>
+            <a:r>
+              <a:rPr kumimoji="0" lang="en-US" altLang="zh-CN" sz="2600" dirty="0" smtClean="0">
+                <a:solidFill>
+                  <a:srgbClr val="000000"/>
+                </a:solidFill>
+                <a:latin typeface="微软雅黑" panose="020B0503020204020204" pitchFamily="34" charset="-122"/>
+              </a:rPr>
+              <a:t>()</a:t>
+            </a:r>
+            <a:endParaRPr kumimoji="0" lang="en-US" altLang="zh-CN" sz="2600" dirty="0" smtClean="0">
+              <a:solidFill>
+                <a:srgbClr val="000000"/>
+              </a:solidFill>
+              <a:latin typeface="微软雅黑" panose="020B0503020204020204" pitchFamily="34" charset="-122"/>
+            </a:endParaRPr>
+          </a:p>
+          <a:p>
+            <a:pPr marL="0" indent="0">
+              <a:lnSpc>
+                <a:spcPts val="4100"/>
+              </a:lnSpc>
+              <a:spcBef>
+                <a:spcPts val="600"/>
+              </a:spcBef>
+              <a:spcAft>
+                <a:spcPts val="1200"/>
+              </a:spcAft>
+              <a:buClr>
+                <a:srgbClr val="008469"/>
+              </a:buClr>
+            </a:pPr>
             <a:endParaRPr kumimoji="0" lang="en-US" altLang="zh-CN" sz="2800" dirty="0" smtClean="0">
               <a:solidFill>
                 <a:srgbClr val="008000"/>
@@ -21089,7 +22325,7 @@
               <a:buClrTx/>
             </a:pPr>
             <a:r>
-              <a:rPr lang="zh-CN" altLang="en-US" sz="4000" dirty="0" smtClean="0">
+              <a:rPr lang="zh-CN" altLang="en-US" sz="4000" dirty="0">
                 <a:solidFill>
                   <a:srgbClr val="3376AD"/>
                 </a:solidFill>
@@ -21097,7 +22333,18 @@
                 <a:ea typeface="+mj-ea"/>
                 <a:cs typeface="+mj-cs"/>
               </a:rPr>
-              <a:t>拖放</a:t>
+              <a:t>拖</a:t>
+            </a:r>
+            <a:r>
+              <a:rPr lang="zh-CN" altLang="en-US" sz="4000" dirty="0" smtClean="0">
+                <a:solidFill>
+                  <a:srgbClr val="3376AD"/>
+                </a:solidFill>
+                <a:latin typeface="+mj-lt"/>
+                <a:ea typeface="+mj-ea"/>
+                <a:cs typeface="+mj-cs"/>
+              </a:rPr>
+              <a:t>拽上传</a:t>
             </a:r>
             <a:endParaRPr lang="zh-CN" altLang="en-US" sz="4000" dirty="0">
               <a:solidFill>
@@ -21126,7 +22373,7 @@
         </p:blipFill>
         <p:spPr>
           <a:xfrm>
-            <a:off x="5591944" y="2394024"/>
+            <a:off x="5591943" y="2852936"/>
             <a:ext cx="3333333" cy="3752381"/>
           </a:xfrm>
           <a:prstGeom prst="rect">
@@ -21150,7 +22397,7 @@
         </p:blipFill>
         <p:spPr>
           <a:xfrm>
-            <a:off x="1487487" y="2385143"/>
+            <a:off x="1490629" y="2852936"/>
             <a:ext cx="3314286" cy="3714286"/>
           </a:xfrm>
           <a:prstGeom prst="rect">
@@ -21179,7 +22426,7 @@
 </p:sld>
 </file>
 
-<file path=ppt/slides/slide18.xml><?xml version="1.0" encoding="utf-8"?>
+<file path=ppt/slides/slide19.xml><?xml version="1.0" encoding="utf-8"?>
 <p:sld xmlns:a="http://schemas.openxmlformats.org/drawingml/2006/main" xmlns:r="http://schemas.openxmlformats.org/officeDocument/2006/relationships" xmlns:p="http://schemas.openxmlformats.org/presentationml/2006/main">
   <p:cSld>
     <p:spTree>
@@ -23468,16 +24715,7 @@
                 </a:solidFill>
                 <a:latin typeface="微软雅黑" panose="020B0503020204020204" pitchFamily="34" charset="-122"/>
               </a:rPr>
-              <a:t>中，拖</a:t>
-            </a:r>
-            <a:r>
-              <a:rPr lang="zh-CN" altLang="en-US" sz="2800" dirty="0">
-                <a:solidFill>
-                  <a:srgbClr val="006F53"/>
-                </a:solidFill>
-                <a:latin typeface="微软雅黑" panose="020B0503020204020204" pitchFamily="34" charset="-122"/>
-              </a:rPr>
-              <a:t>放</a:t>
+              <a:t>中，拖放</a:t>
             </a:r>
             <a:r>
               <a:rPr lang="zh-CN" altLang="en-US" sz="2800" dirty="0" smtClean="0">
@@ -23522,16 +24760,7 @@
                 </a:solidFill>
                 <a:latin typeface="微软雅黑" panose="020B0503020204020204" pitchFamily="34" charset="-122"/>
               </a:rPr>
-              <a:t>）是</a:t>
-            </a:r>
-            <a:r>
-              <a:rPr lang="zh-CN" altLang="en-US" sz="2800" dirty="0">
-                <a:solidFill>
-                  <a:srgbClr val="006F53"/>
-                </a:solidFill>
-                <a:latin typeface="微软雅黑" panose="020B0503020204020204" pitchFamily="34" charset="-122"/>
-              </a:rPr>
-              <a:t>标准的一部分，任何元素都能够拖放</a:t>
+              <a:t>）是标准的一部分，任何元素都能够拖放</a:t>
             </a:r>
             <a:r>
               <a:rPr lang="zh-CN" altLang="en-US" sz="2800" dirty="0" smtClean="0">
@@ -23630,13 +24859,31 @@
               </a:buClr>
             </a:pPr>
             <a:r>
-              <a:rPr kumimoji="0" lang="en-US" altLang="zh-CN" sz="2600" dirty="0">
+              <a:rPr kumimoji="0" lang="en-US" altLang="zh-CN" sz="2600" dirty="0" smtClean="0">
                 <a:solidFill>
                   <a:srgbClr val="000000"/>
                 </a:solidFill>
                 <a:latin typeface="微软雅黑" panose="020B0503020204020204" pitchFamily="34" charset="-122"/>
               </a:rPr>
-              <a:t>Internet Explorer 9</a:t>
+              <a:t>Chrome</a:t>
+            </a:r>
+            <a:r>
+              <a:rPr kumimoji="0" lang="zh-CN" altLang="en-US" sz="2600" dirty="0" smtClean="0">
+                <a:solidFill>
+                  <a:srgbClr val="000000"/>
+                </a:solidFill>
+                <a:latin typeface="微软雅黑" panose="020B0503020204020204" pitchFamily="34" charset="-122"/>
+              </a:rPr>
+              <a:t>、</a:t>
+            </a:r>
+            <a:r>
+              <a:rPr kumimoji="0" lang="en-US" altLang="zh-CN" sz="2600" dirty="0" smtClean="0">
+                <a:solidFill>
+                  <a:srgbClr val="000000"/>
+                </a:solidFill>
+                <a:latin typeface="微软雅黑" panose="020B0503020204020204" pitchFamily="34" charset="-122"/>
+              </a:rPr>
+              <a:t>Firefox</a:t>
             </a:r>
             <a:r>
               <a:rPr kumimoji="0" lang="zh-CN" altLang="en-US" sz="2600" dirty="0">
@@ -23654,10 +24901,10 @@
                 </a:solidFill>
                 <a:latin typeface="微软雅黑" panose="020B0503020204020204" pitchFamily="34" charset="-122"/>
               </a:rPr>
-              <a:t>Firefox</a:t>
+              <a:t>Opera 12</a:t>
             </a:r>
             <a:r>
-              <a:rPr kumimoji="0" lang="zh-CN" altLang="en-US" sz="2600" dirty="0">
+              <a:rPr kumimoji="0" lang="zh-CN" altLang="en-US" sz="2600" dirty="0" smtClean="0">
                 <a:solidFill>
                   <a:srgbClr val="000000"/>
                 </a:solidFill>
@@ -23672,28 +24919,10 @@
                 </a:solidFill>
                 <a:latin typeface="微软雅黑" panose="020B0503020204020204" pitchFamily="34" charset="-122"/>
               </a:rPr>
-              <a:t>Opera 12</a:t>
+              <a:t>Internet Explorer 6~9</a:t>
             </a:r>
             <a:r>
-              <a:rPr kumimoji="0" lang="zh-CN" altLang="en-US" sz="2600" dirty="0">
-                <a:solidFill>
-                  <a:srgbClr val="000000"/>
-                </a:solidFill>
-                <a:latin typeface="微软雅黑" panose="020B0503020204020204" pitchFamily="34" charset="-122"/>
-              </a:rPr>
-              <a:t>、</a:t>
-            </a:r>
-            <a:r>
-              <a:rPr kumimoji="0" lang="en-US" altLang="zh-CN" sz="2600" dirty="0">
-                <a:solidFill>
-                  <a:srgbClr val="000000"/>
-                </a:solidFill>
-                <a:latin typeface="微软雅黑" panose="020B0503020204020204" pitchFamily="34" charset="-122"/>
-              </a:rPr>
-              <a:t>Chrome </a:t>
-            </a:r>
-            <a:r>
-              <a:rPr kumimoji="0" lang="zh-CN" altLang="en-US" sz="2600" dirty="0">
+              <a:rPr kumimoji="0" lang="zh-CN" altLang="en-US" sz="2600" dirty="0" smtClean="0">
                 <a:solidFill>
                   <a:srgbClr val="000000"/>
                 </a:solidFill>
@@ -24166,6 +25395,109 @@
                                         <p:tgtEl>
                                           <p:spTgt spid="9217">
                                             <p:txEl>
+                                              <p:pRg st="1" end="1"/>
+                                            </p:txEl>
+                                          </p:spTgt>
+                                        </p:tgtEl>
+                                        <p:attrNameLst>
+                                          <p:attrName>style.visibility</p:attrName>
+                                        </p:attrNameLst>
+                                      </p:cBhvr>
+                                      <p:to>
+                                        <p:strVal val="visible"/>
+                                      </p:to>
+                                    </p:set>
+                                    <p:anim calcmode="lin" valueType="num">
+                                      <p:cBhvr additive="base">
+                                        <p:cTn id="7" dur="500" fill="hold"/>
+                                        <p:tgtEl>
+                                          <p:spTgt spid="9217">
+                                            <p:txEl>
+                                              <p:pRg st="1" end="1"/>
+                                            </p:txEl>
+                                          </p:spTgt>
+                                        </p:tgtEl>
+                                        <p:attrNameLst>
+                                          <p:attrName>ppt_x</p:attrName>
+                                        </p:attrNameLst>
+                                      </p:cBhvr>
+                                      <p:tavLst>
+                                        <p:tav tm="0">
+                                          <p:val>
+                                            <p:strVal val="#ppt_x"/>
+                                          </p:val>
+                                        </p:tav>
+                                        <p:tav tm="100000">
+                                          <p:val>
+                                            <p:strVal val="#ppt_x"/>
+                                          </p:val>
+                                        </p:tav>
+                                      </p:tavLst>
+                                    </p:anim>
+                                    <p:anim calcmode="lin" valueType="num">
+                                      <p:cBhvr additive="base">
+                                        <p:cTn id="8" dur="500" fill="hold"/>
+                                        <p:tgtEl>
+                                          <p:spTgt spid="9217">
+                                            <p:txEl>
+                                              <p:pRg st="1" end="1"/>
+                                            </p:txEl>
+                                          </p:spTgt>
+                                        </p:tgtEl>
+                                        <p:attrNameLst>
+                                          <p:attrName>ppt_y</p:attrName>
+                                        </p:attrNameLst>
+                                      </p:cBhvr>
+                                      <p:tavLst>
+                                        <p:tav tm="0">
+                                          <p:val>
+                                            <p:strVal val="1+#ppt_h/2"/>
+                                          </p:val>
+                                        </p:tav>
+                                        <p:tav tm="100000">
+                                          <p:val>
+                                            <p:strVal val="#ppt_y"/>
+                                          </p:val>
+                                        </p:tav>
+                                      </p:tavLst>
+                                    </p:anim>
+                                  </p:childTnLst>
+                                </p:cTn>
+                              </p:par>
+                            </p:childTnLst>
+                          </p:cTn>
+                        </p:par>
+                      </p:childTnLst>
+                    </p:cTn>
+                  </p:par>
+                  <p:par>
+                    <p:cTn id="9" fill="hold">
+                      <p:stCondLst>
+                        <p:cond delay="indefinite"/>
+                      </p:stCondLst>
+                      <p:childTnLst>
+                        <p:par>
+                          <p:cTn id="10" fill="hold">
+                            <p:stCondLst>
+                              <p:cond delay="0"/>
+                            </p:stCondLst>
+                            <p:childTnLst>
+                              <p:par>
+                                <p:cTn id="11" presetID="2" presetClass="entr" presetSubtype="4" fill="hold" nodeType="clickEffect">
+                                  <p:stCondLst>
+                                    <p:cond delay="0"/>
+                                  </p:stCondLst>
+                                  <p:childTnLst>
+                                    <p:set>
+                                      <p:cBhvr>
+                                        <p:cTn id="12" dur="1" fill="hold">
+                                          <p:stCondLst>
+                                            <p:cond delay="0"/>
+                                          </p:stCondLst>
+                                        </p:cTn>
+                                        <p:tgtEl>
+                                          <p:spTgt spid="9217">
+                                            <p:txEl>
                                               <p:pRg st="3" end="3"/>
                                             </p:txEl>
                                           </p:spTgt>
@@ -24180,7 +25512,7 @@
                                     </p:set>
                                     <p:anim calcmode="lin" valueType="num">
                                       <p:cBhvr additive="base">
-                                        <p:cTn id="7" dur="500" fill="hold"/>
+                                        <p:cTn id="13" dur="500" fill="hold"/>
                                         <p:tgtEl>
                                           <p:spTgt spid="9217">
                                             <p:txEl>
@@ -24207,7 +25539,7 @@
                                     </p:anim>
                                     <p:anim calcmode="lin" valueType="num">
                                       <p:cBhvr additive="base">
-                                        <p:cTn id="8" dur="500" fill="hold"/>
+                                        <p:cTn id="14" dur="500" fill="hold"/>
                                         <p:tgtEl>
                                           <p:spTgt spid="9217">
                                             <p:txEl>
@@ -24236,14 +25568,14 @@
                                 </p:cTn>
                               </p:par>
                               <p:par>
-                                <p:cTn id="9" presetID="2" presetClass="entr" presetSubtype="4" fill="hold" nodeType="withEffect">
+                                <p:cTn id="15" presetID="2" presetClass="entr" presetSubtype="4" fill="hold" nodeType="withEffect">
                                   <p:stCondLst>
                                     <p:cond delay="0"/>
                                   </p:stCondLst>
                                   <p:childTnLst>
                                     <p:set>
                                       <p:cBhvr>
-                                        <p:cTn id="10" dur="1" fill="hold">
+                                        <p:cTn id="16" dur="1" fill="hold">
                                           <p:stCondLst>
                                             <p:cond delay="0"/>
                                           </p:stCondLst>
@@ -24265,7 +25597,7 @@
                                     </p:set>
                                     <p:anim calcmode="lin" valueType="num">
                                       <p:cBhvr additive="base">
-                                        <p:cTn id="11" dur="500" fill="hold"/>
+                                        <p:cTn id="17" dur="500" fill="hold"/>
                                         <p:tgtEl>
                                           <p:spTgt spid="9217">
                                             <p:txEl>
@@ -24292,7 +25624,7 @@
                                     </p:anim>
                                     <p:anim calcmode="lin" valueType="num">
                                       <p:cBhvr additive="base">
-                                        <p:cTn id="12" dur="500" fill="hold"/>
+                                        <p:cTn id="18" dur="500" fill="hold"/>
                                         <p:tgtEl>
                                           <p:spTgt spid="9217">
                                             <p:txEl>
@@ -25049,7 +26381,25 @@
                 </a:solidFill>
                 <a:latin typeface="微软雅黑" panose="020B0503020204020204" pitchFamily="34" charset="-122"/>
               </a:rPr>
-              <a:t>，可以释松手释放将源对象放置此处</a:t>
+              <a:t>，</a:t>
+            </a:r>
+            <a:r>
+              <a:rPr lang="zh-CN" altLang="en-US" sz="2400" dirty="0" smtClean="0">
+                <a:solidFill>
+                  <a:srgbClr val="000000"/>
+                </a:solidFill>
+                <a:latin typeface="微软雅黑" panose="020B0503020204020204" pitchFamily="34" charset="-122"/>
+              </a:rPr>
+              <a:t>可以松手</a:t>
+            </a:r>
+            <a:r>
+              <a:rPr lang="zh-CN" altLang="en-US" sz="2400" dirty="0">
+                <a:solidFill>
+                  <a:srgbClr val="000000"/>
+                </a:solidFill>
+                <a:latin typeface="微软雅黑" panose="020B0503020204020204" pitchFamily="34" charset="-122"/>
+              </a:rPr>
+              <a:t>释放将源对象放置此处</a:t>
             </a:r>
             <a:r>
               <a:rPr lang="en-US" altLang="zh-CN" sz="2400" dirty="0">
@@ -25578,7 +26928,7 @@
         <p:spPr>
           <a:xfrm>
             <a:off x="1127448" y="1340768"/>
-            <a:ext cx="9361040" cy="3182923"/>
+            <a:ext cx="9361040" cy="3939540"/>
           </a:xfrm>
           <a:prstGeom prst="rect">
             <a:avLst/>
@@ -25821,16 +27171,7 @@
                 </a:solidFill>
                 <a:latin typeface="微软雅黑" panose="020B0503020204020204" pitchFamily="34" charset="-122"/>
               </a:rPr>
-              <a:t>用于</a:t>
-            </a:r>
-            <a:r>
-              <a:rPr lang="zh-CN" altLang="en-US" sz="2800" dirty="0" smtClean="0">
-                <a:solidFill>
-                  <a:srgbClr val="000000"/>
-                </a:solidFill>
-                <a:latin typeface="微软雅黑" panose="020B0503020204020204" pitchFamily="34" charset="-122"/>
-              </a:rPr>
-              <a:t>在</a:t>
+              <a:t>用于在</a:t>
             </a:r>
             <a:r>
               <a:rPr lang="zh-CN" altLang="en-US" sz="2800" dirty="0">
@@ -25839,25 +27180,63 @@
                 </a:solidFill>
                 <a:latin typeface="微软雅黑" panose="020B0503020204020204" pitchFamily="34" charset="-122"/>
               </a:rPr>
-              <a:t>源对象和目标对象的事件间传递</a:t>
+              <a:t>源对象和目标对象的事件间传递字符串格式的数据。（保存被拖动的数据）</a:t>
             </a:r>
+            <a:endParaRPr lang="en-US" altLang="zh-CN" sz="2800" dirty="0" smtClean="0">
+              <a:solidFill>
+                <a:srgbClr val="000000"/>
+              </a:solidFill>
+              <a:latin typeface="微软雅黑" panose="020B0503020204020204" pitchFamily="34" charset="-122"/>
+            </a:endParaRPr>
+          </a:p>
+          <a:p>
+            <a:pPr marL="163513" indent="-163513">
+              <a:lnSpc>
+                <a:spcPts val="4100"/>
+              </a:lnSpc>
+              <a:spcBef>
+                <a:spcPts val="600"/>
+              </a:spcBef>
+              <a:spcAft>
+                <a:spcPts val="1200"/>
+              </a:spcAft>
+              <a:buClr>
+                <a:srgbClr val="008469"/>
+              </a:buClr>
+              <a:buFont typeface="Arial" panose="020B0604020202020204" pitchFamily="34" charset="0"/>
+              <a:buChar char="•"/>
+              <a:tabLst>
+                <a:tab pos="163513" algn="l"/>
+                <a:tab pos="611188" algn="l"/>
+                <a:tab pos="1060450" algn="l"/>
+                <a:tab pos="1509713" algn="l"/>
+                <a:tab pos="1958975" algn="l"/>
+                <a:tab pos="2408238" algn="l"/>
+                <a:tab pos="2857500" algn="l"/>
+                <a:tab pos="3306763" algn="l"/>
+                <a:tab pos="3756025" algn="l"/>
+                <a:tab pos="4205288" algn="l"/>
+                <a:tab pos="4654550" algn="l"/>
+                <a:tab pos="5103813" algn="l"/>
+                <a:tab pos="5553075" algn="l"/>
+                <a:tab pos="6002338" algn="l"/>
+                <a:tab pos="6451600" algn="l"/>
+                <a:tab pos="6900863" algn="l"/>
+                <a:tab pos="7350125" algn="l"/>
+                <a:tab pos="7799388" algn="l"/>
+                <a:tab pos="8248650" algn="l"/>
+                <a:tab pos="8697913" algn="l"/>
+                <a:tab pos="9147175" algn="l"/>
+              </a:tabLst>
+            </a:pPr>
             <a:r>
-              <a:rPr lang="zh-CN" altLang="en-US" sz="2800" dirty="0">
+              <a:rPr lang="zh-CN" altLang="en-US" sz="2800" dirty="0" smtClean="0">
                 <a:solidFill>
                   <a:srgbClr val="000000"/>
                 </a:solidFill>
                 <a:latin typeface="微软雅黑" panose="020B0503020204020204" pitchFamily="34" charset="-122"/>
               </a:rPr>
-              <a:t>字符串格式的数据</a:t>
-            </a:r>
-            <a:r>
-              <a:rPr lang="zh-CN" altLang="en-US" sz="2800" dirty="0" smtClean="0">
-                <a:solidFill>
-                  <a:srgbClr val="000000"/>
-                </a:solidFill>
-                <a:latin typeface="微软雅黑" panose="020B0503020204020204" pitchFamily="34" charset="-122"/>
-              </a:rPr>
-              <a:t>。只能</a:t>
+              <a:t>只能</a:t>
             </a:r>
             <a:r>
               <a:rPr lang="zh-CN" altLang="en-US" sz="2800" dirty="0">
@@ -25930,7 +27309,7 @@
         </p:nvSpPr>
         <p:spPr>
           <a:xfrm>
-            <a:off x="3251684" y="4754507"/>
+            <a:off x="3269615" y="5589240"/>
             <a:ext cx="5112568" cy="584775"/>
           </a:xfrm>
           <a:prstGeom prst="rect">
@@ -27677,18 +29056,7 @@
                 <a:ea typeface="+mj-ea"/>
                 <a:cs typeface="+mj-cs"/>
               </a:rPr>
-              <a:t>对象</a:t>
-            </a:r>
-            <a:r>
-              <a:rPr lang="zh-CN" altLang="en-US" sz="4000" dirty="0" smtClean="0">
-                <a:solidFill>
-                  <a:srgbClr val="3376AD"/>
-                </a:solidFill>
-                <a:latin typeface="+mj-lt"/>
-                <a:ea typeface="+mj-ea"/>
-                <a:cs typeface="+mj-cs"/>
-              </a:rPr>
-              <a:t>的方法</a:t>
+              <a:t>对象的方法</a:t>
             </a:r>
             <a:endParaRPr lang="en-US" altLang="zh-CN" sz="4000" dirty="0">
               <a:solidFill>
@@ -28825,7 +30193,7 @@
         <p:spPr>
           <a:xfrm>
             <a:off x="1127448" y="1340768"/>
-            <a:ext cx="10225136" cy="1374735"/>
+            <a:ext cx="10225136" cy="5157822"/>
           </a:xfrm>
           <a:prstGeom prst="rect">
             <a:avLst/>
@@ -28880,20 +30248,29 @@
             <a:r>
               <a:rPr lang="en-US" altLang="zh-CN" sz="2800" dirty="0" smtClean="0">
                 <a:solidFill>
-                  <a:srgbClr val="000000"/>
+                  <a:srgbClr val="C00000"/>
                 </a:solidFill>
                 <a:latin typeface="微软雅黑" panose="020B0503020204020204" pitchFamily="34" charset="-122"/>
               </a:rPr>
-              <a:t>types </a:t>
+              <a:t>files</a:t>
+            </a:r>
+            <a:r>
+              <a:rPr lang="en-US" altLang="zh-CN" sz="2800" dirty="0" smtClean="0">
+                <a:solidFill>
+                  <a:srgbClr val="000000"/>
+                </a:solidFill>
+                <a:latin typeface="微软雅黑" panose="020B0503020204020204" pitchFamily="34" charset="-122"/>
+              </a:rPr>
+              <a:t> </a:t>
             </a:r>
             <a:r>
               <a:rPr lang="zh-CN" altLang="en-US" sz="2800" dirty="0" smtClean="0">
                 <a:solidFill>
-                  <a:srgbClr val="000000"/>
+                  <a:srgbClr val="C00000"/>
                 </a:solidFill>
                 <a:latin typeface="微软雅黑" panose="020B0503020204020204" pitchFamily="34" charset="-122"/>
               </a:rPr>
-              <a:t>属性  </a:t>
+              <a:t>属性</a:t>
             </a:r>
             <a:r>
               <a:rPr lang="zh-CN" altLang="en-US" sz="2800" dirty="0" smtClean="0">
@@ -28902,7 +30279,458 @@
                 </a:solidFill>
                 <a:latin typeface="微软雅黑" panose="020B0503020204020204" pitchFamily="34" charset="-122"/>
               </a:rPr>
-              <a:t>存入数据的种类。</a:t>
+              <a:t> 拖拽文件列表</a:t>
+            </a:r>
+            <a:endParaRPr lang="en-US" altLang="zh-CN" sz="2800" dirty="0" smtClean="0">
+              <a:solidFill>
+                <a:srgbClr val="000000"/>
+              </a:solidFill>
+              <a:latin typeface="微软雅黑" panose="020B0503020204020204" pitchFamily="34" charset="-122"/>
+            </a:endParaRPr>
+          </a:p>
+          <a:p>
+            <a:pPr marL="1200150" lvl="1" indent="-457200">
+              <a:lnSpc>
+                <a:spcPts val="4100"/>
+              </a:lnSpc>
+              <a:spcBef>
+                <a:spcPts val="600"/>
+              </a:spcBef>
+              <a:spcAft>
+                <a:spcPts val="1200"/>
+              </a:spcAft>
+              <a:buClr>
+                <a:srgbClr val="008469"/>
+              </a:buClr>
+              <a:buFont typeface="Wingdings" pitchFamily="2" charset="2"/>
+              <a:buChar char="Ø"/>
+              <a:tabLst>
+                <a:tab pos="163513" algn="l"/>
+                <a:tab pos="611188" algn="l"/>
+                <a:tab pos="1060450" algn="l"/>
+                <a:tab pos="1509713" algn="l"/>
+                <a:tab pos="1958975" algn="l"/>
+                <a:tab pos="2408238" algn="l"/>
+                <a:tab pos="2857500" algn="l"/>
+                <a:tab pos="3306763" algn="l"/>
+                <a:tab pos="3756025" algn="l"/>
+                <a:tab pos="4205288" algn="l"/>
+                <a:tab pos="4654550" algn="l"/>
+                <a:tab pos="5103813" algn="l"/>
+                <a:tab pos="5553075" algn="l"/>
+                <a:tab pos="6002338" algn="l"/>
+                <a:tab pos="6451600" algn="l"/>
+                <a:tab pos="6900863" algn="l"/>
+                <a:tab pos="7350125" algn="l"/>
+                <a:tab pos="7799388" algn="l"/>
+                <a:tab pos="8248650" algn="l"/>
+                <a:tab pos="8697913" algn="l"/>
+                <a:tab pos="9147175" algn="l"/>
+              </a:tabLst>
+            </a:pPr>
+            <a:r>
+              <a:rPr lang="en-US" altLang="zh-CN" sz="2600" dirty="0" err="1">
+                <a:solidFill>
+                  <a:srgbClr val="000000"/>
+                </a:solidFill>
+                <a:latin typeface="微软雅黑" panose="020B0503020204020204" pitchFamily="34" charset="-122"/>
+              </a:rPr>
+              <a:t>ev.dataTransfer.files</a:t>
+            </a:r>
+            <a:endParaRPr lang="en-US" altLang="zh-CN" sz="2600" dirty="0">
+              <a:solidFill>
+                <a:srgbClr val="000000"/>
+              </a:solidFill>
+              <a:latin typeface="微软雅黑" panose="020B0503020204020204" pitchFamily="34" charset="-122"/>
+            </a:endParaRPr>
+          </a:p>
+          <a:p>
+            <a:pPr marL="163513" indent="-163513">
+              <a:lnSpc>
+                <a:spcPts val="4100"/>
+              </a:lnSpc>
+              <a:spcBef>
+                <a:spcPts val="600"/>
+              </a:spcBef>
+              <a:spcAft>
+                <a:spcPts val="1200"/>
+              </a:spcAft>
+              <a:buClr>
+                <a:srgbClr val="008469"/>
+              </a:buClr>
+              <a:buFont typeface="Arial" panose="020B0604020202020204" pitchFamily="34" charset="0"/>
+              <a:buChar char="•"/>
+              <a:tabLst>
+                <a:tab pos="163513" algn="l"/>
+                <a:tab pos="611188" algn="l"/>
+                <a:tab pos="1060450" algn="l"/>
+                <a:tab pos="1509713" algn="l"/>
+                <a:tab pos="1958975" algn="l"/>
+                <a:tab pos="2408238" algn="l"/>
+                <a:tab pos="2857500" algn="l"/>
+                <a:tab pos="3306763" algn="l"/>
+                <a:tab pos="3756025" algn="l"/>
+                <a:tab pos="4205288" algn="l"/>
+                <a:tab pos="4654550" algn="l"/>
+                <a:tab pos="5103813" algn="l"/>
+                <a:tab pos="5553075" algn="l"/>
+                <a:tab pos="6002338" algn="l"/>
+                <a:tab pos="6451600" algn="l"/>
+                <a:tab pos="6900863" algn="l"/>
+                <a:tab pos="7350125" algn="l"/>
+                <a:tab pos="7799388" algn="l"/>
+                <a:tab pos="8248650" algn="l"/>
+                <a:tab pos="8697913" algn="l"/>
+                <a:tab pos="9147175" algn="l"/>
+              </a:tabLst>
+            </a:pPr>
+            <a:r>
+              <a:rPr lang="en-US" altLang="zh-CN" sz="2800" dirty="0" err="1" smtClean="0">
+                <a:solidFill>
+                  <a:srgbClr val="C00000"/>
+                </a:solidFill>
+                <a:latin typeface="微软雅黑" panose="020B0503020204020204" pitchFamily="34" charset="-122"/>
+              </a:rPr>
+              <a:t>dropEffect</a:t>
+            </a:r>
+            <a:r>
+              <a:rPr lang="en-US" altLang="zh-CN" sz="2800" dirty="0" smtClean="0">
+                <a:solidFill>
+                  <a:srgbClr val="000000"/>
+                </a:solidFill>
+                <a:latin typeface="微软雅黑" panose="020B0503020204020204" pitchFamily="34" charset="-122"/>
+              </a:rPr>
+              <a:t> </a:t>
+            </a:r>
+            <a:r>
+              <a:rPr lang="zh-CN" altLang="en-US" sz="2800" dirty="0">
+                <a:solidFill>
+                  <a:srgbClr val="C00000"/>
+                </a:solidFill>
+                <a:latin typeface="微软雅黑" panose="020B0503020204020204" pitchFamily="34" charset="-122"/>
+              </a:rPr>
+              <a:t>属性</a:t>
+            </a:r>
+            <a:r>
+              <a:rPr lang="zh-CN" altLang="en-US" sz="2800" dirty="0">
+                <a:solidFill>
+                  <a:srgbClr val="000000"/>
+                </a:solidFill>
+                <a:latin typeface="微软雅黑" panose="020B0503020204020204" pitchFamily="34" charset="-122"/>
+              </a:rPr>
+              <a:t>  表示拖放操作的视觉</a:t>
+            </a:r>
+            <a:r>
+              <a:rPr lang="zh-CN" altLang="en-US" sz="2800" dirty="0" smtClean="0">
+                <a:solidFill>
+                  <a:srgbClr val="000000"/>
+                </a:solidFill>
+                <a:latin typeface="微软雅黑" panose="020B0503020204020204" pitchFamily="34" charset="-122"/>
+              </a:rPr>
+              <a:t>效果</a:t>
+            </a:r>
+            <a:endParaRPr lang="en-US" altLang="zh-CN" sz="2800" dirty="0">
+              <a:solidFill>
+                <a:srgbClr val="000000"/>
+              </a:solidFill>
+              <a:latin typeface="微软雅黑" panose="020B0503020204020204" pitchFamily="34" charset="-122"/>
+            </a:endParaRPr>
+          </a:p>
+          <a:p>
+            <a:pPr marL="1200150" lvl="1" indent="-457200">
+              <a:lnSpc>
+                <a:spcPts val="4100"/>
+              </a:lnSpc>
+              <a:spcBef>
+                <a:spcPts val="600"/>
+              </a:spcBef>
+              <a:spcAft>
+                <a:spcPts val="1200"/>
+              </a:spcAft>
+              <a:buClr>
+                <a:srgbClr val="008469"/>
+              </a:buClr>
+              <a:buFont typeface="Wingdings" pitchFamily="2" charset="2"/>
+              <a:buChar char="Ø"/>
+              <a:tabLst>
+                <a:tab pos="163513" algn="l"/>
+                <a:tab pos="611188" algn="l"/>
+                <a:tab pos="1060450" algn="l"/>
+                <a:tab pos="1509713" algn="l"/>
+                <a:tab pos="1958975" algn="l"/>
+                <a:tab pos="2408238" algn="l"/>
+                <a:tab pos="2857500" algn="l"/>
+                <a:tab pos="3306763" algn="l"/>
+                <a:tab pos="3756025" algn="l"/>
+                <a:tab pos="4205288" algn="l"/>
+                <a:tab pos="4654550" algn="l"/>
+                <a:tab pos="5103813" algn="l"/>
+                <a:tab pos="5553075" algn="l"/>
+                <a:tab pos="6002338" algn="l"/>
+                <a:tab pos="6451600" algn="l"/>
+                <a:tab pos="6900863" algn="l"/>
+                <a:tab pos="7350125" algn="l"/>
+                <a:tab pos="7799388" algn="l"/>
+                <a:tab pos="8248650" algn="l"/>
+                <a:tab pos="8697913" algn="l"/>
+                <a:tab pos="9147175" algn="l"/>
+              </a:tabLst>
+            </a:pPr>
+            <a:r>
+              <a:rPr lang="zh-CN" altLang="en-US" sz="2600" dirty="0">
+                <a:solidFill>
+                  <a:srgbClr val="000000"/>
+                </a:solidFill>
+                <a:latin typeface="微软雅黑" panose="020B0503020204020204" pitchFamily="34" charset="-122"/>
+              </a:rPr>
+              <a:t>在</a:t>
+            </a:r>
+            <a:r>
+              <a:rPr lang="en-US" altLang="zh-CN" sz="2600" dirty="0">
+                <a:solidFill>
+                  <a:srgbClr val="000000"/>
+                </a:solidFill>
+                <a:latin typeface="微软雅黑" panose="020B0503020204020204" pitchFamily="34" charset="-122"/>
+              </a:rPr>
+              <a:t>PC Web</a:t>
+            </a:r>
+            <a:r>
+              <a:rPr lang="zh-CN" altLang="en-US" sz="2600" dirty="0">
+                <a:solidFill>
+                  <a:srgbClr val="000000"/>
+                </a:solidFill>
+                <a:latin typeface="微软雅黑" panose="020B0503020204020204" pitchFamily="34" charset="-122"/>
+              </a:rPr>
+              <a:t>端主要表现在鼠标手形</a:t>
+            </a:r>
+            <a:r>
+              <a:rPr lang="zh-CN" altLang="en-US" sz="2600" dirty="0" smtClean="0">
+                <a:solidFill>
+                  <a:srgbClr val="000000"/>
+                </a:solidFill>
+                <a:latin typeface="微软雅黑" panose="020B0503020204020204" pitchFamily="34" charset="-122"/>
+              </a:rPr>
+              <a:t>上</a:t>
+            </a:r>
+            <a:endParaRPr lang="en-US" altLang="zh-CN" sz="2600" dirty="0">
+              <a:solidFill>
+                <a:srgbClr val="000000"/>
+              </a:solidFill>
+              <a:latin typeface="微软雅黑" panose="020B0503020204020204" pitchFamily="34" charset="-122"/>
+            </a:endParaRPr>
+          </a:p>
+          <a:p>
+            <a:pPr marL="1200150" lvl="1" indent="-457200">
+              <a:lnSpc>
+                <a:spcPts val="4100"/>
+              </a:lnSpc>
+              <a:spcBef>
+                <a:spcPts val="600"/>
+              </a:spcBef>
+              <a:spcAft>
+                <a:spcPts val="1200"/>
+              </a:spcAft>
+              <a:buClr>
+                <a:srgbClr val="008469"/>
+              </a:buClr>
+              <a:buFont typeface="Wingdings" pitchFamily="2" charset="2"/>
+              <a:buChar char="Ø"/>
+              <a:tabLst>
+                <a:tab pos="163513" algn="l"/>
+                <a:tab pos="611188" algn="l"/>
+                <a:tab pos="1060450" algn="l"/>
+                <a:tab pos="1509713" algn="l"/>
+                <a:tab pos="1958975" algn="l"/>
+                <a:tab pos="2408238" algn="l"/>
+                <a:tab pos="2857500" algn="l"/>
+                <a:tab pos="3306763" algn="l"/>
+                <a:tab pos="3756025" algn="l"/>
+                <a:tab pos="4205288" algn="l"/>
+                <a:tab pos="4654550" algn="l"/>
+                <a:tab pos="5103813" algn="l"/>
+                <a:tab pos="5553075" algn="l"/>
+                <a:tab pos="6002338" algn="l"/>
+                <a:tab pos="6451600" algn="l"/>
+                <a:tab pos="6900863" algn="l"/>
+                <a:tab pos="7350125" algn="l"/>
+                <a:tab pos="7799388" algn="l"/>
+                <a:tab pos="8248650" algn="l"/>
+                <a:tab pos="8697913" algn="l"/>
+                <a:tab pos="9147175" algn="l"/>
+              </a:tabLst>
+            </a:pPr>
+            <a:r>
+              <a:rPr lang="zh-CN" altLang="en-US" sz="2600" dirty="0">
+                <a:solidFill>
+                  <a:srgbClr val="000000"/>
+                </a:solidFill>
+                <a:latin typeface="微软雅黑" panose="020B0503020204020204" pitchFamily="34" charset="-122"/>
+              </a:rPr>
+              <a:t>值</a:t>
+            </a:r>
+            <a:r>
+              <a:rPr lang="zh-CN" altLang="en-US" sz="2600" dirty="0" smtClean="0">
+                <a:solidFill>
+                  <a:srgbClr val="000000"/>
+                </a:solidFill>
+                <a:latin typeface="微软雅黑" panose="020B0503020204020204" pitchFamily="34" charset="-122"/>
+              </a:rPr>
+              <a:t>为</a:t>
+            </a:r>
+            <a:r>
+              <a:rPr lang="en-US" altLang="zh-CN" sz="2600" dirty="0" smtClean="0">
+                <a:solidFill>
+                  <a:srgbClr val="000000"/>
+                </a:solidFill>
+                <a:latin typeface="微软雅黑" panose="020B0503020204020204" pitchFamily="34" charset="-122"/>
+              </a:rPr>
+              <a:t>copy</a:t>
+            </a:r>
+            <a:r>
+              <a:rPr lang="zh-CN" altLang="en-US" sz="2600" dirty="0">
+                <a:solidFill>
+                  <a:srgbClr val="000000"/>
+                </a:solidFill>
+                <a:latin typeface="微软雅黑" panose="020B0503020204020204" pitchFamily="34" charset="-122"/>
+              </a:rPr>
+              <a:t>，</a:t>
+            </a:r>
+            <a:r>
+              <a:rPr lang="en-US" altLang="zh-CN" sz="2600" dirty="0" smtClean="0">
+                <a:solidFill>
+                  <a:srgbClr val="000000"/>
+                </a:solidFill>
+                <a:latin typeface="微软雅黑" panose="020B0503020204020204" pitchFamily="34" charset="-122"/>
+              </a:rPr>
+              <a:t>link</a:t>
+            </a:r>
+            <a:r>
+              <a:rPr lang="zh-CN" altLang="en-US" sz="2600" dirty="0" smtClean="0">
+                <a:solidFill>
+                  <a:srgbClr val="000000"/>
+                </a:solidFill>
+                <a:latin typeface="微软雅黑" panose="020B0503020204020204" pitchFamily="34" charset="-122"/>
+              </a:rPr>
+              <a:t>，</a:t>
+            </a:r>
+            <a:r>
+              <a:rPr lang="en-US" altLang="zh-CN" sz="2600" dirty="0" smtClean="0">
+                <a:solidFill>
+                  <a:srgbClr val="000000"/>
+                </a:solidFill>
+                <a:latin typeface="微软雅黑" panose="020B0503020204020204" pitchFamily="34" charset="-122"/>
+              </a:rPr>
+              <a:t>move</a:t>
+            </a:r>
+            <a:r>
+              <a:rPr lang="zh-CN" altLang="en-US" sz="2600" dirty="0" smtClean="0">
+                <a:solidFill>
+                  <a:srgbClr val="000000"/>
+                </a:solidFill>
+                <a:latin typeface="微软雅黑" panose="020B0503020204020204" pitchFamily="34" charset="-122"/>
+              </a:rPr>
+              <a:t>或</a:t>
+            </a:r>
+            <a:r>
+              <a:rPr lang="en-US" altLang="zh-CN" sz="2600" dirty="0" smtClean="0">
+                <a:solidFill>
+                  <a:srgbClr val="000000"/>
+                </a:solidFill>
+                <a:latin typeface="微软雅黑" panose="020B0503020204020204" pitchFamily="34" charset="-122"/>
+              </a:rPr>
+              <a:t>none</a:t>
+            </a:r>
+            <a:endParaRPr lang="en-US" altLang="zh-CN" sz="2600" dirty="0">
+              <a:solidFill>
+                <a:srgbClr val="000000"/>
+              </a:solidFill>
+              <a:latin typeface="微软雅黑" panose="020B0503020204020204" pitchFamily="34" charset="-122"/>
+            </a:endParaRPr>
+          </a:p>
+          <a:p>
+            <a:pPr marL="163513" indent="-163513">
+              <a:lnSpc>
+                <a:spcPts val="4100"/>
+              </a:lnSpc>
+              <a:spcBef>
+                <a:spcPts val="600"/>
+              </a:spcBef>
+              <a:spcAft>
+                <a:spcPts val="1200"/>
+              </a:spcAft>
+              <a:buClr>
+                <a:srgbClr val="008469"/>
+              </a:buClr>
+              <a:buFont typeface="Arial" panose="020B0604020202020204" pitchFamily="34" charset="0"/>
+              <a:buChar char="•"/>
+              <a:tabLst>
+                <a:tab pos="163513" algn="l"/>
+                <a:tab pos="611188" algn="l"/>
+                <a:tab pos="1060450" algn="l"/>
+                <a:tab pos="1509713" algn="l"/>
+                <a:tab pos="1958975" algn="l"/>
+                <a:tab pos="2408238" algn="l"/>
+                <a:tab pos="2857500" algn="l"/>
+                <a:tab pos="3306763" algn="l"/>
+                <a:tab pos="3756025" algn="l"/>
+                <a:tab pos="4205288" algn="l"/>
+                <a:tab pos="4654550" algn="l"/>
+                <a:tab pos="5103813" algn="l"/>
+                <a:tab pos="5553075" algn="l"/>
+                <a:tab pos="6002338" algn="l"/>
+                <a:tab pos="6451600" algn="l"/>
+                <a:tab pos="6900863" algn="l"/>
+                <a:tab pos="7350125" algn="l"/>
+                <a:tab pos="7799388" algn="l"/>
+                <a:tab pos="8248650" algn="l"/>
+                <a:tab pos="8697913" algn="l"/>
+                <a:tab pos="9147175" algn="l"/>
+              </a:tabLst>
+            </a:pPr>
+            <a:r>
+              <a:rPr lang="en-US" altLang="zh-CN" sz="2800" dirty="0" smtClean="0">
+                <a:solidFill>
+                  <a:srgbClr val="C00000"/>
+                </a:solidFill>
+                <a:latin typeface="微软雅黑" panose="020B0503020204020204" pitchFamily="34" charset="-122"/>
+              </a:rPr>
+              <a:t>types</a:t>
+            </a:r>
+            <a:r>
+              <a:rPr lang="en-US" altLang="zh-CN" sz="2800" dirty="0" smtClean="0">
+                <a:solidFill>
+                  <a:srgbClr val="000000"/>
+                </a:solidFill>
+                <a:latin typeface="微软雅黑" panose="020B0503020204020204" pitchFamily="34" charset="-122"/>
+              </a:rPr>
+              <a:t> </a:t>
+            </a:r>
+            <a:r>
+              <a:rPr lang="zh-CN" altLang="en-US" sz="2800" dirty="0" smtClean="0">
+                <a:solidFill>
+                  <a:srgbClr val="C00000"/>
+                </a:solidFill>
+                <a:latin typeface="微软雅黑" panose="020B0503020204020204" pitchFamily="34" charset="-122"/>
+              </a:rPr>
+              <a:t>属性</a:t>
+            </a:r>
+            <a:r>
+              <a:rPr lang="zh-CN" altLang="en-US" sz="2800" dirty="0" smtClean="0">
+                <a:solidFill>
+                  <a:srgbClr val="000000"/>
+                </a:solidFill>
+                <a:latin typeface="微软雅黑" panose="020B0503020204020204" pitchFamily="34" charset="-122"/>
+              </a:rPr>
+              <a:t>  存入数据的</a:t>
+            </a:r>
+            <a:r>
+              <a:rPr lang="zh-CN" altLang="en-US" sz="2800" dirty="0" smtClean="0">
+                <a:solidFill>
+                  <a:srgbClr val="000000"/>
+                </a:solidFill>
+                <a:latin typeface="微软雅黑" panose="020B0503020204020204" pitchFamily="34" charset="-122"/>
+              </a:rPr>
+              <a:t>种类</a:t>
             </a:r>
             <a:endParaRPr lang="en-US" altLang="zh-CN" sz="2800" dirty="0" smtClean="0">
               <a:solidFill>
@@ -28954,11 +30782,11 @@
             <a:r>
               <a:rPr lang="en-US" altLang="zh-CN" sz="2800" dirty="0" err="1" smtClean="0">
                 <a:solidFill>
-                  <a:srgbClr val="000000"/>
+                  <a:srgbClr val="C00000"/>
                 </a:solidFill>
                 <a:latin typeface="微软雅黑" panose="020B0503020204020204" pitchFamily="34" charset="-122"/>
               </a:rPr>
-              <a:t>dropEffect</a:t>
+              <a:t>effectAllowed</a:t>
             </a:r>
             <a:r>
               <a:rPr lang="en-US" altLang="zh-CN" sz="2800" dirty="0" smtClean="0">
@@ -28972,11 +30800,11 @@
             <a:r>
               <a:rPr lang="zh-CN" altLang="en-US" sz="2800" dirty="0" smtClean="0">
                 <a:solidFill>
-                  <a:srgbClr val="000000"/>
+                  <a:srgbClr val="C00000"/>
                 </a:solidFill>
                 <a:latin typeface="微软雅黑" panose="020B0503020204020204" pitchFamily="34" charset="-122"/>
               </a:rPr>
-              <a:t>属性  </a:t>
+              <a:t>属性</a:t>
             </a:r>
             <a:r>
               <a:rPr lang="zh-CN" altLang="en-US" sz="2800" dirty="0" smtClean="0">
@@ -28985,7 +30813,25 @@
                 </a:solidFill>
                 <a:latin typeface="微软雅黑" panose="020B0503020204020204" pitchFamily="34" charset="-122"/>
               </a:rPr>
-              <a:t>表示拖放操作的视觉效果。</a:t>
+              <a:t>  指定</a:t>
+            </a:r>
+            <a:r>
+              <a:rPr lang="zh-CN" altLang="en-US" sz="2800" dirty="0">
+                <a:solidFill>
+                  <a:srgbClr val="000000"/>
+                </a:solidFill>
+                <a:latin typeface="微软雅黑" panose="020B0503020204020204" pitchFamily="34" charset="-122"/>
+              </a:rPr>
+              <a:t>拖放操作所允许的一个</a:t>
+            </a:r>
+            <a:r>
+              <a:rPr lang="zh-CN" altLang="en-US" sz="2800" dirty="0" smtClean="0">
+                <a:solidFill>
+                  <a:srgbClr val="000000"/>
+                </a:solidFill>
+                <a:latin typeface="微软雅黑" panose="020B0503020204020204" pitchFamily="34" charset="-122"/>
+              </a:rPr>
+              <a:t>效果</a:t>
             </a:r>
             <a:endParaRPr lang="en-US" altLang="zh-CN" sz="2800" dirty="0" smtClean="0">
               <a:solidFill>
@@ -29010,7 +30856,385 @@
   <p:timing>
     <p:tnLst>
       <p:par>
-        <p:cTn id="1" dur="indefinite" restart="never" nodeType="tmRoot"/>
+        <p:cTn id="1" dur="indefinite" restart="never" nodeType="tmRoot">
+          <p:childTnLst>
+            <p:seq concurrent="1" nextAc="seek">
+              <p:cTn id="2" dur="indefinite" nodeType="mainSeq">
+                <p:childTnLst>
+                  <p:par>
+                    <p:cTn id="3" fill="hold">
+                      <p:stCondLst>
+                        <p:cond delay="indefinite"/>
+                      </p:stCondLst>
+                      <p:childTnLst>
+                        <p:par>
+                          <p:cTn id="4" fill="hold">
+                            <p:stCondLst>
+                              <p:cond delay="0"/>
+                            </p:stCondLst>
+                            <p:childTnLst>
+                              <p:par>
+                                <p:cTn id="5" presetID="10" presetClass="entr" presetSubtype="0" fill="hold" nodeType="clickEffect">
+                                  <p:stCondLst>
+                                    <p:cond delay="0"/>
+                                  </p:stCondLst>
+                                  <p:childTnLst>
+                                    <p:set>
+                                      <p:cBhvr>
+                                        <p:cTn id="6" dur="1" fill="hold">
+                                          <p:stCondLst>
+                                            <p:cond delay="0"/>
+                                          </p:stCondLst>
+                                        </p:cTn>
+                                        <p:tgtEl>
+                                          <p:spTgt spid="7">
+                                            <p:txEl>
+                                              <p:pRg st="0" end="0"/>
+                                            </p:txEl>
+                                          </p:spTgt>
+                                        </p:tgtEl>
+                                        <p:attrNameLst>
+                                          <p:attrName>style.visibility</p:attrName>
+                                        </p:attrNameLst>
+                                      </p:cBhvr>
+                                      <p:to>
+                                        <p:strVal val="visible"/>
+                                      </p:to>
+                                    </p:set>
+                                    <p:animEffect transition="in" filter="fade">
+                                      <p:cBhvr>
+                                        <p:cTn id="7" dur="500"/>
+                                        <p:tgtEl>
+                                          <p:spTgt spid="7">
+                                            <p:txEl>
+                                              <p:pRg st="0" end="0"/>
+                                            </p:txEl>
+                                          </p:spTgt>
+                                        </p:tgtEl>
+                                      </p:cBhvr>
+                                    </p:animEffect>
+                                  </p:childTnLst>
+                                </p:cTn>
+                              </p:par>
+                              <p:par>
+                                <p:cTn id="8" presetID="10" presetClass="entr" presetSubtype="0" fill="hold" nodeType="withEffect">
+                                  <p:stCondLst>
+                                    <p:cond delay="0"/>
+                                  </p:stCondLst>
+                                  <p:childTnLst>
+                                    <p:set>
+                                      <p:cBhvr>
+                                        <p:cTn id="9" dur="1" fill="hold">
+                                          <p:stCondLst>
+                                            <p:cond delay="0"/>
+                                          </p:stCondLst>
+                                        </p:cTn>
+                                        <p:tgtEl>
+                                          <p:spTgt spid="7">
+                                            <p:txEl>
+                                              <p:pRg st="1" end="1"/>
+                                            </p:txEl>
+                                          </p:spTgt>
+                                        </p:tgtEl>
+                                        <p:attrNameLst>
+                                          <p:attrName>style.visibility</p:attrName>
+                                        </p:attrNameLst>
+                                      </p:cBhvr>
+                                      <p:to>
+                                        <p:strVal val="visible"/>
+                                      </p:to>
+                                    </p:set>
+                                    <p:animEffect transition="in" filter="fade">
+                                      <p:cBhvr>
+                                        <p:cTn id="10" dur="500"/>
+                                        <p:tgtEl>
+                                          <p:spTgt spid="7">
+                                            <p:txEl>
+                                              <p:pRg st="1" end="1"/>
+                                            </p:txEl>
+                                          </p:spTgt>
+                                        </p:tgtEl>
+                                      </p:cBhvr>
+                                    </p:animEffect>
+                                  </p:childTnLst>
+                                </p:cTn>
+                              </p:par>
+                            </p:childTnLst>
+                          </p:cTn>
+                        </p:par>
+                      </p:childTnLst>
+                    </p:cTn>
+                  </p:par>
+                  <p:par>
+                    <p:cTn id="11" fill="hold">
+                      <p:stCondLst>
+                        <p:cond delay="indefinite"/>
+                      </p:stCondLst>
+                      <p:childTnLst>
+                        <p:par>
+                          <p:cTn id="12" fill="hold">
+                            <p:stCondLst>
+                              <p:cond delay="0"/>
+                            </p:stCondLst>
+                            <p:childTnLst>
+                              <p:par>
+                                <p:cTn id="13" presetID="10" presetClass="entr" presetSubtype="0" fill="hold" nodeType="clickEffect">
+                                  <p:stCondLst>
+                                    <p:cond delay="0"/>
+                                  </p:stCondLst>
+                                  <p:childTnLst>
+                                    <p:set>
+                                      <p:cBhvr>
+                                        <p:cTn id="14" dur="1" fill="hold">
+                                          <p:stCondLst>
+                                            <p:cond delay="0"/>
+                                          </p:stCondLst>
+                                        </p:cTn>
+                                        <p:tgtEl>
+                                          <p:spTgt spid="7">
+                                            <p:txEl>
+                                              <p:pRg st="2" end="2"/>
+                                            </p:txEl>
+                                          </p:spTgt>
+                                        </p:tgtEl>
+                                        <p:attrNameLst>
+                                          <p:attrName>style.visibility</p:attrName>
+                                        </p:attrNameLst>
+                                      </p:cBhvr>
+                                      <p:to>
+                                        <p:strVal val="visible"/>
+                                      </p:to>
+                                    </p:set>
+                                    <p:animEffect transition="in" filter="fade">
+                                      <p:cBhvr>
+                                        <p:cTn id="15" dur="500"/>
+                                        <p:tgtEl>
+                                          <p:spTgt spid="7">
+                                            <p:txEl>
+                                              <p:pRg st="2" end="2"/>
+                                            </p:txEl>
+                                          </p:spTgt>
+                                        </p:tgtEl>
+                                      </p:cBhvr>
+                                    </p:animEffect>
+                                  </p:childTnLst>
+                                </p:cTn>
+                              </p:par>
+                              <p:par>
+                                <p:cTn id="16" presetID="10" presetClass="entr" presetSubtype="0" fill="hold" nodeType="withEffect">
+                                  <p:stCondLst>
+                                    <p:cond delay="0"/>
+                                  </p:stCondLst>
+                                  <p:childTnLst>
+                                    <p:set>
+                                      <p:cBhvr>
+                                        <p:cTn id="17" dur="1" fill="hold">
+                                          <p:stCondLst>
+                                            <p:cond delay="0"/>
+                                          </p:stCondLst>
+                                        </p:cTn>
+                                        <p:tgtEl>
+                                          <p:spTgt spid="7">
+                                            <p:txEl>
+                                              <p:pRg st="3" end="3"/>
+                                            </p:txEl>
+                                          </p:spTgt>
+                                        </p:tgtEl>
+                                        <p:attrNameLst>
+                                          <p:attrName>style.visibility</p:attrName>
+                                        </p:attrNameLst>
+                                      </p:cBhvr>
+                                      <p:to>
+                                        <p:strVal val="visible"/>
+                                      </p:to>
+                                    </p:set>
+                                    <p:animEffect transition="in" filter="fade">
+                                      <p:cBhvr>
+                                        <p:cTn id="18" dur="500"/>
+                                        <p:tgtEl>
+                                          <p:spTgt spid="7">
+                                            <p:txEl>
+                                              <p:pRg st="3" end="3"/>
+                                            </p:txEl>
+                                          </p:spTgt>
+                                        </p:tgtEl>
+                                      </p:cBhvr>
+                                    </p:animEffect>
+                                  </p:childTnLst>
+                                </p:cTn>
+                              </p:par>
+                              <p:par>
+                                <p:cTn id="19" presetID="10" presetClass="entr" presetSubtype="0" fill="hold" nodeType="withEffect">
+                                  <p:stCondLst>
+                                    <p:cond delay="0"/>
+                                  </p:stCondLst>
+                                  <p:childTnLst>
+                                    <p:set>
+                                      <p:cBhvr>
+                                        <p:cTn id="20" dur="1" fill="hold">
+                                          <p:stCondLst>
+                                            <p:cond delay="0"/>
+                                          </p:stCondLst>
+                                        </p:cTn>
+                                        <p:tgtEl>
+                                          <p:spTgt spid="7">
+                                            <p:txEl>
+                                              <p:pRg st="4" end="4"/>
+                                            </p:txEl>
+                                          </p:spTgt>
+                                        </p:tgtEl>
+                                        <p:attrNameLst>
+                                          <p:attrName>style.visibility</p:attrName>
+                                        </p:attrNameLst>
+                                      </p:cBhvr>
+                                      <p:to>
+                                        <p:strVal val="visible"/>
+                                      </p:to>
+                                    </p:set>
+                                    <p:animEffect transition="in" filter="fade">
+                                      <p:cBhvr>
+                                        <p:cTn id="21" dur="500"/>
+                                        <p:tgtEl>
+                                          <p:spTgt spid="7">
+                                            <p:txEl>
+                                              <p:pRg st="4" end="4"/>
+                                            </p:txEl>
+                                          </p:spTgt>
+                                        </p:tgtEl>
+                                      </p:cBhvr>
+                                    </p:animEffect>
+                                  </p:childTnLst>
+                                </p:cTn>
+                              </p:par>
+                            </p:childTnLst>
+                          </p:cTn>
+                        </p:par>
+                      </p:childTnLst>
+                    </p:cTn>
+                  </p:par>
+                  <p:par>
+                    <p:cTn id="22" fill="hold">
+                      <p:stCondLst>
+                        <p:cond delay="indefinite"/>
+                      </p:stCondLst>
+                      <p:childTnLst>
+                        <p:par>
+                          <p:cTn id="23" fill="hold">
+                            <p:stCondLst>
+                              <p:cond delay="0"/>
+                            </p:stCondLst>
+                            <p:childTnLst>
+                              <p:par>
+                                <p:cTn id="24" presetID="10" presetClass="entr" presetSubtype="0" fill="hold" nodeType="clickEffect">
+                                  <p:stCondLst>
+                                    <p:cond delay="0"/>
+                                  </p:stCondLst>
+                                  <p:childTnLst>
+                                    <p:set>
+                                      <p:cBhvr>
+                                        <p:cTn id="25" dur="1" fill="hold">
+                                          <p:stCondLst>
+                                            <p:cond delay="0"/>
+                                          </p:stCondLst>
+                                        </p:cTn>
+                                        <p:tgtEl>
+                                          <p:spTgt spid="7">
+                                            <p:txEl>
+                                              <p:pRg st="5" end="5"/>
+                                            </p:txEl>
+                                          </p:spTgt>
+                                        </p:tgtEl>
+                                        <p:attrNameLst>
+                                          <p:attrName>style.visibility</p:attrName>
+                                        </p:attrNameLst>
+                                      </p:cBhvr>
+                                      <p:to>
+                                        <p:strVal val="visible"/>
+                                      </p:to>
+                                    </p:set>
+                                    <p:animEffect transition="in" filter="fade">
+                                      <p:cBhvr>
+                                        <p:cTn id="26" dur="500"/>
+                                        <p:tgtEl>
+                                          <p:spTgt spid="7">
+                                            <p:txEl>
+                                              <p:pRg st="5" end="5"/>
+                                            </p:txEl>
+                                          </p:spTgt>
+                                        </p:tgtEl>
+                                      </p:cBhvr>
+                                    </p:animEffect>
+                                  </p:childTnLst>
+                                </p:cTn>
+                              </p:par>
+                              <p:par>
+                                <p:cTn id="27" presetID="10" presetClass="entr" presetSubtype="0" fill="hold" nodeType="withEffect">
+                                  <p:stCondLst>
+                                    <p:cond delay="0"/>
+                                  </p:stCondLst>
+                                  <p:childTnLst>
+                                    <p:set>
+                                      <p:cBhvr>
+                                        <p:cTn id="28" dur="1" fill="hold">
+                                          <p:stCondLst>
+                                            <p:cond delay="0"/>
+                                          </p:stCondLst>
+                                        </p:cTn>
+                                        <p:tgtEl>
+                                          <p:spTgt spid="7">
+                                            <p:txEl>
+                                              <p:pRg st="6" end="6"/>
+                                            </p:txEl>
+                                          </p:spTgt>
+                                        </p:tgtEl>
+                                        <p:attrNameLst>
+                                          <p:attrName>style.visibility</p:attrName>
+                                        </p:attrNameLst>
+                                      </p:cBhvr>
+                                      <p:to>
+                                        <p:strVal val="visible"/>
+                                      </p:to>
+                                    </p:set>
+                                    <p:animEffect transition="in" filter="fade">
+                                      <p:cBhvr>
+                                        <p:cTn id="29" dur="500"/>
+                                        <p:tgtEl>
+                                          <p:spTgt spid="7">
+                                            <p:txEl>
+                                              <p:pRg st="6" end="6"/>
+                                            </p:txEl>
+                                          </p:spTgt>
+                                        </p:tgtEl>
+                                      </p:cBhvr>
+                                    </p:animEffect>
+                                  </p:childTnLst>
+                                </p:cTn>
+                              </p:par>
+                            </p:childTnLst>
+                          </p:cTn>
+                        </p:par>
+                      </p:childTnLst>
+                    </p:cTn>
+                  </p:par>
+                </p:childTnLst>
+              </p:cTn>
+              <p:prevCondLst>
+                <p:cond evt="onPrev" delay="0">
+                  <p:tgtEl>
+                    <p:sldTgt/>
+                  </p:tgtEl>
+                </p:cond>
+              </p:prevCondLst>
+              <p:nextCondLst>
+                <p:cond evt="onNext" delay="0">
+                  <p:tgtEl>
+                    <p:sldTgt/>
+                  </p:tgtEl>
+                </p:cond>
+              </p:nextCondLst>
+            </p:seq>
+          </p:childTnLst>
+        </p:cTn>
       </p:par>
     </p:tnLst>
   </p:timing>
@@ -30035,7 +32259,7 @@
   </a:extraClrSchemeLst>
   <a:extLst>
     <a:ext uri="{05A4C25C-085E-4340-85A3-A5531E510DB2}">
-      <thm15:themeFamily xmlns:thm15="http://schemas.microsoft.com/office/thememl/2012/main" name="主题1" id="{86382D77-5A03-4C7F-A6FB-C50AE0DF7021}" vid="{A9CEBC2F-4706-499C-A4BD-336CA12F86BA}"/>
+      <thm15:themeFamily xmlns:thm15="http://schemas.microsoft.com/office/thememl/2012/main" xmlns="" name="主题1" id="{86382D77-5A03-4C7F-A6FB-C50AE0DF7021}" vid="{A9CEBC2F-4706-499C-A4BD-336CA12F86BA}"/>
     </a:ext>
   </a:extLst>
 </a:theme>
